--- a/slides.pptx
+++ b/slides.pptx
@@ -15,6 +15,8 @@
     <p:sldId id="264" r:id="rId9"/>
     <p:sldId id="263" r:id="rId10"/>
     <p:sldId id="261" r:id="rId11"/>
+    <p:sldId id="266" r:id="rId12"/>
+    <p:sldId id="267" r:id="rId13"/>
   </p:sldIdLst>
   <p:sldSz cx="12192000" cy="6858000"/>
   <p:notesSz cx="6858000" cy="9144000"/>
@@ -270,7 +272,7 @@
           <a:p>
             <a:fld id="{C20C4901-BF78-4450-8C22-6E0E9C4DFBAB}" type="datetimeFigureOut">
               <a:rPr lang="en-IL" smtClean="0"/>
-              <a:t>16/09/2023</a:t>
+              <a:t>27/09/2023</a:t>
             </a:fld>
             <a:endParaRPr lang="en-IL"/>
           </a:p>
@@ -470,7 +472,7 @@
           <a:p>
             <a:fld id="{C20C4901-BF78-4450-8C22-6E0E9C4DFBAB}" type="datetimeFigureOut">
               <a:rPr lang="en-IL" smtClean="0"/>
-              <a:t>16/09/2023</a:t>
+              <a:t>27/09/2023</a:t>
             </a:fld>
             <a:endParaRPr lang="en-IL"/>
           </a:p>
@@ -680,7 +682,7 @@
           <a:p>
             <a:fld id="{C20C4901-BF78-4450-8C22-6E0E9C4DFBAB}" type="datetimeFigureOut">
               <a:rPr lang="en-IL" smtClean="0"/>
-              <a:t>16/09/2023</a:t>
+              <a:t>27/09/2023</a:t>
             </a:fld>
             <a:endParaRPr lang="en-IL"/>
           </a:p>
@@ -880,7 +882,7 @@
           <a:p>
             <a:fld id="{C20C4901-BF78-4450-8C22-6E0E9C4DFBAB}" type="datetimeFigureOut">
               <a:rPr lang="en-IL" smtClean="0"/>
-              <a:t>16/09/2023</a:t>
+              <a:t>27/09/2023</a:t>
             </a:fld>
             <a:endParaRPr lang="en-IL"/>
           </a:p>
@@ -1156,7 +1158,7 @@
           <a:p>
             <a:fld id="{C20C4901-BF78-4450-8C22-6E0E9C4DFBAB}" type="datetimeFigureOut">
               <a:rPr lang="en-IL" smtClean="0"/>
-              <a:t>16/09/2023</a:t>
+              <a:t>27/09/2023</a:t>
             </a:fld>
             <a:endParaRPr lang="en-IL"/>
           </a:p>
@@ -1424,7 +1426,7 @@
           <a:p>
             <a:fld id="{C20C4901-BF78-4450-8C22-6E0E9C4DFBAB}" type="datetimeFigureOut">
               <a:rPr lang="en-IL" smtClean="0"/>
-              <a:t>16/09/2023</a:t>
+              <a:t>27/09/2023</a:t>
             </a:fld>
             <a:endParaRPr lang="en-IL"/>
           </a:p>
@@ -1839,7 +1841,7 @@
           <a:p>
             <a:fld id="{C20C4901-BF78-4450-8C22-6E0E9C4DFBAB}" type="datetimeFigureOut">
               <a:rPr lang="en-IL" smtClean="0"/>
-              <a:t>16/09/2023</a:t>
+              <a:t>27/09/2023</a:t>
             </a:fld>
             <a:endParaRPr lang="en-IL"/>
           </a:p>
@@ -1981,7 +1983,7 @@
           <a:p>
             <a:fld id="{C20C4901-BF78-4450-8C22-6E0E9C4DFBAB}" type="datetimeFigureOut">
               <a:rPr lang="en-IL" smtClean="0"/>
-              <a:t>16/09/2023</a:t>
+              <a:t>27/09/2023</a:t>
             </a:fld>
             <a:endParaRPr lang="en-IL"/>
           </a:p>
@@ -2094,7 +2096,7 @@
           <a:p>
             <a:fld id="{C20C4901-BF78-4450-8C22-6E0E9C4DFBAB}" type="datetimeFigureOut">
               <a:rPr lang="en-IL" smtClean="0"/>
-              <a:t>16/09/2023</a:t>
+              <a:t>27/09/2023</a:t>
             </a:fld>
             <a:endParaRPr lang="en-IL"/>
           </a:p>
@@ -2407,7 +2409,7 @@
           <a:p>
             <a:fld id="{C20C4901-BF78-4450-8C22-6E0E9C4DFBAB}" type="datetimeFigureOut">
               <a:rPr lang="en-IL" smtClean="0"/>
-              <a:t>16/09/2023</a:t>
+              <a:t>27/09/2023</a:t>
             </a:fld>
             <a:endParaRPr lang="en-IL"/>
           </a:p>
@@ -2696,7 +2698,7 @@
           <a:p>
             <a:fld id="{C20C4901-BF78-4450-8C22-6E0E9C4DFBAB}" type="datetimeFigureOut">
               <a:rPr lang="en-IL" smtClean="0"/>
-              <a:t>16/09/2023</a:t>
+              <a:t>27/09/2023</a:t>
             </a:fld>
             <a:endParaRPr lang="en-IL"/>
           </a:p>
@@ -2939,7 +2941,7 @@
           <a:p>
             <a:fld id="{C20C4901-BF78-4450-8C22-6E0E9C4DFBAB}" type="datetimeFigureOut">
               <a:rPr lang="en-IL" smtClean="0"/>
-              <a:t>16/09/2023</a:t>
+              <a:t>27/09/2023</a:t>
             </a:fld>
             <a:endParaRPr lang="en-IL"/>
           </a:p>
@@ -3598,6 +3600,2694 @@
 </p:sld>
 </file>
 
+<file path=ppt/slides/slide11.xml><?xml version="1.0" encoding="utf-8"?>
+<p:sld xmlns:a="http://schemas.openxmlformats.org/drawingml/2006/main" xmlns:r="http://schemas.openxmlformats.org/officeDocument/2006/relationships" xmlns:p="http://schemas.openxmlformats.org/presentationml/2006/main">
+  <p:cSld>
+    <p:spTree>
+      <p:nvGrpSpPr>
+        <p:cNvPr id="1" name=""/>
+        <p:cNvGrpSpPr/>
+        <p:nvPr/>
+      </p:nvGrpSpPr>
+      <p:grpSpPr>
+        <a:xfrm>
+          <a:off x="0" y="0"/>
+          <a:ext cx="0" cy="0"/>
+          <a:chOff x="0" y="0"/>
+          <a:chExt cx="0" cy="0"/>
+        </a:xfrm>
+      </p:grpSpPr>
+      <p:sp>
+        <p:nvSpPr>
+          <p:cNvPr id="4" name="Rectangle 3">
+            <a:extLst>
+              <a:ext uri="{FF2B5EF4-FFF2-40B4-BE49-F238E27FC236}">
+                <a16:creationId xmlns:a16="http://schemas.microsoft.com/office/drawing/2014/main" id="{F284F489-732C-231D-0465-6B806AE9F6FB}"/>
+              </a:ext>
+            </a:extLst>
+          </p:cNvPr>
+          <p:cNvSpPr/>
+          <p:nvPr/>
+        </p:nvSpPr>
+        <p:spPr>
+          <a:xfrm>
+            <a:off x="997527" y="895927"/>
+            <a:ext cx="5578764" cy="2798618"/>
+          </a:xfrm>
+          <a:prstGeom prst="rect">
+            <a:avLst/>
+          </a:prstGeom>
+        </p:spPr>
+        <p:style>
+          <a:lnRef idx="2">
+            <a:schemeClr val="accent1">
+              <a:shade val="15000"/>
+            </a:schemeClr>
+          </a:lnRef>
+          <a:fillRef idx="1">
+            <a:schemeClr val="accent1"/>
+          </a:fillRef>
+          <a:effectRef idx="0">
+            <a:schemeClr val="accent1"/>
+          </a:effectRef>
+          <a:fontRef idx="minor">
+            <a:schemeClr val="lt1"/>
+          </a:fontRef>
+        </p:style>
+        <p:txBody>
+          <a:bodyPr rtlCol="0" anchor="ctr"/>
+          <a:lstStyle/>
+          <a:p>
+            <a:pPr algn="ctr"/>
+            <a:endParaRPr lang="en-IL"/>
+          </a:p>
+        </p:txBody>
+      </p:sp>
+      <p:cxnSp>
+        <p:nvCxnSpPr>
+          <p:cNvPr id="6" name="Straight Arrow Connector 5">
+            <a:extLst>
+              <a:ext uri="{FF2B5EF4-FFF2-40B4-BE49-F238E27FC236}">
+                <a16:creationId xmlns:a16="http://schemas.microsoft.com/office/drawing/2014/main" id="{C500ACC0-8540-5A91-F703-BE6C4453E129}"/>
+              </a:ext>
+            </a:extLst>
+          </p:cNvPr>
+          <p:cNvCxnSpPr/>
+          <p:nvPr/>
+        </p:nvCxnSpPr>
+        <p:spPr>
+          <a:xfrm>
+            <a:off x="997527" y="618836"/>
+            <a:ext cx="5578764" cy="0"/>
+          </a:xfrm>
+          <a:prstGeom prst="straightConnector1">
+            <a:avLst/>
+          </a:prstGeom>
+          <a:ln>
+            <a:tailEnd type="triangle"/>
+          </a:ln>
+        </p:spPr>
+        <p:style>
+          <a:lnRef idx="1">
+            <a:schemeClr val="accent1"/>
+          </a:lnRef>
+          <a:fillRef idx="0">
+            <a:schemeClr val="accent1"/>
+          </a:fillRef>
+          <a:effectRef idx="0">
+            <a:schemeClr val="accent1"/>
+          </a:effectRef>
+          <a:fontRef idx="minor">
+            <a:schemeClr val="tx1"/>
+          </a:fontRef>
+        </p:style>
+      </p:cxnSp>
+      <p:cxnSp>
+        <p:nvCxnSpPr>
+          <p:cNvPr id="8" name="Straight Arrow Connector 7">
+            <a:extLst>
+              <a:ext uri="{FF2B5EF4-FFF2-40B4-BE49-F238E27FC236}">
+                <a16:creationId xmlns:a16="http://schemas.microsoft.com/office/drawing/2014/main" id="{62372A4F-85A8-E925-C6C6-303EA4CE9374}"/>
+              </a:ext>
+            </a:extLst>
+          </p:cNvPr>
+          <p:cNvCxnSpPr/>
+          <p:nvPr/>
+        </p:nvCxnSpPr>
+        <p:spPr>
+          <a:xfrm>
+            <a:off x="637309" y="895927"/>
+            <a:ext cx="0" cy="2798618"/>
+          </a:xfrm>
+          <a:prstGeom prst="straightConnector1">
+            <a:avLst/>
+          </a:prstGeom>
+          <a:ln>
+            <a:tailEnd type="triangle"/>
+          </a:ln>
+        </p:spPr>
+        <p:style>
+          <a:lnRef idx="1">
+            <a:schemeClr val="accent1"/>
+          </a:lnRef>
+          <a:fillRef idx="0">
+            <a:schemeClr val="accent1"/>
+          </a:fillRef>
+          <a:effectRef idx="0">
+            <a:schemeClr val="accent1"/>
+          </a:effectRef>
+          <a:fontRef idx="minor">
+            <a:schemeClr val="tx1"/>
+          </a:fontRef>
+        </p:style>
+      </p:cxnSp>
+      <p:sp>
+        <p:nvSpPr>
+          <p:cNvPr id="9" name="TextBox 8">
+            <a:extLst>
+              <a:ext uri="{FF2B5EF4-FFF2-40B4-BE49-F238E27FC236}">
+                <a16:creationId xmlns:a16="http://schemas.microsoft.com/office/drawing/2014/main" id="{99C23634-49BF-1C67-56C7-7965FBD83642}"/>
+              </a:ext>
+            </a:extLst>
+          </p:cNvPr>
+          <p:cNvSpPr txBox="1"/>
+          <p:nvPr/>
+        </p:nvSpPr>
+        <p:spPr>
+          <a:xfrm>
+            <a:off x="997527" y="895927"/>
+            <a:ext cx="508000" cy="369332"/>
+          </a:xfrm>
+          <a:prstGeom prst="rect">
+            <a:avLst/>
+          </a:prstGeom>
+          <a:noFill/>
+        </p:spPr>
+        <p:txBody>
+          <a:bodyPr wrap="square" rtlCol="0">
+            <a:spAutoFit/>
+          </a:bodyPr>
+          <a:lstStyle/>
+          <a:p>
+            <a:r>
+              <a:rPr lang="en-US" dirty="0"/>
+              <a:t>0,0</a:t>
+            </a:r>
+            <a:endParaRPr lang="en-IL" dirty="0"/>
+          </a:p>
+        </p:txBody>
+      </p:sp>
+      <p:sp>
+        <p:nvSpPr>
+          <p:cNvPr id="10" name="TextBox 9">
+            <a:extLst>
+              <a:ext uri="{FF2B5EF4-FFF2-40B4-BE49-F238E27FC236}">
+                <a16:creationId xmlns:a16="http://schemas.microsoft.com/office/drawing/2014/main" id="{76E7E847-BEAB-8B17-D29D-23DE1E57A029}"/>
+              </a:ext>
+            </a:extLst>
+          </p:cNvPr>
+          <p:cNvSpPr txBox="1"/>
+          <p:nvPr/>
+        </p:nvSpPr>
+        <p:spPr>
+          <a:xfrm>
+            <a:off x="5846618" y="895927"/>
+            <a:ext cx="729673" cy="369332"/>
+          </a:xfrm>
+          <a:prstGeom prst="rect">
+            <a:avLst/>
+          </a:prstGeom>
+          <a:noFill/>
+        </p:spPr>
+        <p:txBody>
+          <a:bodyPr wrap="square" rtlCol="0">
+            <a:spAutoFit/>
+          </a:bodyPr>
+          <a:lstStyle/>
+          <a:p>
+            <a:r>
+              <a:rPr lang="en-US" dirty="0"/>
+              <a:t>127,0</a:t>
+            </a:r>
+            <a:endParaRPr lang="en-IL" dirty="0"/>
+          </a:p>
+        </p:txBody>
+      </p:sp>
+      <p:sp>
+        <p:nvSpPr>
+          <p:cNvPr id="11" name="TextBox 10">
+            <a:extLst>
+              <a:ext uri="{FF2B5EF4-FFF2-40B4-BE49-F238E27FC236}">
+                <a16:creationId xmlns:a16="http://schemas.microsoft.com/office/drawing/2014/main" id="{B6DCF8CF-62A6-34AE-9431-EE32A65DACE7}"/>
+              </a:ext>
+            </a:extLst>
+          </p:cNvPr>
+          <p:cNvSpPr txBox="1"/>
+          <p:nvPr/>
+        </p:nvSpPr>
+        <p:spPr>
+          <a:xfrm>
+            <a:off x="997527" y="3325089"/>
+            <a:ext cx="729673" cy="369332"/>
+          </a:xfrm>
+          <a:prstGeom prst="rect">
+            <a:avLst/>
+          </a:prstGeom>
+          <a:noFill/>
+        </p:spPr>
+        <p:txBody>
+          <a:bodyPr wrap="square" rtlCol="0">
+            <a:spAutoFit/>
+          </a:bodyPr>
+          <a:lstStyle/>
+          <a:p>
+            <a:r>
+              <a:rPr lang="en-US" dirty="0"/>
+              <a:t>0, 63</a:t>
+            </a:r>
+            <a:endParaRPr lang="en-IL" dirty="0"/>
+          </a:p>
+        </p:txBody>
+      </p:sp>
+      <p:sp>
+        <p:nvSpPr>
+          <p:cNvPr id="12" name="TextBox 11">
+            <a:extLst>
+              <a:ext uri="{FF2B5EF4-FFF2-40B4-BE49-F238E27FC236}">
+                <a16:creationId xmlns:a16="http://schemas.microsoft.com/office/drawing/2014/main" id="{09D32E0E-93FE-7A8A-6AD0-8F49A0E2322E}"/>
+              </a:ext>
+            </a:extLst>
+          </p:cNvPr>
+          <p:cNvSpPr txBox="1"/>
+          <p:nvPr/>
+        </p:nvSpPr>
+        <p:spPr>
+          <a:xfrm>
+            <a:off x="5606475" y="3343436"/>
+            <a:ext cx="1034472" cy="369332"/>
+          </a:xfrm>
+          <a:prstGeom prst="rect">
+            <a:avLst/>
+          </a:prstGeom>
+          <a:noFill/>
+        </p:spPr>
+        <p:txBody>
+          <a:bodyPr wrap="square" rtlCol="0">
+            <a:spAutoFit/>
+          </a:bodyPr>
+          <a:lstStyle/>
+          <a:p>
+            <a:r>
+              <a:rPr lang="en-US" dirty="0"/>
+              <a:t>127, 63</a:t>
+            </a:r>
+            <a:endParaRPr lang="en-IL" dirty="0"/>
+          </a:p>
+        </p:txBody>
+      </p:sp>
+    </p:spTree>
+    <p:extLst>
+      <p:ext uri="{BB962C8B-B14F-4D97-AF65-F5344CB8AC3E}">
+        <p14:creationId xmlns:p14="http://schemas.microsoft.com/office/powerpoint/2010/main" val="2616819445"/>
+      </p:ext>
+    </p:extLst>
+  </p:cSld>
+  <p:clrMapOvr>
+    <a:masterClrMapping/>
+  </p:clrMapOvr>
+</p:sld>
+</file>
+
+<file path=ppt/slides/slide12.xml><?xml version="1.0" encoding="utf-8"?>
+<p:sld xmlns:a="http://schemas.openxmlformats.org/drawingml/2006/main" xmlns:r="http://schemas.openxmlformats.org/officeDocument/2006/relationships" xmlns:p="http://schemas.openxmlformats.org/presentationml/2006/main">
+  <p:cSld>
+    <p:spTree>
+      <p:nvGrpSpPr>
+        <p:cNvPr id="1" name=""/>
+        <p:cNvGrpSpPr/>
+        <p:nvPr/>
+      </p:nvGrpSpPr>
+      <p:grpSpPr>
+        <a:xfrm>
+          <a:off x="0" y="0"/>
+          <a:ext cx="0" cy="0"/>
+          <a:chOff x="0" y="0"/>
+          <a:chExt cx="0" cy="0"/>
+        </a:xfrm>
+      </p:grpSpPr>
+      <p:pic>
+        <p:nvPicPr>
+          <p:cNvPr id="4" name="Picture 3">
+            <a:extLst>
+              <a:ext uri="{FF2B5EF4-FFF2-40B4-BE49-F238E27FC236}">
+                <a16:creationId xmlns:a16="http://schemas.microsoft.com/office/drawing/2014/main" id="{0E68384B-41E2-2284-6E3C-E407F055718E}"/>
+              </a:ext>
+            </a:extLst>
+          </p:cNvPr>
+          <p:cNvPicPr>
+            <a:picLocks noChangeAspect="1"/>
+          </p:cNvPicPr>
+          <p:nvPr/>
+        </p:nvPicPr>
+        <p:blipFill>
+          <a:blip r:embed="rId2"/>
+          <a:stretch>
+            <a:fillRect/>
+          </a:stretch>
+        </p:blipFill>
+        <p:spPr>
+          <a:xfrm>
+            <a:off x="302206" y="107364"/>
+            <a:ext cx="2567691" cy="2555776"/>
+          </a:xfrm>
+          <a:prstGeom prst="rect">
+            <a:avLst/>
+          </a:prstGeom>
+        </p:spPr>
+      </p:pic>
+      <p:sp>
+        <p:nvSpPr>
+          <p:cNvPr id="5" name="TextBox 4">
+            <a:extLst>
+              <a:ext uri="{FF2B5EF4-FFF2-40B4-BE49-F238E27FC236}">
+                <a16:creationId xmlns:a16="http://schemas.microsoft.com/office/drawing/2014/main" id="{D9E48008-918C-8A53-A384-F4726751B8A9}"/>
+              </a:ext>
+            </a:extLst>
+          </p:cNvPr>
+          <p:cNvSpPr txBox="1"/>
+          <p:nvPr/>
+        </p:nvSpPr>
+        <p:spPr>
+          <a:xfrm>
+            <a:off x="182397" y="2822168"/>
+            <a:ext cx="2807307" cy="646331"/>
+          </a:xfrm>
+          <a:prstGeom prst="rect">
+            <a:avLst/>
+          </a:prstGeom>
+          <a:noFill/>
+        </p:spPr>
+        <p:txBody>
+          <a:bodyPr wrap="none" rtlCol="0">
+            <a:spAutoFit/>
+          </a:bodyPr>
+          <a:lstStyle/>
+          <a:p>
+            <a:r>
+              <a:rPr lang="en-US" dirty="0"/>
+              <a:t>Visit </a:t>
+            </a:r>
+            <a:r>
+              <a:rPr lang="en-US" dirty="0">
+                <a:hlinkClick r:id="rId3"/>
+              </a:rPr>
+              <a:t>www.matazim.co.il</a:t>
+            </a:r>
+            <a:endParaRPr lang="en-US" dirty="0"/>
+          </a:p>
+          <a:p>
+            <a:r>
+              <a:rPr lang="en-US" dirty="0"/>
+              <a:t>Course: Single Button Game</a:t>
+            </a:r>
+            <a:endParaRPr lang="en-IL" dirty="0"/>
+          </a:p>
+        </p:txBody>
+      </p:sp>
+      <p:sp>
+        <p:nvSpPr>
+          <p:cNvPr id="6" name="TextBox 5">
+            <a:extLst>
+              <a:ext uri="{FF2B5EF4-FFF2-40B4-BE49-F238E27FC236}">
+                <a16:creationId xmlns:a16="http://schemas.microsoft.com/office/drawing/2014/main" id="{BAEA9D99-72BA-C083-9D13-E799B157B1B2}"/>
+              </a:ext>
+            </a:extLst>
+          </p:cNvPr>
+          <p:cNvSpPr txBox="1"/>
+          <p:nvPr/>
+        </p:nvSpPr>
+        <p:spPr>
+          <a:xfrm>
+            <a:off x="1052830" y="622140"/>
+            <a:ext cx="300082" cy="230832"/>
+          </a:xfrm>
+          <a:prstGeom prst="rect">
+            <a:avLst/>
+          </a:prstGeom>
+          <a:noFill/>
+        </p:spPr>
+        <p:txBody>
+          <a:bodyPr wrap="none" rtlCol="0">
+            <a:spAutoFit/>
+          </a:bodyPr>
+          <a:lstStyle/>
+          <a:p>
+            <a:r>
+              <a:rPr lang="en-US" sz="900" dirty="0"/>
+              <a:t>23</a:t>
+            </a:r>
+            <a:endParaRPr lang="en-IL" dirty="0"/>
+          </a:p>
+        </p:txBody>
+      </p:sp>
+      <p:sp>
+        <p:nvSpPr>
+          <p:cNvPr id="7" name="TextBox 6">
+            <a:extLst>
+              <a:ext uri="{FF2B5EF4-FFF2-40B4-BE49-F238E27FC236}">
+                <a16:creationId xmlns:a16="http://schemas.microsoft.com/office/drawing/2014/main" id="{2A8F9AE6-665E-E285-9676-A13D355F9246}"/>
+              </a:ext>
+            </a:extLst>
+          </p:cNvPr>
+          <p:cNvSpPr txBox="1"/>
+          <p:nvPr/>
+        </p:nvSpPr>
+        <p:spPr>
+          <a:xfrm>
+            <a:off x="1071880" y="817070"/>
+            <a:ext cx="300082" cy="230832"/>
+          </a:xfrm>
+          <a:prstGeom prst="rect">
+            <a:avLst/>
+          </a:prstGeom>
+          <a:noFill/>
+        </p:spPr>
+        <p:txBody>
+          <a:bodyPr wrap="none" rtlCol="0">
+            <a:spAutoFit/>
+          </a:bodyPr>
+          <a:lstStyle/>
+          <a:p>
+            <a:r>
+              <a:rPr lang="en-US" sz="900" dirty="0"/>
+              <a:t>22</a:t>
+            </a:r>
+            <a:endParaRPr lang="en-IL" dirty="0"/>
+          </a:p>
+        </p:txBody>
+      </p:sp>
+      <p:sp>
+        <p:nvSpPr>
+          <p:cNvPr id="8" name="TextBox 7">
+            <a:extLst>
+              <a:ext uri="{FF2B5EF4-FFF2-40B4-BE49-F238E27FC236}">
+                <a16:creationId xmlns:a16="http://schemas.microsoft.com/office/drawing/2014/main" id="{16A3CB9B-244B-A94B-87D3-C479C3DB5348}"/>
+              </a:ext>
+            </a:extLst>
+          </p:cNvPr>
+          <p:cNvSpPr txBox="1"/>
+          <p:nvPr/>
+        </p:nvSpPr>
+        <p:spPr>
+          <a:xfrm>
+            <a:off x="1071880" y="1012000"/>
+            <a:ext cx="300082" cy="230832"/>
+          </a:xfrm>
+          <a:prstGeom prst="rect">
+            <a:avLst/>
+          </a:prstGeom>
+          <a:noFill/>
+        </p:spPr>
+        <p:txBody>
+          <a:bodyPr wrap="none" rtlCol="0">
+            <a:spAutoFit/>
+          </a:bodyPr>
+          <a:lstStyle/>
+          <a:p>
+            <a:r>
+              <a:rPr lang="en-US" sz="900" dirty="0"/>
+              <a:t>21</a:t>
+            </a:r>
+            <a:endParaRPr lang="en-IL" dirty="0"/>
+          </a:p>
+        </p:txBody>
+      </p:sp>
+      <p:sp>
+        <p:nvSpPr>
+          <p:cNvPr id="9" name="TextBox 8">
+            <a:extLst>
+              <a:ext uri="{FF2B5EF4-FFF2-40B4-BE49-F238E27FC236}">
+                <a16:creationId xmlns:a16="http://schemas.microsoft.com/office/drawing/2014/main" id="{D2C6C725-9BF0-A70A-C7D7-4311DB9AC903}"/>
+              </a:ext>
+            </a:extLst>
+          </p:cNvPr>
+          <p:cNvSpPr txBox="1"/>
+          <p:nvPr/>
+        </p:nvSpPr>
+        <p:spPr>
+          <a:xfrm>
+            <a:off x="1071880" y="1269836"/>
+            <a:ext cx="242374" cy="230832"/>
+          </a:xfrm>
+          <a:prstGeom prst="rect">
+            <a:avLst/>
+          </a:prstGeom>
+          <a:noFill/>
+        </p:spPr>
+        <p:txBody>
+          <a:bodyPr wrap="none" rtlCol="0">
+            <a:spAutoFit/>
+          </a:bodyPr>
+          <a:lstStyle/>
+          <a:p>
+            <a:r>
+              <a:rPr lang="en-US" sz="900" dirty="0"/>
+              <a:t>4</a:t>
+            </a:r>
+            <a:endParaRPr lang="en-IL" dirty="0"/>
+          </a:p>
+        </p:txBody>
+      </p:sp>
+      <p:sp>
+        <p:nvSpPr>
+          <p:cNvPr id="10" name="TextBox 9">
+            <a:extLst>
+              <a:ext uri="{FF2B5EF4-FFF2-40B4-BE49-F238E27FC236}">
+                <a16:creationId xmlns:a16="http://schemas.microsoft.com/office/drawing/2014/main" id="{DD287C3D-4017-3418-6824-CB90E42C2496}"/>
+              </a:ext>
+            </a:extLst>
+          </p:cNvPr>
+          <p:cNvSpPr txBox="1"/>
+          <p:nvPr/>
+        </p:nvSpPr>
+        <p:spPr>
+          <a:xfrm>
+            <a:off x="1696720" y="1549871"/>
+            <a:ext cx="242374" cy="230832"/>
+          </a:xfrm>
+          <a:prstGeom prst="rect">
+            <a:avLst/>
+          </a:prstGeom>
+          <a:noFill/>
+        </p:spPr>
+        <p:txBody>
+          <a:bodyPr wrap="none" rtlCol="0">
+            <a:spAutoFit/>
+          </a:bodyPr>
+          <a:lstStyle/>
+          <a:p>
+            <a:r>
+              <a:rPr lang="en-US" sz="900" dirty="0"/>
+              <a:t>+</a:t>
+            </a:r>
+            <a:endParaRPr lang="en-IL" dirty="0"/>
+          </a:p>
+        </p:txBody>
+      </p:sp>
+      <p:sp>
+        <p:nvSpPr>
+          <p:cNvPr id="11" name="TextBox 10">
+            <a:extLst>
+              <a:ext uri="{FF2B5EF4-FFF2-40B4-BE49-F238E27FC236}">
+                <a16:creationId xmlns:a16="http://schemas.microsoft.com/office/drawing/2014/main" id="{E2331B1E-0924-2868-B706-0160E7965708}"/>
+              </a:ext>
+            </a:extLst>
+          </p:cNvPr>
+          <p:cNvSpPr txBox="1"/>
+          <p:nvPr/>
+        </p:nvSpPr>
+        <p:spPr>
+          <a:xfrm>
+            <a:off x="1221921" y="2348066"/>
+            <a:ext cx="401072" cy="230832"/>
+          </a:xfrm>
+          <a:prstGeom prst="rect">
+            <a:avLst/>
+          </a:prstGeom>
+          <a:noFill/>
+        </p:spPr>
+        <p:txBody>
+          <a:bodyPr wrap="none" rtlCol="0">
+            <a:spAutoFit/>
+          </a:bodyPr>
+          <a:lstStyle/>
+          <a:p>
+            <a:r>
+              <a:rPr lang="en-US" sz="900" dirty="0"/>
+              <a:t>GND</a:t>
+            </a:r>
+            <a:endParaRPr lang="en-IL" dirty="0"/>
+          </a:p>
+        </p:txBody>
+      </p:sp>
+      <p:pic>
+        <p:nvPicPr>
+          <p:cNvPr id="12" name="Picture 11">
+            <a:extLst>
+              <a:ext uri="{FF2B5EF4-FFF2-40B4-BE49-F238E27FC236}">
+                <a16:creationId xmlns:a16="http://schemas.microsoft.com/office/drawing/2014/main" id="{8C18BB22-DC62-95B8-0336-02D70A548DBD}"/>
+              </a:ext>
+            </a:extLst>
+          </p:cNvPr>
+          <p:cNvPicPr>
+            <a:picLocks noChangeAspect="1"/>
+          </p:cNvPicPr>
+          <p:nvPr/>
+        </p:nvPicPr>
+        <p:blipFill>
+          <a:blip r:embed="rId2"/>
+          <a:stretch>
+            <a:fillRect/>
+          </a:stretch>
+        </p:blipFill>
+        <p:spPr>
+          <a:xfrm>
+            <a:off x="3137316" y="119638"/>
+            <a:ext cx="2567691" cy="2555776"/>
+          </a:xfrm>
+          <a:prstGeom prst="rect">
+            <a:avLst/>
+          </a:prstGeom>
+        </p:spPr>
+      </p:pic>
+      <p:sp>
+        <p:nvSpPr>
+          <p:cNvPr id="13" name="TextBox 12">
+            <a:extLst>
+              <a:ext uri="{FF2B5EF4-FFF2-40B4-BE49-F238E27FC236}">
+                <a16:creationId xmlns:a16="http://schemas.microsoft.com/office/drawing/2014/main" id="{5B813065-6650-297A-2404-A8574E1DD550}"/>
+              </a:ext>
+            </a:extLst>
+          </p:cNvPr>
+          <p:cNvSpPr txBox="1"/>
+          <p:nvPr/>
+        </p:nvSpPr>
+        <p:spPr>
+          <a:xfrm>
+            <a:off x="3017507" y="2834442"/>
+            <a:ext cx="2807307" cy="646331"/>
+          </a:xfrm>
+          <a:prstGeom prst="rect">
+            <a:avLst/>
+          </a:prstGeom>
+          <a:noFill/>
+        </p:spPr>
+        <p:txBody>
+          <a:bodyPr wrap="none" rtlCol="0">
+            <a:spAutoFit/>
+          </a:bodyPr>
+          <a:lstStyle/>
+          <a:p>
+            <a:r>
+              <a:rPr lang="en-US" dirty="0"/>
+              <a:t>Visit </a:t>
+            </a:r>
+            <a:r>
+              <a:rPr lang="en-US" dirty="0">
+                <a:hlinkClick r:id="rId3"/>
+              </a:rPr>
+              <a:t>www.matazim.co.il</a:t>
+            </a:r>
+            <a:endParaRPr lang="en-US" dirty="0"/>
+          </a:p>
+          <a:p>
+            <a:r>
+              <a:rPr lang="en-US" dirty="0"/>
+              <a:t>Course: Single Button Game</a:t>
+            </a:r>
+            <a:endParaRPr lang="en-IL" dirty="0"/>
+          </a:p>
+        </p:txBody>
+      </p:sp>
+      <p:sp>
+        <p:nvSpPr>
+          <p:cNvPr id="14" name="TextBox 13">
+            <a:extLst>
+              <a:ext uri="{FF2B5EF4-FFF2-40B4-BE49-F238E27FC236}">
+                <a16:creationId xmlns:a16="http://schemas.microsoft.com/office/drawing/2014/main" id="{A274FBB8-2DEF-ACE9-5811-4A25AAD157B4}"/>
+              </a:ext>
+            </a:extLst>
+          </p:cNvPr>
+          <p:cNvSpPr txBox="1"/>
+          <p:nvPr/>
+        </p:nvSpPr>
+        <p:spPr>
+          <a:xfrm>
+            <a:off x="3887940" y="634414"/>
+            <a:ext cx="300082" cy="230832"/>
+          </a:xfrm>
+          <a:prstGeom prst="rect">
+            <a:avLst/>
+          </a:prstGeom>
+          <a:noFill/>
+        </p:spPr>
+        <p:txBody>
+          <a:bodyPr wrap="none" rtlCol="0">
+            <a:spAutoFit/>
+          </a:bodyPr>
+          <a:lstStyle/>
+          <a:p>
+            <a:r>
+              <a:rPr lang="en-US" sz="900" dirty="0"/>
+              <a:t>23</a:t>
+            </a:r>
+            <a:endParaRPr lang="en-IL" dirty="0"/>
+          </a:p>
+        </p:txBody>
+      </p:sp>
+      <p:sp>
+        <p:nvSpPr>
+          <p:cNvPr id="15" name="TextBox 14">
+            <a:extLst>
+              <a:ext uri="{FF2B5EF4-FFF2-40B4-BE49-F238E27FC236}">
+                <a16:creationId xmlns:a16="http://schemas.microsoft.com/office/drawing/2014/main" id="{7053E30A-5F4F-F528-6669-1D9AAE92FA09}"/>
+              </a:ext>
+            </a:extLst>
+          </p:cNvPr>
+          <p:cNvSpPr txBox="1"/>
+          <p:nvPr/>
+        </p:nvSpPr>
+        <p:spPr>
+          <a:xfrm>
+            <a:off x="3906990" y="829344"/>
+            <a:ext cx="300082" cy="230832"/>
+          </a:xfrm>
+          <a:prstGeom prst="rect">
+            <a:avLst/>
+          </a:prstGeom>
+          <a:noFill/>
+        </p:spPr>
+        <p:txBody>
+          <a:bodyPr wrap="none" rtlCol="0">
+            <a:spAutoFit/>
+          </a:bodyPr>
+          <a:lstStyle/>
+          <a:p>
+            <a:r>
+              <a:rPr lang="en-US" sz="900" dirty="0"/>
+              <a:t>22</a:t>
+            </a:r>
+            <a:endParaRPr lang="en-IL" dirty="0"/>
+          </a:p>
+        </p:txBody>
+      </p:sp>
+      <p:sp>
+        <p:nvSpPr>
+          <p:cNvPr id="16" name="TextBox 15">
+            <a:extLst>
+              <a:ext uri="{FF2B5EF4-FFF2-40B4-BE49-F238E27FC236}">
+                <a16:creationId xmlns:a16="http://schemas.microsoft.com/office/drawing/2014/main" id="{9B1FBD41-DBCA-4707-04BD-09A315557EAB}"/>
+              </a:ext>
+            </a:extLst>
+          </p:cNvPr>
+          <p:cNvSpPr txBox="1"/>
+          <p:nvPr/>
+        </p:nvSpPr>
+        <p:spPr>
+          <a:xfrm>
+            <a:off x="3906990" y="1024274"/>
+            <a:ext cx="300082" cy="230832"/>
+          </a:xfrm>
+          <a:prstGeom prst="rect">
+            <a:avLst/>
+          </a:prstGeom>
+          <a:noFill/>
+        </p:spPr>
+        <p:txBody>
+          <a:bodyPr wrap="none" rtlCol="0">
+            <a:spAutoFit/>
+          </a:bodyPr>
+          <a:lstStyle/>
+          <a:p>
+            <a:r>
+              <a:rPr lang="en-US" sz="900" dirty="0"/>
+              <a:t>21</a:t>
+            </a:r>
+            <a:endParaRPr lang="en-IL" dirty="0"/>
+          </a:p>
+        </p:txBody>
+      </p:sp>
+      <p:sp>
+        <p:nvSpPr>
+          <p:cNvPr id="17" name="TextBox 16">
+            <a:extLst>
+              <a:ext uri="{FF2B5EF4-FFF2-40B4-BE49-F238E27FC236}">
+                <a16:creationId xmlns:a16="http://schemas.microsoft.com/office/drawing/2014/main" id="{893EA602-43B4-A4F7-64CF-06AD47B05511}"/>
+              </a:ext>
+            </a:extLst>
+          </p:cNvPr>
+          <p:cNvSpPr txBox="1"/>
+          <p:nvPr/>
+        </p:nvSpPr>
+        <p:spPr>
+          <a:xfrm>
+            <a:off x="3906990" y="1282110"/>
+            <a:ext cx="242374" cy="230832"/>
+          </a:xfrm>
+          <a:prstGeom prst="rect">
+            <a:avLst/>
+          </a:prstGeom>
+          <a:noFill/>
+        </p:spPr>
+        <p:txBody>
+          <a:bodyPr wrap="none" rtlCol="0">
+            <a:spAutoFit/>
+          </a:bodyPr>
+          <a:lstStyle/>
+          <a:p>
+            <a:r>
+              <a:rPr lang="en-US" sz="900" dirty="0"/>
+              <a:t>4</a:t>
+            </a:r>
+            <a:endParaRPr lang="en-IL" dirty="0"/>
+          </a:p>
+        </p:txBody>
+      </p:sp>
+      <p:sp>
+        <p:nvSpPr>
+          <p:cNvPr id="18" name="TextBox 17">
+            <a:extLst>
+              <a:ext uri="{FF2B5EF4-FFF2-40B4-BE49-F238E27FC236}">
+                <a16:creationId xmlns:a16="http://schemas.microsoft.com/office/drawing/2014/main" id="{B503868C-CE71-47D0-F678-96C6A8DF39A9}"/>
+              </a:ext>
+            </a:extLst>
+          </p:cNvPr>
+          <p:cNvSpPr txBox="1"/>
+          <p:nvPr/>
+        </p:nvSpPr>
+        <p:spPr>
+          <a:xfrm>
+            <a:off x="4531830" y="1562145"/>
+            <a:ext cx="242374" cy="230832"/>
+          </a:xfrm>
+          <a:prstGeom prst="rect">
+            <a:avLst/>
+          </a:prstGeom>
+          <a:noFill/>
+        </p:spPr>
+        <p:txBody>
+          <a:bodyPr wrap="none" rtlCol="0">
+            <a:spAutoFit/>
+          </a:bodyPr>
+          <a:lstStyle/>
+          <a:p>
+            <a:r>
+              <a:rPr lang="en-US" sz="900" dirty="0"/>
+              <a:t>+</a:t>
+            </a:r>
+            <a:endParaRPr lang="en-IL" dirty="0"/>
+          </a:p>
+        </p:txBody>
+      </p:sp>
+      <p:sp>
+        <p:nvSpPr>
+          <p:cNvPr id="19" name="TextBox 18">
+            <a:extLst>
+              <a:ext uri="{FF2B5EF4-FFF2-40B4-BE49-F238E27FC236}">
+                <a16:creationId xmlns:a16="http://schemas.microsoft.com/office/drawing/2014/main" id="{5EFDEAD2-9C26-F8AA-A99D-F75E6AF59009}"/>
+              </a:ext>
+            </a:extLst>
+          </p:cNvPr>
+          <p:cNvSpPr txBox="1"/>
+          <p:nvPr/>
+        </p:nvSpPr>
+        <p:spPr>
+          <a:xfrm>
+            <a:off x="4057031" y="2360340"/>
+            <a:ext cx="401072" cy="230832"/>
+          </a:xfrm>
+          <a:prstGeom prst="rect">
+            <a:avLst/>
+          </a:prstGeom>
+          <a:noFill/>
+        </p:spPr>
+        <p:txBody>
+          <a:bodyPr wrap="none" rtlCol="0">
+            <a:spAutoFit/>
+          </a:bodyPr>
+          <a:lstStyle/>
+          <a:p>
+            <a:r>
+              <a:rPr lang="en-US" sz="900" dirty="0"/>
+              <a:t>GND</a:t>
+            </a:r>
+            <a:endParaRPr lang="en-IL" dirty="0"/>
+          </a:p>
+        </p:txBody>
+      </p:sp>
+      <p:pic>
+        <p:nvPicPr>
+          <p:cNvPr id="20" name="Picture 19">
+            <a:extLst>
+              <a:ext uri="{FF2B5EF4-FFF2-40B4-BE49-F238E27FC236}">
+                <a16:creationId xmlns:a16="http://schemas.microsoft.com/office/drawing/2014/main" id="{3F7ECF14-DC71-146F-2CAF-3DE0D40EA949}"/>
+              </a:ext>
+            </a:extLst>
+          </p:cNvPr>
+          <p:cNvPicPr>
+            <a:picLocks noChangeAspect="1"/>
+          </p:cNvPicPr>
+          <p:nvPr/>
+        </p:nvPicPr>
+        <p:blipFill>
+          <a:blip r:embed="rId2"/>
+          <a:stretch>
+            <a:fillRect/>
+          </a:stretch>
+        </p:blipFill>
+        <p:spPr>
+          <a:xfrm>
+            <a:off x="6000295" y="119638"/>
+            <a:ext cx="2567691" cy="2555776"/>
+          </a:xfrm>
+          <a:prstGeom prst="rect">
+            <a:avLst/>
+          </a:prstGeom>
+        </p:spPr>
+      </p:pic>
+      <p:sp>
+        <p:nvSpPr>
+          <p:cNvPr id="21" name="TextBox 20">
+            <a:extLst>
+              <a:ext uri="{FF2B5EF4-FFF2-40B4-BE49-F238E27FC236}">
+                <a16:creationId xmlns:a16="http://schemas.microsoft.com/office/drawing/2014/main" id="{FC87DDCD-ECEE-54A9-D610-5AC99B167FAF}"/>
+              </a:ext>
+            </a:extLst>
+          </p:cNvPr>
+          <p:cNvSpPr txBox="1"/>
+          <p:nvPr/>
+        </p:nvSpPr>
+        <p:spPr>
+          <a:xfrm>
+            <a:off x="5880486" y="2834442"/>
+            <a:ext cx="2807307" cy="646331"/>
+          </a:xfrm>
+          <a:prstGeom prst="rect">
+            <a:avLst/>
+          </a:prstGeom>
+          <a:noFill/>
+        </p:spPr>
+        <p:txBody>
+          <a:bodyPr wrap="none" rtlCol="0">
+            <a:spAutoFit/>
+          </a:bodyPr>
+          <a:lstStyle/>
+          <a:p>
+            <a:r>
+              <a:rPr lang="en-US" dirty="0"/>
+              <a:t>Visit </a:t>
+            </a:r>
+            <a:r>
+              <a:rPr lang="en-US" dirty="0">
+                <a:hlinkClick r:id="rId3"/>
+              </a:rPr>
+              <a:t>www.matazim.co.il</a:t>
+            </a:r>
+            <a:endParaRPr lang="en-US" dirty="0"/>
+          </a:p>
+          <a:p>
+            <a:r>
+              <a:rPr lang="en-US" dirty="0"/>
+              <a:t>Course: Single Button Game</a:t>
+            </a:r>
+            <a:endParaRPr lang="en-IL" dirty="0"/>
+          </a:p>
+        </p:txBody>
+      </p:sp>
+      <p:sp>
+        <p:nvSpPr>
+          <p:cNvPr id="22" name="TextBox 21">
+            <a:extLst>
+              <a:ext uri="{FF2B5EF4-FFF2-40B4-BE49-F238E27FC236}">
+                <a16:creationId xmlns:a16="http://schemas.microsoft.com/office/drawing/2014/main" id="{BA6F648D-32A8-32D7-8D1E-E21465F67B3A}"/>
+              </a:ext>
+            </a:extLst>
+          </p:cNvPr>
+          <p:cNvSpPr txBox="1"/>
+          <p:nvPr/>
+        </p:nvSpPr>
+        <p:spPr>
+          <a:xfrm>
+            <a:off x="6750919" y="634414"/>
+            <a:ext cx="300082" cy="230832"/>
+          </a:xfrm>
+          <a:prstGeom prst="rect">
+            <a:avLst/>
+          </a:prstGeom>
+          <a:noFill/>
+        </p:spPr>
+        <p:txBody>
+          <a:bodyPr wrap="none" rtlCol="0">
+            <a:spAutoFit/>
+          </a:bodyPr>
+          <a:lstStyle/>
+          <a:p>
+            <a:r>
+              <a:rPr lang="en-US" sz="900" dirty="0"/>
+              <a:t>23</a:t>
+            </a:r>
+            <a:endParaRPr lang="en-IL" dirty="0"/>
+          </a:p>
+        </p:txBody>
+      </p:sp>
+      <p:sp>
+        <p:nvSpPr>
+          <p:cNvPr id="23" name="TextBox 22">
+            <a:extLst>
+              <a:ext uri="{FF2B5EF4-FFF2-40B4-BE49-F238E27FC236}">
+                <a16:creationId xmlns:a16="http://schemas.microsoft.com/office/drawing/2014/main" id="{23CF6D17-815B-7219-E8AD-10141D8E3B02}"/>
+              </a:ext>
+            </a:extLst>
+          </p:cNvPr>
+          <p:cNvSpPr txBox="1"/>
+          <p:nvPr/>
+        </p:nvSpPr>
+        <p:spPr>
+          <a:xfrm>
+            <a:off x="6769969" y="829344"/>
+            <a:ext cx="300082" cy="230832"/>
+          </a:xfrm>
+          <a:prstGeom prst="rect">
+            <a:avLst/>
+          </a:prstGeom>
+          <a:noFill/>
+        </p:spPr>
+        <p:txBody>
+          <a:bodyPr wrap="none" rtlCol="0">
+            <a:spAutoFit/>
+          </a:bodyPr>
+          <a:lstStyle/>
+          <a:p>
+            <a:r>
+              <a:rPr lang="en-US" sz="900" dirty="0"/>
+              <a:t>22</a:t>
+            </a:r>
+            <a:endParaRPr lang="en-IL" dirty="0"/>
+          </a:p>
+        </p:txBody>
+      </p:sp>
+      <p:sp>
+        <p:nvSpPr>
+          <p:cNvPr id="24" name="TextBox 23">
+            <a:extLst>
+              <a:ext uri="{FF2B5EF4-FFF2-40B4-BE49-F238E27FC236}">
+                <a16:creationId xmlns:a16="http://schemas.microsoft.com/office/drawing/2014/main" id="{FC918ADF-2DED-8AAE-BE58-63E202E753F0}"/>
+              </a:ext>
+            </a:extLst>
+          </p:cNvPr>
+          <p:cNvSpPr txBox="1"/>
+          <p:nvPr/>
+        </p:nvSpPr>
+        <p:spPr>
+          <a:xfrm>
+            <a:off x="6769969" y="1024274"/>
+            <a:ext cx="300082" cy="230832"/>
+          </a:xfrm>
+          <a:prstGeom prst="rect">
+            <a:avLst/>
+          </a:prstGeom>
+          <a:noFill/>
+        </p:spPr>
+        <p:txBody>
+          <a:bodyPr wrap="none" rtlCol="0">
+            <a:spAutoFit/>
+          </a:bodyPr>
+          <a:lstStyle/>
+          <a:p>
+            <a:r>
+              <a:rPr lang="en-US" sz="900" dirty="0"/>
+              <a:t>21</a:t>
+            </a:r>
+            <a:endParaRPr lang="en-IL" dirty="0"/>
+          </a:p>
+        </p:txBody>
+      </p:sp>
+      <p:sp>
+        <p:nvSpPr>
+          <p:cNvPr id="25" name="TextBox 24">
+            <a:extLst>
+              <a:ext uri="{FF2B5EF4-FFF2-40B4-BE49-F238E27FC236}">
+                <a16:creationId xmlns:a16="http://schemas.microsoft.com/office/drawing/2014/main" id="{1C79B347-21F5-3B73-8E5C-FF4DF6796F73}"/>
+              </a:ext>
+            </a:extLst>
+          </p:cNvPr>
+          <p:cNvSpPr txBox="1"/>
+          <p:nvPr/>
+        </p:nvSpPr>
+        <p:spPr>
+          <a:xfrm>
+            <a:off x="6769969" y="1282110"/>
+            <a:ext cx="242374" cy="230832"/>
+          </a:xfrm>
+          <a:prstGeom prst="rect">
+            <a:avLst/>
+          </a:prstGeom>
+          <a:noFill/>
+        </p:spPr>
+        <p:txBody>
+          <a:bodyPr wrap="none" rtlCol="0">
+            <a:spAutoFit/>
+          </a:bodyPr>
+          <a:lstStyle/>
+          <a:p>
+            <a:r>
+              <a:rPr lang="en-US" sz="900" dirty="0"/>
+              <a:t>4</a:t>
+            </a:r>
+            <a:endParaRPr lang="en-IL" dirty="0"/>
+          </a:p>
+        </p:txBody>
+      </p:sp>
+      <p:sp>
+        <p:nvSpPr>
+          <p:cNvPr id="26" name="TextBox 25">
+            <a:extLst>
+              <a:ext uri="{FF2B5EF4-FFF2-40B4-BE49-F238E27FC236}">
+                <a16:creationId xmlns:a16="http://schemas.microsoft.com/office/drawing/2014/main" id="{46C14F0C-9B07-71E4-33AE-27CF137F658E}"/>
+              </a:ext>
+            </a:extLst>
+          </p:cNvPr>
+          <p:cNvSpPr txBox="1"/>
+          <p:nvPr/>
+        </p:nvSpPr>
+        <p:spPr>
+          <a:xfrm>
+            <a:off x="7394809" y="1562145"/>
+            <a:ext cx="242374" cy="230832"/>
+          </a:xfrm>
+          <a:prstGeom prst="rect">
+            <a:avLst/>
+          </a:prstGeom>
+          <a:noFill/>
+        </p:spPr>
+        <p:txBody>
+          <a:bodyPr wrap="none" rtlCol="0">
+            <a:spAutoFit/>
+          </a:bodyPr>
+          <a:lstStyle/>
+          <a:p>
+            <a:r>
+              <a:rPr lang="en-US" sz="900" dirty="0"/>
+              <a:t>+</a:t>
+            </a:r>
+            <a:endParaRPr lang="en-IL" dirty="0"/>
+          </a:p>
+        </p:txBody>
+      </p:sp>
+      <p:sp>
+        <p:nvSpPr>
+          <p:cNvPr id="27" name="TextBox 26">
+            <a:extLst>
+              <a:ext uri="{FF2B5EF4-FFF2-40B4-BE49-F238E27FC236}">
+                <a16:creationId xmlns:a16="http://schemas.microsoft.com/office/drawing/2014/main" id="{415A129C-5A5D-01A9-EF97-B5F489825561}"/>
+              </a:ext>
+            </a:extLst>
+          </p:cNvPr>
+          <p:cNvSpPr txBox="1"/>
+          <p:nvPr/>
+        </p:nvSpPr>
+        <p:spPr>
+          <a:xfrm>
+            <a:off x="6920010" y="2360340"/>
+            <a:ext cx="401072" cy="230832"/>
+          </a:xfrm>
+          <a:prstGeom prst="rect">
+            <a:avLst/>
+          </a:prstGeom>
+          <a:noFill/>
+        </p:spPr>
+        <p:txBody>
+          <a:bodyPr wrap="none" rtlCol="0">
+            <a:spAutoFit/>
+          </a:bodyPr>
+          <a:lstStyle/>
+          <a:p>
+            <a:r>
+              <a:rPr lang="en-US" sz="900" dirty="0"/>
+              <a:t>GND</a:t>
+            </a:r>
+            <a:endParaRPr lang="en-IL" dirty="0"/>
+          </a:p>
+        </p:txBody>
+      </p:sp>
+      <p:pic>
+        <p:nvPicPr>
+          <p:cNvPr id="28" name="Picture 27">
+            <a:extLst>
+              <a:ext uri="{FF2B5EF4-FFF2-40B4-BE49-F238E27FC236}">
+                <a16:creationId xmlns:a16="http://schemas.microsoft.com/office/drawing/2014/main" id="{E9BB6671-0607-AF0A-B522-03BD265F0F49}"/>
+              </a:ext>
+            </a:extLst>
+          </p:cNvPr>
+          <p:cNvPicPr>
+            <a:picLocks noChangeAspect="1"/>
+          </p:cNvPicPr>
+          <p:nvPr/>
+        </p:nvPicPr>
+        <p:blipFill>
+          <a:blip r:embed="rId2"/>
+          <a:stretch>
+            <a:fillRect/>
+          </a:stretch>
+        </p:blipFill>
+        <p:spPr>
+          <a:xfrm>
+            <a:off x="8863274" y="119638"/>
+            <a:ext cx="2567691" cy="2555776"/>
+          </a:xfrm>
+          <a:prstGeom prst="rect">
+            <a:avLst/>
+          </a:prstGeom>
+        </p:spPr>
+      </p:pic>
+      <p:sp>
+        <p:nvSpPr>
+          <p:cNvPr id="29" name="TextBox 28">
+            <a:extLst>
+              <a:ext uri="{FF2B5EF4-FFF2-40B4-BE49-F238E27FC236}">
+                <a16:creationId xmlns:a16="http://schemas.microsoft.com/office/drawing/2014/main" id="{FD51F746-D624-8B10-4222-DCDEA2419EB9}"/>
+              </a:ext>
+            </a:extLst>
+          </p:cNvPr>
+          <p:cNvSpPr txBox="1"/>
+          <p:nvPr/>
+        </p:nvSpPr>
+        <p:spPr>
+          <a:xfrm>
+            <a:off x="8743465" y="2834442"/>
+            <a:ext cx="2807307" cy="646331"/>
+          </a:xfrm>
+          <a:prstGeom prst="rect">
+            <a:avLst/>
+          </a:prstGeom>
+          <a:noFill/>
+        </p:spPr>
+        <p:txBody>
+          <a:bodyPr wrap="none" rtlCol="0">
+            <a:spAutoFit/>
+          </a:bodyPr>
+          <a:lstStyle/>
+          <a:p>
+            <a:r>
+              <a:rPr lang="en-US" dirty="0"/>
+              <a:t>Visit </a:t>
+            </a:r>
+            <a:r>
+              <a:rPr lang="en-US" dirty="0">
+                <a:hlinkClick r:id="rId3"/>
+              </a:rPr>
+              <a:t>www.matazim.co.il</a:t>
+            </a:r>
+            <a:endParaRPr lang="en-US" dirty="0"/>
+          </a:p>
+          <a:p>
+            <a:r>
+              <a:rPr lang="en-US" dirty="0"/>
+              <a:t>Course: Single Button Game</a:t>
+            </a:r>
+            <a:endParaRPr lang="en-IL" dirty="0"/>
+          </a:p>
+        </p:txBody>
+      </p:sp>
+      <p:sp>
+        <p:nvSpPr>
+          <p:cNvPr id="30" name="TextBox 29">
+            <a:extLst>
+              <a:ext uri="{FF2B5EF4-FFF2-40B4-BE49-F238E27FC236}">
+                <a16:creationId xmlns:a16="http://schemas.microsoft.com/office/drawing/2014/main" id="{E6C7350D-B33C-E743-3674-5435909F7937}"/>
+              </a:ext>
+            </a:extLst>
+          </p:cNvPr>
+          <p:cNvSpPr txBox="1"/>
+          <p:nvPr/>
+        </p:nvSpPr>
+        <p:spPr>
+          <a:xfrm>
+            <a:off x="9613898" y="634414"/>
+            <a:ext cx="300082" cy="230832"/>
+          </a:xfrm>
+          <a:prstGeom prst="rect">
+            <a:avLst/>
+          </a:prstGeom>
+          <a:noFill/>
+        </p:spPr>
+        <p:txBody>
+          <a:bodyPr wrap="none" rtlCol="0">
+            <a:spAutoFit/>
+          </a:bodyPr>
+          <a:lstStyle/>
+          <a:p>
+            <a:r>
+              <a:rPr lang="en-US" sz="900" dirty="0"/>
+              <a:t>23</a:t>
+            </a:r>
+            <a:endParaRPr lang="en-IL" dirty="0"/>
+          </a:p>
+        </p:txBody>
+      </p:sp>
+      <p:sp>
+        <p:nvSpPr>
+          <p:cNvPr id="31" name="TextBox 30">
+            <a:extLst>
+              <a:ext uri="{FF2B5EF4-FFF2-40B4-BE49-F238E27FC236}">
+                <a16:creationId xmlns:a16="http://schemas.microsoft.com/office/drawing/2014/main" id="{C1A4C84E-9D65-FE35-5D0A-1CC29DA892F4}"/>
+              </a:ext>
+            </a:extLst>
+          </p:cNvPr>
+          <p:cNvSpPr txBox="1"/>
+          <p:nvPr/>
+        </p:nvSpPr>
+        <p:spPr>
+          <a:xfrm>
+            <a:off x="9632948" y="829344"/>
+            <a:ext cx="300082" cy="230832"/>
+          </a:xfrm>
+          <a:prstGeom prst="rect">
+            <a:avLst/>
+          </a:prstGeom>
+          <a:noFill/>
+        </p:spPr>
+        <p:txBody>
+          <a:bodyPr wrap="none" rtlCol="0">
+            <a:spAutoFit/>
+          </a:bodyPr>
+          <a:lstStyle/>
+          <a:p>
+            <a:r>
+              <a:rPr lang="en-US" sz="900" dirty="0"/>
+              <a:t>22</a:t>
+            </a:r>
+            <a:endParaRPr lang="en-IL" dirty="0"/>
+          </a:p>
+        </p:txBody>
+      </p:sp>
+      <p:sp>
+        <p:nvSpPr>
+          <p:cNvPr id="32" name="TextBox 31">
+            <a:extLst>
+              <a:ext uri="{FF2B5EF4-FFF2-40B4-BE49-F238E27FC236}">
+                <a16:creationId xmlns:a16="http://schemas.microsoft.com/office/drawing/2014/main" id="{798DCCD6-649C-7C47-2A56-0976D262520C}"/>
+              </a:ext>
+            </a:extLst>
+          </p:cNvPr>
+          <p:cNvSpPr txBox="1"/>
+          <p:nvPr/>
+        </p:nvSpPr>
+        <p:spPr>
+          <a:xfrm>
+            <a:off x="9632948" y="1024274"/>
+            <a:ext cx="300082" cy="230832"/>
+          </a:xfrm>
+          <a:prstGeom prst="rect">
+            <a:avLst/>
+          </a:prstGeom>
+          <a:noFill/>
+        </p:spPr>
+        <p:txBody>
+          <a:bodyPr wrap="none" rtlCol="0">
+            <a:spAutoFit/>
+          </a:bodyPr>
+          <a:lstStyle/>
+          <a:p>
+            <a:r>
+              <a:rPr lang="en-US" sz="900" dirty="0"/>
+              <a:t>21</a:t>
+            </a:r>
+            <a:endParaRPr lang="en-IL" dirty="0"/>
+          </a:p>
+        </p:txBody>
+      </p:sp>
+      <p:sp>
+        <p:nvSpPr>
+          <p:cNvPr id="33" name="TextBox 32">
+            <a:extLst>
+              <a:ext uri="{FF2B5EF4-FFF2-40B4-BE49-F238E27FC236}">
+                <a16:creationId xmlns:a16="http://schemas.microsoft.com/office/drawing/2014/main" id="{A66210B9-4BE9-905A-1B1E-D72B6B0AF72C}"/>
+              </a:ext>
+            </a:extLst>
+          </p:cNvPr>
+          <p:cNvSpPr txBox="1"/>
+          <p:nvPr/>
+        </p:nvSpPr>
+        <p:spPr>
+          <a:xfrm>
+            <a:off x="9632948" y="1282110"/>
+            <a:ext cx="242374" cy="230832"/>
+          </a:xfrm>
+          <a:prstGeom prst="rect">
+            <a:avLst/>
+          </a:prstGeom>
+          <a:noFill/>
+        </p:spPr>
+        <p:txBody>
+          <a:bodyPr wrap="none" rtlCol="0">
+            <a:spAutoFit/>
+          </a:bodyPr>
+          <a:lstStyle/>
+          <a:p>
+            <a:r>
+              <a:rPr lang="en-US" sz="900" dirty="0"/>
+              <a:t>4</a:t>
+            </a:r>
+            <a:endParaRPr lang="en-IL" dirty="0"/>
+          </a:p>
+        </p:txBody>
+      </p:sp>
+      <p:sp>
+        <p:nvSpPr>
+          <p:cNvPr id="34" name="TextBox 33">
+            <a:extLst>
+              <a:ext uri="{FF2B5EF4-FFF2-40B4-BE49-F238E27FC236}">
+                <a16:creationId xmlns:a16="http://schemas.microsoft.com/office/drawing/2014/main" id="{A2F4D679-4D6F-FE8F-CD20-3DB685926B54}"/>
+              </a:ext>
+            </a:extLst>
+          </p:cNvPr>
+          <p:cNvSpPr txBox="1"/>
+          <p:nvPr/>
+        </p:nvSpPr>
+        <p:spPr>
+          <a:xfrm>
+            <a:off x="10257788" y="1562145"/>
+            <a:ext cx="242374" cy="230832"/>
+          </a:xfrm>
+          <a:prstGeom prst="rect">
+            <a:avLst/>
+          </a:prstGeom>
+          <a:noFill/>
+        </p:spPr>
+        <p:txBody>
+          <a:bodyPr wrap="none" rtlCol="0">
+            <a:spAutoFit/>
+          </a:bodyPr>
+          <a:lstStyle/>
+          <a:p>
+            <a:r>
+              <a:rPr lang="en-US" sz="900" dirty="0"/>
+              <a:t>+</a:t>
+            </a:r>
+            <a:endParaRPr lang="en-IL" dirty="0"/>
+          </a:p>
+        </p:txBody>
+      </p:sp>
+      <p:sp>
+        <p:nvSpPr>
+          <p:cNvPr id="35" name="TextBox 34">
+            <a:extLst>
+              <a:ext uri="{FF2B5EF4-FFF2-40B4-BE49-F238E27FC236}">
+                <a16:creationId xmlns:a16="http://schemas.microsoft.com/office/drawing/2014/main" id="{AE0F40B7-5A0A-CBC4-7A65-513162089E5E}"/>
+              </a:ext>
+            </a:extLst>
+          </p:cNvPr>
+          <p:cNvSpPr txBox="1"/>
+          <p:nvPr/>
+        </p:nvSpPr>
+        <p:spPr>
+          <a:xfrm>
+            <a:off x="9782989" y="2360340"/>
+            <a:ext cx="401072" cy="230832"/>
+          </a:xfrm>
+          <a:prstGeom prst="rect">
+            <a:avLst/>
+          </a:prstGeom>
+          <a:noFill/>
+        </p:spPr>
+        <p:txBody>
+          <a:bodyPr wrap="none" rtlCol="0">
+            <a:spAutoFit/>
+          </a:bodyPr>
+          <a:lstStyle/>
+          <a:p>
+            <a:r>
+              <a:rPr lang="en-US" sz="900" dirty="0"/>
+              <a:t>GND</a:t>
+            </a:r>
+            <a:endParaRPr lang="en-IL" dirty="0"/>
+          </a:p>
+        </p:txBody>
+      </p:sp>
+      <p:pic>
+        <p:nvPicPr>
+          <p:cNvPr id="36" name="Picture 35">
+            <a:extLst>
+              <a:ext uri="{FF2B5EF4-FFF2-40B4-BE49-F238E27FC236}">
+                <a16:creationId xmlns:a16="http://schemas.microsoft.com/office/drawing/2014/main" id="{16F6487C-E292-DDB8-44A9-2F3143DE603B}"/>
+              </a:ext>
+            </a:extLst>
+          </p:cNvPr>
+          <p:cNvPicPr>
+            <a:picLocks noChangeAspect="1"/>
+          </p:cNvPicPr>
+          <p:nvPr/>
+        </p:nvPicPr>
+        <p:blipFill>
+          <a:blip r:embed="rId2"/>
+          <a:stretch>
+            <a:fillRect/>
+          </a:stretch>
+        </p:blipFill>
+        <p:spPr>
+          <a:xfrm>
+            <a:off x="302206" y="3468499"/>
+            <a:ext cx="2567691" cy="2555776"/>
+          </a:xfrm>
+          <a:prstGeom prst="rect">
+            <a:avLst/>
+          </a:prstGeom>
+        </p:spPr>
+      </p:pic>
+      <p:sp>
+        <p:nvSpPr>
+          <p:cNvPr id="37" name="TextBox 36">
+            <a:extLst>
+              <a:ext uri="{FF2B5EF4-FFF2-40B4-BE49-F238E27FC236}">
+                <a16:creationId xmlns:a16="http://schemas.microsoft.com/office/drawing/2014/main" id="{5CA79347-D02E-EE34-7BA6-A2B9B06DE7E2}"/>
+              </a:ext>
+            </a:extLst>
+          </p:cNvPr>
+          <p:cNvSpPr txBox="1"/>
+          <p:nvPr/>
+        </p:nvSpPr>
+        <p:spPr>
+          <a:xfrm>
+            <a:off x="182397" y="6183303"/>
+            <a:ext cx="2807307" cy="646331"/>
+          </a:xfrm>
+          <a:prstGeom prst="rect">
+            <a:avLst/>
+          </a:prstGeom>
+          <a:noFill/>
+        </p:spPr>
+        <p:txBody>
+          <a:bodyPr wrap="none" rtlCol="0">
+            <a:spAutoFit/>
+          </a:bodyPr>
+          <a:lstStyle/>
+          <a:p>
+            <a:r>
+              <a:rPr lang="en-US" dirty="0"/>
+              <a:t>Visit </a:t>
+            </a:r>
+            <a:r>
+              <a:rPr lang="en-US" dirty="0">
+                <a:hlinkClick r:id="rId3"/>
+              </a:rPr>
+              <a:t>www.matazim.co.il</a:t>
+            </a:r>
+            <a:endParaRPr lang="en-US" dirty="0"/>
+          </a:p>
+          <a:p>
+            <a:r>
+              <a:rPr lang="en-US" dirty="0"/>
+              <a:t>Course: Single Button Game</a:t>
+            </a:r>
+            <a:endParaRPr lang="en-IL" dirty="0"/>
+          </a:p>
+        </p:txBody>
+      </p:sp>
+      <p:sp>
+        <p:nvSpPr>
+          <p:cNvPr id="38" name="TextBox 37">
+            <a:extLst>
+              <a:ext uri="{FF2B5EF4-FFF2-40B4-BE49-F238E27FC236}">
+                <a16:creationId xmlns:a16="http://schemas.microsoft.com/office/drawing/2014/main" id="{B598E49D-EF3B-D15B-F6BA-D0BA76CAD355}"/>
+              </a:ext>
+            </a:extLst>
+          </p:cNvPr>
+          <p:cNvSpPr txBox="1"/>
+          <p:nvPr/>
+        </p:nvSpPr>
+        <p:spPr>
+          <a:xfrm>
+            <a:off x="1052830" y="3983275"/>
+            <a:ext cx="300082" cy="230832"/>
+          </a:xfrm>
+          <a:prstGeom prst="rect">
+            <a:avLst/>
+          </a:prstGeom>
+          <a:noFill/>
+        </p:spPr>
+        <p:txBody>
+          <a:bodyPr wrap="none" rtlCol="0">
+            <a:spAutoFit/>
+          </a:bodyPr>
+          <a:lstStyle/>
+          <a:p>
+            <a:r>
+              <a:rPr lang="en-US" sz="900" dirty="0"/>
+              <a:t>23</a:t>
+            </a:r>
+            <a:endParaRPr lang="en-IL" dirty="0"/>
+          </a:p>
+        </p:txBody>
+      </p:sp>
+      <p:sp>
+        <p:nvSpPr>
+          <p:cNvPr id="39" name="TextBox 38">
+            <a:extLst>
+              <a:ext uri="{FF2B5EF4-FFF2-40B4-BE49-F238E27FC236}">
+                <a16:creationId xmlns:a16="http://schemas.microsoft.com/office/drawing/2014/main" id="{AD4E6C86-9DA5-465B-7FE6-F7AFC54F9E69}"/>
+              </a:ext>
+            </a:extLst>
+          </p:cNvPr>
+          <p:cNvSpPr txBox="1"/>
+          <p:nvPr/>
+        </p:nvSpPr>
+        <p:spPr>
+          <a:xfrm>
+            <a:off x="1071880" y="4178205"/>
+            <a:ext cx="300082" cy="230832"/>
+          </a:xfrm>
+          <a:prstGeom prst="rect">
+            <a:avLst/>
+          </a:prstGeom>
+          <a:noFill/>
+        </p:spPr>
+        <p:txBody>
+          <a:bodyPr wrap="none" rtlCol="0">
+            <a:spAutoFit/>
+          </a:bodyPr>
+          <a:lstStyle/>
+          <a:p>
+            <a:r>
+              <a:rPr lang="en-US" sz="900" dirty="0"/>
+              <a:t>22</a:t>
+            </a:r>
+            <a:endParaRPr lang="en-IL" dirty="0"/>
+          </a:p>
+        </p:txBody>
+      </p:sp>
+      <p:sp>
+        <p:nvSpPr>
+          <p:cNvPr id="40" name="TextBox 39">
+            <a:extLst>
+              <a:ext uri="{FF2B5EF4-FFF2-40B4-BE49-F238E27FC236}">
+                <a16:creationId xmlns:a16="http://schemas.microsoft.com/office/drawing/2014/main" id="{BAE7A386-B98F-4487-FE35-5479210745A7}"/>
+              </a:ext>
+            </a:extLst>
+          </p:cNvPr>
+          <p:cNvSpPr txBox="1"/>
+          <p:nvPr/>
+        </p:nvSpPr>
+        <p:spPr>
+          <a:xfrm>
+            <a:off x="1071880" y="4373135"/>
+            <a:ext cx="300082" cy="230832"/>
+          </a:xfrm>
+          <a:prstGeom prst="rect">
+            <a:avLst/>
+          </a:prstGeom>
+          <a:noFill/>
+        </p:spPr>
+        <p:txBody>
+          <a:bodyPr wrap="none" rtlCol="0">
+            <a:spAutoFit/>
+          </a:bodyPr>
+          <a:lstStyle/>
+          <a:p>
+            <a:r>
+              <a:rPr lang="en-US" sz="900" dirty="0"/>
+              <a:t>21</a:t>
+            </a:r>
+            <a:endParaRPr lang="en-IL" dirty="0"/>
+          </a:p>
+        </p:txBody>
+      </p:sp>
+      <p:sp>
+        <p:nvSpPr>
+          <p:cNvPr id="41" name="TextBox 40">
+            <a:extLst>
+              <a:ext uri="{FF2B5EF4-FFF2-40B4-BE49-F238E27FC236}">
+                <a16:creationId xmlns:a16="http://schemas.microsoft.com/office/drawing/2014/main" id="{640E1CC5-A9F5-86D1-0A59-A640563902DA}"/>
+              </a:ext>
+            </a:extLst>
+          </p:cNvPr>
+          <p:cNvSpPr txBox="1"/>
+          <p:nvPr/>
+        </p:nvSpPr>
+        <p:spPr>
+          <a:xfrm>
+            <a:off x="1071880" y="4630971"/>
+            <a:ext cx="242374" cy="230832"/>
+          </a:xfrm>
+          <a:prstGeom prst="rect">
+            <a:avLst/>
+          </a:prstGeom>
+          <a:noFill/>
+        </p:spPr>
+        <p:txBody>
+          <a:bodyPr wrap="none" rtlCol="0">
+            <a:spAutoFit/>
+          </a:bodyPr>
+          <a:lstStyle/>
+          <a:p>
+            <a:r>
+              <a:rPr lang="en-US" sz="900" dirty="0"/>
+              <a:t>4</a:t>
+            </a:r>
+            <a:endParaRPr lang="en-IL" dirty="0"/>
+          </a:p>
+        </p:txBody>
+      </p:sp>
+      <p:sp>
+        <p:nvSpPr>
+          <p:cNvPr id="42" name="TextBox 41">
+            <a:extLst>
+              <a:ext uri="{FF2B5EF4-FFF2-40B4-BE49-F238E27FC236}">
+                <a16:creationId xmlns:a16="http://schemas.microsoft.com/office/drawing/2014/main" id="{215CCE6D-DD02-DD25-960F-BE05BDA3AE9B}"/>
+              </a:ext>
+            </a:extLst>
+          </p:cNvPr>
+          <p:cNvSpPr txBox="1"/>
+          <p:nvPr/>
+        </p:nvSpPr>
+        <p:spPr>
+          <a:xfrm>
+            <a:off x="1696720" y="4911006"/>
+            <a:ext cx="242374" cy="230832"/>
+          </a:xfrm>
+          <a:prstGeom prst="rect">
+            <a:avLst/>
+          </a:prstGeom>
+          <a:noFill/>
+        </p:spPr>
+        <p:txBody>
+          <a:bodyPr wrap="none" rtlCol="0">
+            <a:spAutoFit/>
+          </a:bodyPr>
+          <a:lstStyle/>
+          <a:p>
+            <a:r>
+              <a:rPr lang="en-US" sz="900" dirty="0"/>
+              <a:t>+</a:t>
+            </a:r>
+            <a:endParaRPr lang="en-IL" dirty="0"/>
+          </a:p>
+        </p:txBody>
+      </p:sp>
+      <p:sp>
+        <p:nvSpPr>
+          <p:cNvPr id="43" name="TextBox 42">
+            <a:extLst>
+              <a:ext uri="{FF2B5EF4-FFF2-40B4-BE49-F238E27FC236}">
+                <a16:creationId xmlns:a16="http://schemas.microsoft.com/office/drawing/2014/main" id="{719035F7-1B28-C6E4-2ADD-0A04CE4D0718}"/>
+              </a:ext>
+            </a:extLst>
+          </p:cNvPr>
+          <p:cNvSpPr txBox="1"/>
+          <p:nvPr/>
+        </p:nvSpPr>
+        <p:spPr>
+          <a:xfrm>
+            <a:off x="1221921" y="5709201"/>
+            <a:ext cx="401072" cy="230832"/>
+          </a:xfrm>
+          <a:prstGeom prst="rect">
+            <a:avLst/>
+          </a:prstGeom>
+          <a:noFill/>
+        </p:spPr>
+        <p:txBody>
+          <a:bodyPr wrap="none" rtlCol="0">
+            <a:spAutoFit/>
+          </a:bodyPr>
+          <a:lstStyle/>
+          <a:p>
+            <a:r>
+              <a:rPr lang="en-US" sz="900" dirty="0"/>
+              <a:t>GND</a:t>
+            </a:r>
+            <a:endParaRPr lang="en-IL" dirty="0"/>
+          </a:p>
+        </p:txBody>
+      </p:sp>
+      <p:pic>
+        <p:nvPicPr>
+          <p:cNvPr id="44" name="Picture 43">
+            <a:extLst>
+              <a:ext uri="{FF2B5EF4-FFF2-40B4-BE49-F238E27FC236}">
+                <a16:creationId xmlns:a16="http://schemas.microsoft.com/office/drawing/2014/main" id="{2FC7D717-060A-FD65-5280-E793C4624917}"/>
+              </a:ext>
+            </a:extLst>
+          </p:cNvPr>
+          <p:cNvPicPr>
+            <a:picLocks noChangeAspect="1"/>
+          </p:cNvPicPr>
+          <p:nvPr/>
+        </p:nvPicPr>
+        <p:blipFill>
+          <a:blip r:embed="rId2"/>
+          <a:stretch>
+            <a:fillRect/>
+          </a:stretch>
+        </p:blipFill>
+        <p:spPr>
+          <a:xfrm>
+            <a:off x="3137316" y="3480773"/>
+            <a:ext cx="2567691" cy="2555776"/>
+          </a:xfrm>
+          <a:prstGeom prst="rect">
+            <a:avLst/>
+          </a:prstGeom>
+        </p:spPr>
+      </p:pic>
+      <p:sp>
+        <p:nvSpPr>
+          <p:cNvPr id="45" name="TextBox 44">
+            <a:extLst>
+              <a:ext uri="{FF2B5EF4-FFF2-40B4-BE49-F238E27FC236}">
+                <a16:creationId xmlns:a16="http://schemas.microsoft.com/office/drawing/2014/main" id="{FA87C70F-F6A7-6CC8-A03B-17B37B48D951}"/>
+              </a:ext>
+            </a:extLst>
+          </p:cNvPr>
+          <p:cNvSpPr txBox="1"/>
+          <p:nvPr/>
+        </p:nvSpPr>
+        <p:spPr>
+          <a:xfrm>
+            <a:off x="3017507" y="6195577"/>
+            <a:ext cx="2807307" cy="646331"/>
+          </a:xfrm>
+          <a:prstGeom prst="rect">
+            <a:avLst/>
+          </a:prstGeom>
+          <a:noFill/>
+        </p:spPr>
+        <p:txBody>
+          <a:bodyPr wrap="none" rtlCol="0">
+            <a:spAutoFit/>
+          </a:bodyPr>
+          <a:lstStyle/>
+          <a:p>
+            <a:r>
+              <a:rPr lang="en-US" dirty="0"/>
+              <a:t>Visit </a:t>
+            </a:r>
+            <a:r>
+              <a:rPr lang="en-US" dirty="0">
+                <a:hlinkClick r:id="rId3"/>
+              </a:rPr>
+              <a:t>www.matazim.co.il</a:t>
+            </a:r>
+            <a:endParaRPr lang="en-US" dirty="0"/>
+          </a:p>
+          <a:p>
+            <a:r>
+              <a:rPr lang="en-US" dirty="0"/>
+              <a:t>Course: Single Button Game</a:t>
+            </a:r>
+            <a:endParaRPr lang="en-IL" dirty="0"/>
+          </a:p>
+        </p:txBody>
+      </p:sp>
+      <p:sp>
+        <p:nvSpPr>
+          <p:cNvPr id="46" name="TextBox 45">
+            <a:extLst>
+              <a:ext uri="{FF2B5EF4-FFF2-40B4-BE49-F238E27FC236}">
+                <a16:creationId xmlns:a16="http://schemas.microsoft.com/office/drawing/2014/main" id="{8A1F3AD9-820E-0587-15CB-A6B01ABE67F3}"/>
+              </a:ext>
+            </a:extLst>
+          </p:cNvPr>
+          <p:cNvSpPr txBox="1"/>
+          <p:nvPr/>
+        </p:nvSpPr>
+        <p:spPr>
+          <a:xfrm>
+            <a:off x="3887940" y="3995549"/>
+            <a:ext cx="300082" cy="230832"/>
+          </a:xfrm>
+          <a:prstGeom prst="rect">
+            <a:avLst/>
+          </a:prstGeom>
+          <a:noFill/>
+        </p:spPr>
+        <p:txBody>
+          <a:bodyPr wrap="none" rtlCol="0">
+            <a:spAutoFit/>
+          </a:bodyPr>
+          <a:lstStyle/>
+          <a:p>
+            <a:r>
+              <a:rPr lang="en-US" sz="900" dirty="0"/>
+              <a:t>23</a:t>
+            </a:r>
+            <a:endParaRPr lang="en-IL" dirty="0"/>
+          </a:p>
+        </p:txBody>
+      </p:sp>
+      <p:sp>
+        <p:nvSpPr>
+          <p:cNvPr id="47" name="TextBox 46">
+            <a:extLst>
+              <a:ext uri="{FF2B5EF4-FFF2-40B4-BE49-F238E27FC236}">
+                <a16:creationId xmlns:a16="http://schemas.microsoft.com/office/drawing/2014/main" id="{04522B95-257D-B6EE-7279-4099CFE51978}"/>
+              </a:ext>
+            </a:extLst>
+          </p:cNvPr>
+          <p:cNvSpPr txBox="1"/>
+          <p:nvPr/>
+        </p:nvSpPr>
+        <p:spPr>
+          <a:xfrm>
+            <a:off x="3906990" y="4190479"/>
+            <a:ext cx="300082" cy="230832"/>
+          </a:xfrm>
+          <a:prstGeom prst="rect">
+            <a:avLst/>
+          </a:prstGeom>
+          <a:noFill/>
+        </p:spPr>
+        <p:txBody>
+          <a:bodyPr wrap="none" rtlCol="0">
+            <a:spAutoFit/>
+          </a:bodyPr>
+          <a:lstStyle/>
+          <a:p>
+            <a:r>
+              <a:rPr lang="en-US" sz="900" dirty="0"/>
+              <a:t>22</a:t>
+            </a:r>
+            <a:endParaRPr lang="en-IL" dirty="0"/>
+          </a:p>
+        </p:txBody>
+      </p:sp>
+      <p:sp>
+        <p:nvSpPr>
+          <p:cNvPr id="48" name="TextBox 47">
+            <a:extLst>
+              <a:ext uri="{FF2B5EF4-FFF2-40B4-BE49-F238E27FC236}">
+                <a16:creationId xmlns:a16="http://schemas.microsoft.com/office/drawing/2014/main" id="{829BBBD2-1B52-4783-AC9C-77BE4B6DACB6}"/>
+              </a:ext>
+            </a:extLst>
+          </p:cNvPr>
+          <p:cNvSpPr txBox="1"/>
+          <p:nvPr/>
+        </p:nvSpPr>
+        <p:spPr>
+          <a:xfrm>
+            <a:off x="3906990" y="4385409"/>
+            <a:ext cx="300082" cy="230832"/>
+          </a:xfrm>
+          <a:prstGeom prst="rect">
+            <a:avLst/>
+          </a:prstGeom>
+          <a:noFill/>
+        </p:spPr>
+        <p:txBody>
+          <a:bodyPr wrap="none" rtlCol="0">
+            <a:spAutoFit/>
+          </a:bodyPr>
+          <a:lstStyle/>
+          <a:p>
+            <a:r>
+              <a:rPr lang="en-US" sz="900" dirty="0"/>
+              <a:t>21</a:t>
+            </a:r>
+            <a:endParaRPr lang="en-IL" dirty="0"/>
+          </a:p>
+        </p:txBody>
+      </p:sp>
+      <p:sp>
+        <p:nvSpPr>
+          <p:cNvPr id="49" name="TextBox 48">
+            <a:extLst>
+              <a:ext uri="{FF2B5EF4-FFF2-40B4-BE49-F238E27FC236}">
+                <a16:creationId xmlns:a16="http://schemas.microsoft.com/office/drawing/2014/main" id="{B63705C5-2663-E820-2A4F-137EFF52EB1E}"/>
+              </a:ext>
+            </a:extLst>
+          </p:cNvPr>
+          <p:cNvSpPr txBox="1"/>
+          <p:nvPr/>
+        </p:nvSpPr>
+        <p:spPr>
+          <a:xfrm>
+            <a:off x="3906990" y="4643245"/>
+            <a:ext cx="242374" cy="230832"/>
+          </a:xfrm>
+          <a:prstGeom prst="rect">
+            <a:avLst/>
+          </a:prstGeom>
+          <a:noFill/>
+        </p:spPr>
+        <p:txBody>
+          <a:bodyPr wrap="none" rtlCol="0">
+            <a:spAutoFit/>
+          </a:bodyPr>
+          <a:lstStyle/>
+          <a:p>
+            <a:r>
+              <a:rPr lang="en-US" sz="900" dirty="0"/>
+              <a:t>4</a:t>
+            </a:r>
+            <a:endParaRPr lang="en-IL" dirty="0"/>
+          </a:p>
+        </p:txBody>
+      </p:sp>
+      <p:sp>
+        <p:nvSpPr>
+          <p:cNvPr id="50" name="TextBox 49">
+            <a:extLst>
+              <a:ext uri="{FF2B5EF4-FFF2-40B4-BE49-F238E27FC236}">
+                <a16:creationId xmlns:a16="http://schemas.microsoft.com/office/drawing/2014/main" id="{74C836C8-FC67-4E0E-F1A5-5E5D0AA41C90}"/>
+              </a:ext>
+            </a:extLst>
+          </p:cNvPr>
+          <p:cNvSpPr txBox="1"/>
+          <p:nvPr/>
+        </p:nvSpPr>
+        <p:spPr>
+          <a:xfrm>
+            <a:off x="4531830" y="4923280"/>
+            <a:ext cx="242374" cy="230832"/>
+          </a:xfrm>
+          <a:prstGeom prst="rect">
+            <a:avLst/>
+          </a:prstGeom>
+          <a:noFill/>
+        </p:spPr>
+        <p:txBody>
+          <a:bodyPr wrap="none" rtlCol="0">
+            <a:spAutoFit/>
+          </a:bodyPr>
+          <a:lstStyle/>
+          <a:p>
+            <a:r>
+              <a:rPr lang="en-US" sz="900" dirty="0"/>
+              <a:t>+</a:t>
+            </a:r>
+            <a:endParaRPr lang="en-IL" dirty="0"/>
+          </a:p>
+        </p:txBody>
+      </p:sp>
+      <p:sp>
+        <p:nvSpPr>
+          <p:cNvPr id="51" name="TextBox 50">
+            <a:extLst>
+              <a:ext uri="{FF2B5EF4-FFF2-40B4-BE49-F238E27FC236}">
+                <a16:creationId xmlns:a16="http://schemas.microsoft.com/office/drawing/2014/main" id="{C7EC909E-8432-78D3-373A-9A3FC2DDE9C0}"/>
+              </a:ext>
+            </a:extLst>
+          </p:cNvPr>
+          <p:cNvSpPr txBox="1"/>
+          <p:nvPr/>
+        </p:nvSpPr>
+        <p:spPr>
+          <a:xfrm>
+            <a:off x="4057031" y="5721475"/>
+            <a:ext cx="401072" cy="230832"/>
+          </a:xfrm>
+          <a:prstGeom prst="rect">
+            <a:avLst/>
+          </a:prstGeom>
+          <a:noFill/>
+        </p:spPr>
+        <p:txBody>
+          <a:bodyPr wrap="none" rtlCol="0">
+            <a:spAutoFit/>
+          </a:bodyPr>
+          <a:lstStyle/>
+          <a:p>
+            <a:r>
+              <a:rPr lang="en-US" sz="900" dirty="0"/>
+              <a:t>GND</a:t>
+            </a:r>
+            <a:endParaRPr lang="en-IL" dirty="0"/>
+          </a:p>
+        </p:txBody>
+      </p:sp>
+      <p:pic>
+        <p:nvPicPr>
+          <p:cNvPr id="52" name="Picture 51">
+            <a:extLst>
+              <a:ext uri="{FF2B5EF4-FFF2-40B4-BE49-F238E27FC236}">
+                <a16:creationId xmlns:a16="http://schemas.microsoft.com/office/drawing/2014/main" id="{B8EB12F8-D237-0042-717C-88D8E7C88EB6}"/>
+              </a:ext>
+            </a:extLst>
+          </p:cNvPr>
+          <p:cNvPicPr>
+            <a:picLocks noChangeAspect="1"/>
+          </p:cNvPicPr>
+          <p:nvPr/>
+        </p:nvPicPr>
+        <p:blipFill>
+          <a:blip r:embed="rId2"/>
+          <a:stretch>
+            <a:fillRect/>
+          </a:stretch>
+        </p:blipFill>
+        <p:spPr>
+          <a:xfrm>
+            <a:off x="6000295" y="3480773"/>
+            <a:ext cx="2567691" cy="2555776"/>
+          </a:xfrm>
+          <a:prstGeom prst="rect">
+            <a:avLst/>
+          </a:prstGeom>
+        </p:spPr>
+      </p:pic>
+      <p:sp>
+        <p:nvSpPr>
+          <p:cNvPr id="53" name="TextBox 52">
+            <a:extLst>
+              <a:ext uri="{FF2B5EF4-FFF2-40B4-BE49-F238E27FC236}">
+                <a16:creationId xmlns:a16="http://schemas.microsoft.com/office/drawing/2014/main" id="{8A58E9E8-421C-9D7F-E34E-2C169818D3C4}"/>
+              </a:ext>
+            </a:extLst>
+          </p:cNvPr>
+          <p:cNvSpPr txBox="1"/>
+          <p:nvPr/>
+        </p:nvSpPr>
+        <p:spPr>
+          <a:xfrm>
+            <a:off x="5880486" y="6195577"/>
+            <a:ext cx="2807307" cy="646331"/>
+          </a:xfrm>
+          <a:prstGeom prst="rect">
+            <a:avLst/>
+          </a:prstGeom>
+          <a:noFill/>
+        </p:spPr>
+        <p:txBody>
+          <a:bodyPr wrap="none" rtlCol="0">
+            <a:spAutoFit/>
+          </a:bodyPr>
+          <a:lstStyle/>
+          <a:p>
+            <a:r>
+              <a:rPr lang="en-US" dirty="0"/>
+              <a:t>Visit </a:t>
+            </a:r>
+            <a:r>
+              <a:rPr lang="en-US" dirty="0">
+                <a:hlinkClick r:id="rId3"/>
+              </a:rPr>
+              <a:t>www.matazim.co.il</a:t>
+            </a:r>
+            <a:endParaRPr lang="en-US" dirty="0"/>
+          </a:p>
+          <a:p>
+            <a:r>
+              <a:rPr lang="en-US" dirty="0"/>
+              <a:t>Course: Single Button Game</a:t>
+            </a:r>
+            <a:endParaRPr lang="en-IL" dirty="0"/>
+          </a:p>
+        </p:txBody>
+      </p:sp>
+      <p:sp>
+        <p:nvSpPr>
+          <p:cNvPr id="54" name="TextBox 53">
+            <a:extLst>
+              <a:ext uri="{FF2B5EF4-FFF2-40B4-BE49-F238E27FC236}">
+                <a16:creationId xmlns:a16="http://schemas.microsoft.com/office/drawing/2014/main" id="{1EF7949D-A0B2-ECBA-AB73-649678380F24}"/>
+              </a:ext>
+            </a:extLst>
+          </p:cNvPr>
+          <p:cNvSpPr txBox="1"/>
+          <p:nvPr/>
+        </p:nvSpPr>
+        <p:spPr>
+          <a:xfrm>
+            <a:off x="6750919" y="3995549"/>
+            <a:ext cx="300082" cy="230832"/>
+          </a:xfrm>
+          <a:prstGeom prst="rect">
+            <a:avLst/>
+          </a:prstGeom>
+          <a:noFill/>
+        </p:spPr>
+        <p:txBody>
+          <a:bodyPr wrap="none" rtlCol="0">
+            <a:spAutoFit/>
+          </a:bodyPr>
+          <a:lstStyle/>
+          <a:p>
+            <a:r>
+              <a:rPr lang="en-US" sz="900" dirty="0"/>
+              <a:t>23</a:t>
+            </a:r>
+            <a:endParaRPr lang="en-IL" dirty="0"/>
+          </a:p>
+        </p:txBody>
+      </p:sp>
+      <p:sp>
+        <p:nvSpPr>
+          <p:cNvPr id="55" name="TextBox 54">
+            <a:extLst>
+              <a:ext uri="{FF2B5EF4-FFF2-40B4-BE49-F238E27FC236}">
+                <a16:creationId xmlns:a16="http://schemas.microsoft.com/office/drawing/2014/main" id="{88428404-97DF-CFE9-A7D1-BC0B3E41DAD4}"/>
+              </a:ext>
+            </a:extLst>
+          </p:cNvPr>
+          <p:cNvSpPr txBox="1"/>
+          <p:nvPr/>
+        </p:nvSpPr>
+        <p:spPr>
+          <a:xfrm>
+            <a:off x="6769969" y="4190479"/>
+            <a:ext cx="300082" cy="230832"/>
+          </a:xfrm>
+          <a:prstGeom prst="rect">
+            <a:avLst/>
+          </a:prstGeom>
+          <a:noFill/>
+        </p:spPr>
+        <p:txBody>
+          <a:bodyPr wrap="none" rtlCol="0">
+            <a:spAutoFit/>
+          </a:bodyPr>
+          <a:lstStyle/>
+          <a:p>
+            <a:r>
+              <a:rPr lang="en-US" sz="900" dirty="0"/>
+              <a:t>22</a:t>
+            </a:r>
+            <a:endParaRPr lang="en-IL" dirty="0"/>
+          </a:p>
+        </p:txBody>
+      </p:sp>
+      <p:sp>
+        <p:nvSpPr>
+          <p:cNvPr id="56" name="TextBox 55">
+            <a:extLst>
+              <a:ext uri="{FF2B5EF4-FFF2-40B4-BE49-F238E27FC236}">
+                <a16:creationId xmlns:a16="http://schemas.microsoft.com/office/drawing/2014/main" id="{795F8E6E-8EBE-06F7-84A7-FA3EBE92281F}"/>
+              </a:ext>
+            </a:extLst>
+          </p:cNvPr>
+          <p:cNvSpPr txBox="1"/>
+          <p:nvPr/>
+        </p:nvSpPr>
+        <p:spPr>
+          <a:xfrm>
+            <a:off x="6769969" y="4385409"/>
+            <a:ext cx="300082" cy="230832"/>
+          </a:xfrm>
+          <a:prstGeom prst="rect">
+            <a:avLst/>
+          </a:prstGeom>
+          <a:noFill/>
+        </p:spPr>
+        <p:txBody>
+          <a:bodyPr wrap="none" rtlCol="0">
+            <a:spAutoFit/>
+          </a:bodyPr>
+          <a:lstStyle/>
+          <a:p>
+            <a:r>
+              <a:rPr lang="en-US" sz="900" dirty="0"/>
+              <a:t>21</a:t>
+            </a:r>
+            <a:endParaRPr lang="en-IL" dirty="0"/>
+          </a:p>
+        </p:txBody>
+      </p:sp>
+      <p:sp>
+        <p:nvSpPr>
+          <p:cNvPr id="57" name="TextBox 56">
+            <a:extLst>
+              <a:ext uri="{FF2B5EF4-FFF2-40B4-BE49-F238E27FC236}">
+                <a16:creationId xmlns:a16="http://schemas.microsoft.com/office/drawing/2014/main" id="{D01476D6-91A4-BB77-6C7B-4B92EA66FCCE}"/>
+              </a:ext>
+            </a:extLst>
+          </p:cNvPr>
+          <p:cNvSpPr txBox="1"/>
+          <p:nvPr/>
+        </p:nvSpPr>
+        <p:spPr>
+          <a:xfrm>
+            <a:off x="6769969" y="4643245"/>
+            <a:ext cx="242374" cy="230832"/>
+          </a:xfrm>
+          <a:prstGeom prst="rect">
+            <a:avLst/>
+          </a:prstGeom>
+          <a:noFill/>
+        </p:spPr>
+        <p:txBody>
+          <a:bodyPr wrap="none" rtlCol="0">
+            <a:spAutoFit/>
+          </a:bodyPr>
+          <a:lstStyle/>
+          <a:p>
+            <a:r>
+              <a:rPr lang="en-US" sz="900" dirty="0"/>
+              <a:t>4</a:t>
+            </a:r>
+            <a:endParaRPr lang="en-IL" dirty="0"/>
+          </a:p>
+        </p:txBody>
+      </p:sp>
+      <p:sp>
+        <p:nvSpPr>
+          <p:cNvPr id="58" name="TextBox 57">
+            <a:extLst>
+              <a:ext uri="{FF2B5EF4-FFF2-40B4-BE49-F238E27FC236}">
+                <a16:creationId xmlns:a16="http://schemas.microsoft.com/office/drawing/2014/main" id="{6CF8B5EE-F6F2-FFD6-56D5-3086DE497A4F}"/>
+              </a:ext>
+            </a:extLst>
+          </p:cNvPr>
+          <p:cNvSpPr txBox="1"/>
+          <p:nvPr/>
+        </p:nvSpPr>
+        <p:spPr>
+          <a:xfrm>
+            <a:off x="7394809" y="4923280"/>
+            <a:ext cx="242374" cy="230832"/>
+          </a:xfrm>
+          <a:prstGeom prst="rect">
+            <a:avLst/>
+          </a:prstGeom>
+          <a:noFill/>
+        </p:spPr>
+        <p:txBody>
+          <a:bodyPr wrap="none" rtlCol="0">
+            <a:spAutoFit/>
+          </a:bodyPr>
+          <a:lstStyle/>
+          <a:p>
+            <a:r>
+              <a:rPr lang="en-US" sz="900" dirty="0"/>
+              <a:t>+</a:t>
+            </a:r>
+            <a:endParaRPr lang="en-IL" dirty="0"/>
+          </a:p>
+        </p:txBody>
+      </p:sp>
+      <p:sp>
+        <p:nvSpPr>
+          <p:cNvPr id="59" name="TextBox 58">
+            <a:extLst>
+              <a:ext uri="{FF2B5EF4-FFF2-40B4-BE49-F238E27FC236}">
+                <a16:creationId xmlns:a16="http://schemas.microsoft.com/office/drawing/2014/main" id="{757FE40E-1F78-ECF5-21B8-9B7C944F97D9}"/>
+              </a:ext>
+            </a:extLst>
+          </p:cNvPr>
+          <p:cNvSpPr txBox="1"/>
+          <p:nvPr/>
+        </p:nvSpPr>
+        <p:spPr>
+          <a:xfrm>
+            <a:off x="6920010" y="5721475"/>
+            <a:ext cx="401072" cy="230832"/>
+          </a:xfrm>
+          <a:prstGeom prst="rect">
+            <a:avLst/>
+          </a:prstGeom>
+          <a:noFill/>
+        </p:spPr>
+        <p:txBody>
+          <a:bodyPr wrap="none" rtlCol="0">
+            <a:spAutoFit/>
+          </a:bodyPr>
+          <a:lstStyle/>
+          <a:p>
+            <a:r>
+              <a:rPr lang="en-US" sz="900" dirty="0"/>
+              <a:t>GND</a:t>
+            </a:r>
+            <a:endParaRPr lang="en-IL" dirty="0"/>
+          </a:p>
+        </p:txBody>
+      </p:sp>
+      <p:pic>
+        <p:nvPicPr>
+          <p:cNvPr id="60" name="Picture 59">
+            <a:extLst>
+              <a:ext uri="{FF2B5EF4-FFF2-40B4-BE49-F238E27FC236}">
+                <a16:creationId xmlns:a16="http://schemas.microsoft.com/office/drawing/2014/main" id="{3F66D1D7-3F4D-DF6B-A003-5D5D2BEC9354}"/>
+              </a:ext>
+            </a:extLst>
+          </p:cNvPr>
+          <p:cNvPicPr>
+            <a:picLocks noChangeAspect="1"/>
+          </p:cNvPicPr>
+          <p:nvPr/>
+        </p:nvPicPr>
+        <p:blipFill>
+          <a:blip r:embed="rId2"/>
+          <a:stretch>
+            <a:fillRect/>
+          </a:stretch>
+        </p:blipFill>
+        <p:spPr>
+          <a:xfrm>
+            <a:off x="8863274" y="3480773"/>
+            <a:ext cx="2567691" cy="2555776"/>
+          </a:xfrm>
+          <a:prstGeom prst="rect">
+            <a:avLst/>
+          </a:prstGeom>
+        </p:spPr>
+      </p:pic>
+      <p:sp>
+        <p:nvSpPr>
+          <p:cNvPr id="61" name="TextBox 60">
+            <a:extLst>
+              <a:ext uri="{FF2B5EF4-FFF2-40B4-BE49-F238E27FC236}">
+                <a16:creationId xmlns:a16="http://schemas.microsoft.com/office/drawing/2014/main" id="{D3D5A3B7-7EC4-B6A6-CC36-864B89B5F192}"/>
+              </a:ext>
+            </a:extLst>
+          </p:cNvPr>
+          <p:cNvSpPr txBox="1"/>
+          <p:nvPr/>
+        </p:nvSpPr>
+        <p:spPr>
+          <a:xfrm>
+            <a:off x="8743465" y="6195577"/>
+            <a:ext cx="2807307" cy="646331"/>
+          </a:xfrm>
+          <a:prstGeom prst="rect">
+            <a:avLst/>
+          </a:prstGeom>
+          <a:noFill/>
+        </p:spPr>
+        <p:txBody>
+          <a:bodyPr wrap="none" rtlCol="0">
+            <a:spAutoFit/>
+          </a:bodyPr>
+          <a:lstStyle/>
+          <a:p>
+            <a:r>
+              <a:rPr lang="en-US" dirty="0"/>
+              <a:t>Visit </a:t>
+            </a:r>
+            <a:r>
+              <a:rPr lang="en-US" dirty="0">
+                <a:hlinkClick r:id="rId3"/>
+              </a:rPr>
+              <a:t>www.matazim.co.il</a:t>
+            </a:r>
+            <a:endParaRPr lang="en-US" dirty="0"/>
+          </a:p>
+          <a:p>
+            <a:r>
+              <a:rPr lang="en-US" dirty="0"/>
+              <a:t>Course: Single Button Game</a:t>
+            </a:r>
+            <a:endParaRPr lang="en-IL" dirty="0"/>
+          </a:p>
+        </p:txBody>
+      </p:sp>
+      <p:sp>
+        <p:nvSpPr>
+          <p:cNvPr id="62" name="TextBox 61">
+            <a:extLst>
+              <a:ext uri="{FF2B5EF4-FFF2-40B4-BE49-F238E27FC236}">
+                <a16:creationId xmlns:a16="http://schemas.microsoft.com/office/drawing/2014/main" id="{B4CB7810-3766-381E-7A39-DBF92B6C98CF}"/>
+              </a:ext>
+            </a:extLst>
+          </p:cNvPr>
+          <p:cNvSpPr txBox="1"/>
+          <p:nvPr/>
+        </p:nvSpPr>
+        <p:spPr>
+          <a:xfrm>
+            <a:off x="9613898" y="3995549"/>
+            <a:ext cx="300082" cy="230832"/>
+          </a:xfrm>
+          <a:prstGeom prst="rect">
+            <a:avLst/>
+          </a:prstGeom>
+          <a:noFill/>
+        </p:spPr>
+        <p:txBody>
+          <a:bodyPr wrap="none" rtlCol="0">
+            <a:spAutoFit/>
+          </a:bodyPr>
+          <a:lstStyle/>
+          <a:p>
+            <a:r>
+              <a:rPr lang="en-US" sz="900" dirty="0"/>
+              <a:t>23</a:t>
+            </a:r>
+            <a:endParaRPr lang="en-IL" dirty="0"/>
+          </a:p>
+        </p:txBody>
+      </p:sp>
+      <p:sp>
+        <p:nvSpPr>
+          <p:cNvPr id="63" name="TextBox 62">
+            <a:extLst>
+              <a:ext uri="{FF2B5EF4-FFF2-40B4-BE49-F238E27FC236}">
+                <a16:creationId xmlns:a16="http://schemas.microsoft.com/office/drawing/2014/main" id="{151B79C7-35F4-D9C1-AE0E-160B1FD477E8}"/>
+              </a:ext>
+            </a:extLst>
+          </p:cNvPr>
+          <p:cNvSpPr txBox="1"/>
+          <p:nvPr/>
+        </p:nvSpPr>
+        <p:spPr>
+          <a:xfrm>
+            <a:off x="9632948" y="4190479"/>
+            <a:ext cx="300082" cy="230832"/>
+          </a:xfrm>
+          <a:prstGeom prst="rect">
+            <a:avLst/>
+          </a:prstGeom>
+          <a:noFill/>
+        </p:spPr>
+        <p:txBody>
+          <a:bodyPr wrap="none" rtlCol="0">
+            <a:spAutoFit/>
+          </a:bodyPr>
+          <a:lstStyle/>
+          <a:p>
+            <a:r>
+              <a:rPr lang="en-US" sz="900" dirty="0"/>
+              <a:t>22</a:t>
+            </a:r>
+            <a:endParaRPr lang="en-IL" dirty="0"/>
+          </a:p>
+        </p:txBody>
+      </p:sp>
+      <p:sp>
+        <p:nvSpPr>
+          <p:cNvPr id="64" name="TextBox 63">
+            <a:extLst>
+              <a:ext uri="{FF2B5EF4-FFF2-40B4-BE49-F238E27FC236}">
+                <a16:creationId xmlns:a16="http://schemas.microsoft.com/office/drawing/2014/main" id="{7E1354BE-A1E4-036B-5098-9135EEFCC8DD}"/>
+              </a:ext>
+            </a:extLst>
+          </p:cNvPr>
+          <p:cNvSpPr txBox="1"/>
+          <p:nvPr/>
+        </p:nvSpPr>
+        <p:spPr>
+          <a:xfrm>
+            <a:off x="9632948" y="4385409"/>
+            <a:ext cx="300082" cy="230832"/>
+          </a:xfrm>
+          <a:prstGeom prst="rect">
+            <a:avLst/>
+          </a:prstGeom>
+          <a:noFill/>
+        </p:spPr>
+        <p:txBody>
+          <a:bodyPr wrap="none" rtlCol="0">
+            <a:spAutoFit/>
+          </a:bodyPr>
+          <a:lstStyle/>
+          <a:p>
+            <a:r>
+              <a:rPr lang="en-US" sz="900" dirty="0"/>
+              <a:t>21</a:t>
+            </a:r>
+            <a:endParaRPr lang="en-IL" dirty="0"/>
+          </a:p>
+        </p:txBody>
+      </p:sp>
+      <p:sp>
+        <p:nvSpPr>
+          <p:cNvPr id="65" name="TextBox 64">
+            <a:extLst>
+              <a:ext uri="{FF2B5EF4-FFF2-40B4-BE49-F238E27FC236}">
+                <a16:creationId xmlns:a16="http://schemas.microsoft.com/office/drawing/2014/main" id="{19171360-82F5-B9AF-675C-0110B74DEB9B}"/>
+              </a:ext>
+            </a:extLst>
+          </p:cNvPr>
+          <p:cNvSpPr txBox="1"/>
+          <p:nvPr/>
+        </p:nvSpPr>
+        <p:spPr>
+          <a:xfrm>
+            <a:off x="9632948" y="4643245"/>
+            <a:ext cx="242374" cy="230832"/>
+          </a:xfrm>
+          <a:prstGeom prst="rect">
+            <a:avLst/>
+          </a:prstGeom>
+          <a:noFill/>
+        </p:spPr>
+        <p:txBody>
+          <a:bodyPr wrap="none" rtlCol="0">
+            <a:spAutoFit/>
+          </a:bodyPr>
+          <a:lstStyle/>
+          <a:p>
+            <a:r>
+              <a:rPr lang="en-US" sz="900" dirty="0"/>
+              <a:t>4</a:t>
+            </a:r>
+            <a:endParaRPr lang="en-IL" dirty="0"/>
+          </a:p>
+        </p:txBody>
+      </p:sp>
+      <p:sp>
+        <p:nvSpPr>
+          <p:cNvPr id="66" name="TextBox 65">
+            <a:extLst>
+              <a:ext uri="{FF2B5EF4-FFF2-40B4-BE49-F238E27FC236}">
+                <a16:creationId xmlns:a16="http://schemas.microsoft.com/office/drawing/2014/main" id="{1D285B55-E3F3-1ADB-8F40-31A4CE0F9091}"/>
+              </a:ext>
+            </a:extLst>
+          </p:cNvPr>
+          <p:cNvSpPr txBox="1"/>
+          <p:nvPr/>
+        </p:nvSpPr>
+        <p:spPr>
+          <a:xfrm>
+            <a:off x="10257788" y="4923280"/>
+            <a:ext cx="242374" cy="230832"/>
+          </a:xfrm>
+          <a:prstGeom prst="rect">
+            <a:avLst/>
+          </a:prstGeom>
+          <a:noFill/>
+        </p:spPr>
+        <p:txBody>
+          <a:bodyPr wrap="none" rtlCol="0">
+            <a:spAutoFit/>
+          </a:bodyPr>
+          <a:lstStyle/>
+          <a:p>
+            <a:r>
+              <a:rPr lang="en-US" sz="900" dirty="0"/>
+              <a:t>+</a:t>
+            </a:r>
+            <a:endParaRPr lang="en-IL" dirty="0"/>
+          </a:p>
+        </p:txBody>
+      </p:sp>
+      <p:sp>
+        <p:nvSpPr>
+          <p:cNvPr id="67" name="TextBox 66">
+            <a:extLst>
+              <a:ext uri="{FF2B5EF4-FFF2-40B4-BE49-F238E27FC236}">
+                <a16:creationId xmlns:a16="http://schemas.microsoft.com/office/drawing/2014/main" id="{5F5A3127-6ABD-35B0-22E7-C8C287EDCCDE}"/>
+              </a:ext>
+            </a:extLst>
+          </p:cNvPr>
+          <p:cNvSpPr txBox="1"/>
+          <p:nvPr/>
+        </p:nvSpPr>
+        <p:spPr>
+          <a:xfrm>
+            <a:off x="9782989" y="5721475"/>
+            <a:ext cx="401072" cy="230832"/>
+          </a:xfrm>
+          <a:prstGeom prst="rect">
+            <a:avLst/>
+          </a:prstGeom>
+          <a:noFill/>
+        </p:spPr>
+        <p:txBody>
+          <a:bodyPr wrap="none" rtlCol="0">
+            <a:spAutoFit/>
+          </a:bodyPr>
+          <a:lstStyle/>
+          <a:p>
+            <a:r>
+              <a:rPr lang="en-US" sz="900" dirty="0"/>
+              <a:t>GND</a:t>
+            </a:r>
+            <a:endParaRPr lang="en-IL" dirty="0"/>
+          </a:p>
+        </p:txBody>
+      </p:sp>
+    </p:spTree>
+    <p:extLst>
+      <p:ext uri="{BB962C8B-B14F-4D97-AF65-F5344CB8AC3E}">
+        <p14:creationId xmlns:p14="http://schemas.microsoft.com/office/powerpoint/2010/main" val="772049980"/>
+      </p:ext>
+    </p:extLst>
+  </p:cSld>
+  <p:clrMapOvr>
+    <a:masterClrMapping/>
+  </p:clrMapOvr>
+</p:sld>
+</file>
+
 <file path=ppt/slides/slide2.xml><?xml version="1.0" encoding="utf-8"?>
 <p:sld xmlns:a="http://schemas.openxmlformats.org/drawingml/2006/main" xmlns:r="http://schemas.openxmlformats.org/officeDocument/2006/relationships" xmlns:p="http://schemas.openxmlformats.org/presentationml/2006/main">
   <p:cSld>
@@ -4378,11 +7068,7 @@
             </a:pPr>
             <a:r>
               <a:rPr lang="en-US" dirty="0"/>
-              <a:t>Download course </a:t>
-            </a:r>
-            <a:r>
-              <a:rPr lang="en-US"/>
-              <a:t>from GitHub</a:t>
+              <a:t>Download course from GitHub</a:t>
             </a:r>
           </a:p>
           <a:p>
@@ -4390,6 +7076,10 @@
               <a:buFont typeface="Arial" panose="020B0604020202020204" pitchFamily="34" charset="0"/>
               <a:buAutoNum type="arabicPeriod"/>
             </a:pPr>
+            <a:r>
+              <a:rPr lang="en-US" dirty="0"/>
+              <a:t>https://github.com/avisalmon/single_button</a:t>
+            </a:r>
             <a:endParaRPr lang="he-IL" dirty="0"/>
           </a:p>
         </p:txBody>
@@ -4472,7 +7162,7 @@
         <p:spPr/>
         <p:txBody>
           <a:bodyPr>
-            <a:normAutofit lnSpcReduction="10000"/>
+            <a:normAutofit/>
           </a:bodyPr>
           <a:lstStyle/>
           <a:p>
@@ -4511,57 +7201,6 @@
               <a:rPr lang="en-US" dirty="0"/>
               <a:t>ESP32 Driver.</a:t>
             </a:r>
-          </a:p>
-          <a:p>
-            <a:pPr marL="514350" indent="-514350">
-              <a:buAutoNum type="arabicPeriod"/>
-            </a:pPr>
-            <a:r>
-              <a:rPr lang="en-US" dirty="0"/>
-              <a:t>Python</a:t>
-            </a:r>
-          </a:p>
-          <a:p>
-            <a:pPr marL="514350" indent="-514350">
-              <a:buAutoNum type="arabicPeriod"/>
-            </a:pPr>
-            <a:r>
-              <a:rPr lang="en-US" dirty="0" err="1"/>
-              <a:t>Thonny</a:t>
-            </a:r>
-            <a:endParaRPr lang="en-US" dirty="0"/>
-          </a:p>
-          <a:p>
-            <a:pPr marL="514350" indent="-514350">
-              <a:buAutoNum type="arabicPeriod"/>
-            </a:pPr>
-            <a:r>
-              <a:rPr lang="en-US" dirty="0"/>
-              <a:t>Load Micro Python</a:t>
-            </a:r>
-          </a:p>
-          <a:p>
-            <a:pPr marL="514350" indent="-514350">
-              <a:buAutoNum type="arabicPeriod"/>
-            </a:pPr>
-            <a:r>
-              <a:rPr lang="en-US" dirty="0" err="1"/>
-              <a:t>Jupyter</a:t>
-            </a:r>
-            <a:r>
-              <a:rPr lang="en-US" dirty="0"/>
-              <a:t> notebook</a:t>
-            </a:r>
-          </a:p>
-          <a:p>
-            <a:pPr marL="514350" indent="-514350">
-              <a:buAutoNum type="arabicPeriod"/>
-            </a:pPr>
-            <a:r>
-              <a:rPr lang="en-US" dirty="0"/>
-              <a:t>Let’s Rock! </a:t>
-            </a:r>
-            <a:endParaRPr lang="en-IL" dirty="0"/>
           </a:p>
         </p:txBody>
       </p:sp>
@@ -4643,7 +7282,7 @@
         <p:spPr/>
         <p:txBody>
           <a:bodyPr>
-            <a:normAutofit lnSpcReduction="10000"/>
+            <a:normAutofit/>
           </a:bodyPr>
           <a:lstStyle/>
           <a:p>
@@ -4693,46 +7332,13 @@
             </a:r>
           </a:p>
           <a:p>
-            <a:pPr marL="514350" indent="-514350">
-              <a:buAutoNum type="arabicPeriod"/>
+            <a:pPr marL="457200" lvl="1" indent="0">
+              <a:buNone/>
             </a:pPr>
             <a:r>
-              <a:rPr lang="en-US" dirty="0" err="1"/>
-              <a:t>Thonny</a:t>
-            </a:r>
-            <a:endParaRPr lang="en-US" dirty="0"/>
-          </a:p>
-          <a:p>
-            <a:pPr marL="514350" indent="-514350">
-              <a:buAutoNum type="arabicPeriod"/>
-            </a:pPr>
-            <a:r>
               <a:rPr lang="en-US" dirty="0"/>
-              <a:t>Load Micro Python</a:t>
-            </a:r>
-          </a:p>
-          <a:p>
-            <a:pPr marL="514350" indent="-514350">
-              <a:buAutoNum type="arabicPeriod"/>
-            </a:pPr>
-            <a:r>
-              <a:rPr lang="en-US" dirty="0" err="1"/>
-              <a:t>Jupyter</a:t>
-            </a:r>
-            <a:r>
-              <a:rPr lang="en-US" dirty="0"/>
-              <a:t> notebook</a:t>
-            </a:r>
-          </a:p>
-          <a:p>
-            <a:pPr marL="514350" indent="-514350">
-              <a:buAutoNum type="arabicPeriod"/>
-            </a:pPr>
-            <a:r>
-              <a:rPr lang="en-US" dirty="0"/>
-              <a:t>Let’s Rock! </a:t>
-            </a:r>
-            <a:endParaRPr lang="en-IL" dirty="0"/>
+              <a:t>python.org</a:t>
+            </a:r>
           </a:p>
         </p:txBody>
       </p:sp>
@@ -4814,7 +7420,7 @@
         <p:spPr/>
         <p:txBody>
           <a:bodyPr>
-            <a:normAutofit lnSpcReduction="10000"/>
+            <a:normAutofit/>
           </a:bodyPr>
           <a:lstStyle/>
           <a:p>
@@ -4868,42 +7474,9 @@
               <a:buAutoNum type="arabicPeriod"/>
             </a:pPr>
             <a:r>
-              <a:rPr lang="en-US" dirty="0" err="1"/>
-              <a:t>Thonny</a:t>
-            </a:r>
-            <a:endParaRPr lang="en-US" dirty="0"/>
-          </a:p>
-          <a:p>
-            <a:pPr marL="514350" indent="-514350">
-              <a:buAutoNum type="arabicPeriod"/>
-            </a:pPr>
-            <a:r>
               <a:rPr lang="en-US" dirty="0"/>
-              <a:t>Load Micro Python</a:t>
-            </a:r>
-          </a:p>
-          <a:p>
-            <a:pPr marL="514350" indent="-514350">
-              <a:buAutoNum type="arabicPeriod"/>
-            </a:pPr>
-            <a:r>
-              <a:rPr lang="en-US" dirty="0" err="1"/>
-              <a:t>Jupyter</a:t>
-            </a:r>
-            <a:r>
-              <a:rPr lang="en-US" dirty="0"/>
-              <a:t> notebook</a:t>
-            </a:r>
-          </a:p>
-          <a:p>
-            <a:pPr marL="514350" indent="-514350">
-              <a:buAutoNum type="arabicPeriod"/>
-            </a:pPr>
-            <a:r>
-              <a:rPr lang="en-US" dirty="0"/>
-              <a:t>Let’s Rock! </a:t>
-            </a:r>
-            <a:endParaRPr lang="en-IL" dirty="0"/>
+              <a:t>Thonny.org</a:t>
+            </a:r>
           </a:p>
         </p:txBody>
       </p:sp>
@@ -4985,7 +7558,7 @@
         <p:spPr/>
         <p:txBody>
           <a:bodyPr>
-            <a:normAutofit lnSpcReduction="10000"/>
+            <a:normAutofit/>
           </a:bodyPr>
           <a:lstStyle/>
           <a:p>
@@ -5052,29 +7625,6 @@
               <a:rPr lang="en-US" dirty="0"/>
               <a:t>Load Micro Python</a:t>
             </a:r>
-          </a:p>
-          <a:p>
-            <a:pPr marL="514350" indent="-514350">
-              <a:buAutoNum type="arabicPeriod"/>
-            </a:pPr>
-            <a:r>
-              <a:rPr lang="en-US" dirty="0" err="1"/>
-              <a:t>Jupyter</a:t>
-            </a:r>
-            <a:r>
-              <a:rPr lang="en-US" dirty="0"/>
-              <a:t> notebook</a:t>
-            </a:r>
-          </a:p>
-          <a:p>
-            <a:pPr marL="514350" indent="-514350">
-              <a:buAutoNum type="arabicPeriod"/>
-            </a:pPr>
-            <a:r>
-              <a:rPr lang="en-US" dirty="0"/>
-              <a:t>Let’s Rock! </a:t>
-            </a:r>
-            <a:endParaRPr lang="en-IL" dirty="0"/>
           </a:p>
         </p:txBody>
       </p:sp>

--- a/slides.pptx
+++ b/slides.pptx
@@ -16,7 +16,10 @@
     <p:sldId id="263" r:id="rId10"/>
     <p:sldId id="261" r:id="rId11"/>
     <p:sldId id="266" r:id="rId12"/>
-    <p:sldId id="267" r:id="rId13"/>
+    <p:sldId id="270" r:id="rId13"/>
+    <p:sldId id="267" r:id="rId14"/>
+    <p:sldId id="268" r:id="rId15"/>
+    <p:sldId id="269" r:id="rId16"/>
   </p:sldIdLst>
   <p:sldSz cx="12192000" cy="6858000"/>
   <p:notesSz cx="6858000" cy="9144000"/>
@@ -272,7 +275,7 @@
           <a:p>
             <a:fld id="{C20C4901-BF78-4450-8C22-6E0E9C4DFBAB}" type="datetimeFigureOut">
               <a:rPr lang="en-IL" smtClean="0"/>
-              <a:t>27/09/2023</a:t>
+              <a:t>05/11/2023</a:t>
             </a:fld>
             <a:endParaRPr lang="en-IL"/>
           </a:p>
@@ -472,7 +475,7 @@
           <a:p>
             <a:fld id="{C20C4901-BF78-4450-8C22-6E0E9C4DFBAB}" type="datetimeFigureOut">
               <a:rPr lang="en-IL" smtClean="0"/>
-              <a:t>27/09/2023</a:t>
+              <a:t>05/11/2023</a:t>
             </a:fld>
             <a:endParaRPr lang="en-IL"/>
           </a:p>
@@ -682,7 +685,7 @@
           <a:p>
             <a:fld id="{C20C4901-BF78-4450-8C22-6E0E9C4DFBAB}" type="datetimeFigureOut">
               <a:rPr lang="en-IL" smtClean="0"/>
-              <a:t>27/09/2023</a:t>
+              <a:t>05/11/2023</a:t>
             </a:fld>
             <a:endParaRPr lang="en-IL"/>
           </a:p>
@@ -882,7 +885,7 @@
           <a:p>
             <a:fld id="{C20C4901-BF78-4450-8C22-6E0E9C4DFBAB}" type="datetimeFigureOut">
               <a:rPr lang="en-IL" smtClean="0"/>
-              <a:t>27/09/2023</a:t>
+              <a:t>05/11/2023</a:t>
             </a:fld>
             <a:endParaRPr lang="en-IL"/>
           </a:p>
@@ -1158,7 +1161,7 @@
           <a:p>
             <a:fld id="{C20C4901-BF78-4450-8C22-6E0E9C4DFBAB}" type="datetimeFigureOut">
               <a:rPr lang="en-IL" smtClean="0"/>
-              <a:t>27/09/2023</a:t>
+              <a:t>05/11/2023</a:t>
             </a:fld>
             <a:endParaRPr lang="en-IL"/>
           </a:p>
@@ -1426,7 +1429,7 @@
           <a:p>
             <a:fld id="{C20C4901-BF78-4450-8C22-6E0E9C4DFBAB}" type="datetimeFigureOut">
               <a:rPr lang="en-IL" smtClean="0"/>
-              <a:t>27/09/2023</a:t>
+              <a:t>05/11/2023</a:t>
             </a:fld>
             <a:endParaRPr lang="en-IL"/>
           </a:p>
@@ -1841,7 +1844,7 @@
           <a:p>
             <a:fld id="{C20C4901-BF78-4450-8C22-6E0E9C4DFBAB}" type="datetimeFigureOut">
               <a:rPr lang="en-IL" smtClean="0"/>
-              <a:t>27/09/2023</a:t>
+              <a:t>05/11/2023</a:t>
             </a:fld>
             <a:endParaRPr lang="en-IL"/>
           </a:p>
@@ -1983,7 +1986,7 @@
           <a:p>
             <a:fld id="{C20C4901-BF78-4450-8C22-6E0E9C4DFBAB}" type="datetimeFigureOut">
               <a:rPr lang="en-IL" smtClean="0"/>
-              <a:t>27/09/2023</a:t>
+              <a:t>05/11/2023</a:t>
             </a:fld>
             <a:endParaRPr lang="en-IL"/>
           </a:p>
@@ -2096,7 +2099,7 @@
           <a:p>
             <a:fld id="{C20C4901-BF78-4450-8C22-6E0E9C4DFBAB}" type="datetimeFigureOut">
               <a:rPr lang="en-IL" smtClean="0"/>
-              <a:t>27/09/2023</a:t>
+              <a:t>05/11/2023</a:t>
             </a:fld>
             <a:endParaRPr lang="en-IL"/>
           </a:p>
@@ -2409,7 +2412,7 @@
           <a:p>
             <a:fld id="{C20C4901-BF78-4450-8C22-6E0E9C4DFBAB}" type="datetimeFigureOut">
               <a:rPr lang="en-IL" smtClean="0"/>
-              <a:t>27/09/2023</a:t>
+              <a:t>05/11/2023</a:t>
             </a:fld>
             <a:endParaRPr lang="en-IL"/>
           </a:p>
@@ -2698,7 +2701,7 @@
           <a:p>
             <a:fld id="{C20C4901-BF78-4450-8C22-6E0E9C4DFBAB}" type="datetimeFigureOut">
               <a:rPr lang="en-IL" smtClean="0"/>
-              <a:t>27/09/2023</a:t>
+              <a:t>05/11/2023</a:t>
             </a:fld>
             <a:endParaRPr lang="en-IL"/>
           </a:p>
@@ -2941,7 +2944,7 @@
           <a:p>
             <a:fld id="{C20C4901-BF78-4450-8C22-6E0E9C4DFBAB}" type="datetimeFigureOut">
               <a:rPr lang="en-IL" smtClean="0"/>
-              <a:t>27/09/2023</a:t>
+              <a:t>05/11/2023</a:t>
             </a:fld>
             <a:endParaRPr lang="en-IL"/>
           </a:p>
@@ -3631,7 +3634,7 @@
         </p:nvSpPr>
         <p:spPr>
           <a:xfrm>
-            <a:off x="997527" y="895927"/>
+            <a:off x="2860193" y="1894994"/>
             <a:ext cx="5578764" cy="2798618"/>
           </a:xfrm>
           <a:prstGeom prst="rect">
@@ -3677,7 +3680,7 @@
         </p:nvCxnSpPr>
         <p:spPr>
           <a:xfrm>
-            <a:off x="997527" y="618836"/>
+            <a:off x="2860193" y="1617903"/>
             <a:ext cx="5578764" cy="0"/>
           </a:xfrm>
           <a:prstGeom prst="straightConnector1">
@@ -3716,7 +3719,7 @@
         </p:nvCxnSpPr>
         <p:spPr>
           <a:xfrm>
-            <a:off x="637309" y="895927"/>
+            <a:off x="2499975" y="1894994"/>
             <a:ext cx="0" cy="2798618"/>
           </a:xfrm>
           <a:prstGeom prst="straightConnector1">
@@ -3755,8 +3758,8 @@
         </p:nvSpPr>
         <p:spPr>
           <a:xfrm>
-            <a:off x="997527" y="895927"/>
-            <a:ext cx="508000" cy="369332"/>
+            <a:off x="2860192" y="1894994"/>
+            <a:ext cx="873607" cy="369332"/>
           </a:xfrm>
           <a:prstGeom prst="rect">
             <a:avLst/>
@@ -3771,7 +3774,7 @@
           <a:p>
             <a:r>
               <a:rPr lang="en-US" dirty="0"/>
-              <a:t>0,0</a:t>
+              <a:t>(0,0)</a:t>
             </a:r>
             <a:endParaRPr lang="en-IL" dirty="0"/>
           </a:p>
@@ -3791,8 +3794,8 @@
         </p:nvSpPr>
         <p:spPr>
           <a:xfrm>
-            <a:off x="5846618" y="895927"/>
-            <a:ext cx="729673" cy="369332"/>
+            <a:off x="7673903" y="1931542"/>
+            <a:ext cx="1034472" cy="369332"/>
           </a:xfrm>
           <a:prstGeom prst="rect">
             <a:avLst/>
@@ -3807,7 +3810,7 @@
           <a:p>
             <a:r>
               <a:rPr lang="en-US" dirty="0"/>
-              <a:t>127,0</a:t>
+              <a:t>(127,0)</a:t>
             </a:r>
             <a:endParaRPr lang="en-IL" dirty="0"/>
           </a:p>
@@ -3827,8 +3830,8 @@
         </p:nvSpPr>
         <p:spPr>
           <a:xfrm>
-            <a:off x="997527" y="3325089"/>
-            <a:ext cx="729673" cy="369332"/>
+            <a:off x="2860193" y="4324156"/>
+            <a:ext cx="1034470" cy="369332"/>
           </a:xfrm>
           <a:prstGeom prst="rect">
             <a:avLst/>
@@ -3843,7 +3846,7 @@
           <a:p>
             <a:r>
               <a:rPr lang="en-US" dirty="0"/>
-              <a:t>0, 63</a:t>
+              <a:t>(0, 63)</a:t>
             </a:r>
             <a:endParaRPr lang="en-IL" dirty="0"/>
           </a:p>
@@ -3863,8 +3866,8 @@
         </p:nvSpPr>
         <p:spPr>
           <a:xfrm>
-            <a:off x="5606475" y="3343436"/>
-            <a:ext cx="1034472" cy="369332"/>
+            <a:off x="7458368" y="4322097"/>
+            <a:ext cx="1383145" cy="369332"/>
           </a:xfrm>
           <a:prstGeom prst="rect">
             <a:avLst/>
@@ -3879,7 +3882,187 @@
           <a:p>
             <a:r>
               <a:rPr lang="en-US" dirty="0"/>
-              <a:t>127, 63</a:t>
+              <a:t>(127, 63)</a:t>
+            </a:r>
+            <a:endParaRPr lang="en-IL" dirty="0"/>
+          </a:p>
+        </p:txBody>
+      </p:sp>
+      <p:sp>
+        <p:nvSpPr>
+          <p:cNvPr id="2" name="TextBox 1">
+            <a:extLst>
+              <a:ext uri="{FF2B5EF4-FFF2-40B4-BE49-F238E27FC236}">
+                <a16:creationId xmlns:a16="http://schemas.microsoft.com/office/drawing/2014/main" id="{5341EC12-18F9-A742-55EF-1200503D5431}"/>
+              </a:ext>
+            </a:extLst>
+          </p:cNvPr>
+          <p:cNvSpPr txBox="1"/>
+          <p:nvPr/>
+        </p:nvSpPr>
+        <p:spPr>
+          <a:xfrm>
+            <a:off x="9499599" y="1617903"/>
+            <a:ext cx="639919" cy="369332"/>
+          </a:xfrm>
+          <a:prstGeom prst="rect">
+            <a:avLst/>
+          </a:prstGeom>
+          <a:noFill/>
+        </p:spPr>
+        <p:txBody>
+          <a:bodyPr wrap="none" rtlCol="0">
+            <a:spAutoFit/>
+          </a:bodyPr>
+          <a:lstStyle/>
+          <a:p>
+            <a:r>
+              <a:rPr lang="en-US" dirty="0"/>
+              <a:t>(x, y)</a:t>
+            </a:r>
+            <a:endParaRPr lang="en-IL" dirty="0"/>
+          </a:p>
+        </p:txBody>
+      </p:sp>
+      <p:sp>
+        <p:nvSpPr>
+          <p:cNvPr id="3" name="TextBox 2">
+            <a:extLst>
+              <a:ext uri="{FF2B5EF4-FFF2-40B4-BE49-F238E27FC236}">
+                <a16:creationId xmlns:a16="http://schemas.microsoft.com/office/drawing/2014/main" id="{76E42123-E8AE-F9F4-9719-4536673F76CE}"/>
+              </a:ext>
+            </a:extLst>
+          </p:cNvPr>
+          <p:cNvSpPr txBox="1"/>
+          <p:nvPr/>
+        </p:nvSpPr>
+        <p:spPr>
+          <a:xfrm>
+            <a:off x="2794233" y="1230348"/>
+            <a:ext cx="590226" cy="369332"/>
+          </a:xfrm>
+          <a:prstGeom prst="rect">
+            <a:avLst/>
+          </a:prstGeom>
+          <a:noFill/>
+        </p:spPr>
+        <p:txBody>
+          <a:bodyPr wrap="none" rtlCol="0">
+            <a:spAutoFit/>
+          </a:bodyPr>
+          <a:lstStyle/>
+          <a:p>
+            <a:r>
+              <a:rPr lang="en-US" dirty="0"/>
+              <a:t>X=0 </a:t>
+            </a:r>
+            <a:endParaRPr lang="en-IL" dirty="0"/>
+          </a:p>
+        </p:txBody>
+      </p:sp>
+      <p:sp>
+        <p:nvSpPr>
+          <p:cNvPr id="5" name="TextBox 4">
+            <a:extLst>
+              <a:ext uri="{FF2B5EF4-FFF2-40B4-BE49-F238E27FC236}">
+                <a16:creationId xmlns:a16="http://schemas.microsoft.com/office/drawing/2014/main" id="{DE1F9266-C71A-9944-2C9A-FA8641D20CE7}"/>
+              </a:ext>
+            </a:extLst>
+          </p:cNvPr>
+          <p:cNvSpPr txBox="1"/>
+          <p:nvPr/>
+        </p:nvSpPr>
+        <p:spPr>
+          <a:xfrm>
+            <a:off x="7779007" y="1230348"/>
+            <a:ext cx="824265" cy="369332"/>
+          </a:xfrm>
+          <a:prstGeom prst="rect">
+            <a:avLst/>
+          </a:prstGeom>
+          <a:noFill/>
+        </p:spPr>
+        <p:txBody>
+          <a:bodyPr wrap="none" rtlCol="0">
+            <a:spAutoFit/>
+          </a:bodyPr>
+          <a:lstStyle/>
+          <a:p>
+            <a:r>
+              <a:rPr lang="en-US" dirty="0"/>
+              <a:t>X=127 </a:t>
+            </a:r>
+            <a:endParaRPr lang="en-IL" dirty="0"/>
+          </a:p>
+        </p:txBody>
+      </p:sp>
+      <p:sp>
+        <p:nvSpPr>
+          <p:cNvPr id="7" name="TextBox 6">
+            <a:extLst>
+              <a:ext uri="{FF2B5EF4-FFF2-40B4-BE49-F238E27FC236}">
+                <a16:creationId xmlns:a16="http://schemas.microsoft.com/office/drawing/2014/main" id="{2D90E5F1-8ED2-F492-28A0-FD5F8A02FEBE}"/>
+              </a:ext>
+            </a:extLst>
+          </p:cNvPr>
+          <p:cNvSpPr txBox="1"/>
+          <p:nvPr/>
+        </p:nvSpPr>
+        <p:spPr>
+          <a:xfrm>
+            <a:off x="1729641" y="1931542"/>
+            <a:ext cx="590226" cy="369332"/>
+          </a:xfrm>
+          <a:prstGeom prst="rect">
+            <a:avLst/>
+          </a:prstGeom>
+          <a:noFill/>
+        </p:spPr>
+        <p:txBody>
+          <a:bodyPr wrap="none" rtlCol="0">
+            <a:spAutoFit/>
+          </a:bodyPr>
+          <a:lstStyle/>
+          <a:p>
+            <a:r>
+              <a:rPr lang="en-US" dirty="0"/>
+              <a:t>y=0 </a:t>
+            </a:r>
+            <a:endParaRPr lang="en-IL" dirty="0"/>
+          </a:p>
+        </p:txBody>
+      </p:sp>
+      <p:sp>
+        <p:nvSpPr>
+          <p:cNvPr id="13" name="TextBox 12">
+            <a:extLst>
+              <a:ext uri="{FF2B5EF4-FFF2-40B4-BE49-F238E27FC236}">
+                <a16:creationId xmlns:a16="http://schemas.microsoft.com/office/drawing/2014/main" id="{6A40E1F9-C357-9C39-D6C2-66CA40398CFA}"/>
+              </a:ext>
+            </a:extLst>
+          </p:cNvPr>
+          <p:cNvSpPr txBox="1"/>
+          <p:nvPr/>
+        </p:nvSpPr>
+        <p:spPr>
+          <a:xfrm>
+            <a:off x="1771842" y="4322097"/>
+            <a:ext cx="691215" cy="369332"/>
+          </a:xfrm>
+          <a:prstGeom prst="rect">
+            <a:avLst/>
+          </a:prstGeom>
+          <a:noFill/>
+        </p:spPr>
+        <p:txBody>
+          <a:bodyPr wrap="none" rtlCol="0">
+            <a:spAutoFit/>
+          </a:bodyPr>
+          <a:lstStyle/>
+          <a:p>
+            <a:r>
+              <a:rPr lang="en-US" dirty="0"/>
+              <a:t>y=63 </a:t>
             </a:r>
             <a:endParaRPr lang="en-IL" dirty="0"/>
           </a:p>
@@ -3915,6 +4098,735 @@
           <a:chExt cx="0" cy="0"/>
         </a:xfrm>
       </p:grpSpPr>
+      <p:sp>
+        <p:nvSpPr>
+          <p:cNvPr id="4" name="Rectangle 3">
+            <a:extLst>
+              <a:ext uri="{FF2B5EF4-FFF2-40B4-BE49-F238E27FC236}">
+                <a16:creationId xmlns:a16="http://schemas.microsoft.com/office/drawing/2014/main" id="{F284F489-732C-231D-0465-6B806AE9F6FB}"/>
+              </a:ext>
+            </a:extLst>
+          </p:cNvPr>
+          <p:cNvSpPr/>
+          <p:nvPr/>
+        </p:nvSpPr>
+        <p:spPr>
+          <a:xfrm>
+            <a:off x="2837100" y="1894994"/>
+            <a:ext cx="5578764" cy="2798618"/>
+          </a:xfrm>
+          <a:prstGeom prst="rect">
+            <a:avLst/>
+          </a:prstGeom>
+        </p:spPr>
+        <p:style>
+          <a:lnRef idx="2">
+            <a:schemeClr val="accent1">
+              <a:shade val="15000"/>
+            </a:schemeClr>
+          </a:lnRef>
+          <a:fillRef idx="1">
+            <a:schemeClr val="accent1"/>
+          </a:fillRef>
+          <a:effectRef idx="0">
+            <a:schemeClr val="accent1"/>
+          </a:effectRef>
+          <a:fontRef idx="minor">
+            <a:schemeClr val="lt1"/>
+          </a:fontRef>
+        </p:style>
+        <p:txBody>
+          <a:bodyPr rtlCol="0" anchor="ctr"/>
+          <a:lstStyle/>
+          <a:p>
+            <a:pPr algn="ctr"/>
+            <a:endParaRPr lang="en-IL"/>
+          </a:p>
+        </p:txBody>
+      </p:sp>
+      <p:cxnSp>
+        <p:nvCxnSpPr>
+          <p:cNvPr id="6" name="Straight Arrow Connector 5">
+            <a:extLst>
+              <a:ext uri="{FF2B5EF4-FFF2-40B4-BE49-F238E27FC236}">
+                <a16:creationId xmlns:a16="http://schemas.microsoft.com/office/drawing/2014/main" id="{C500ACC0-8540-5A91-F703-BE6C4453E129}"/>
+              </a:ext>
+            </a:extLst>
+          </p:cNvPr>
+          <p:cNvCxnSpPr/>
+          <p:nvPr/>
+        </p:nvCxnSpPr>
+        <p:spPr>
+          <a:xfrm>
+            <a:off x="2860193" y="1617903"/>
+            <a:ext cx="5578764" cy="0"/>
+          </a:xfrm>
+          <a:prstGeom prst="straightConnector1">
+            <a:avLst/>
+          </a:prstGeom>
+          <a:ln>
+            <a:tailEnd type="triangle"/>
+          </a:ln>
+        </p:spPr>
+        <p:style>
+          <a:lnRef idx="1">
+            <a:schemeClr val="accent1"/>
+          </a:lnRef>
+          <a:fillRef idx="0">
+            <a:schemeClr val="accent1"/>
+          </a:fillRef>
+          <a:effectRef idx="0">
+            <a:schemeClr val="accent1"/>
+          </a:effectRef>
+          <a:fontRef idx="minor">
+            <a:schemeClr val="tx1"/>
+          </a:fontRef>
+        </p:style>
+      </p:cxnSp>
+      <p:cxnSp>
+        <p:nvCxnSpPr>
+          <p:cNvPr id="8" name="Straight Arrow Connector 7">
+            <a:extLst>
+              <a:ext uri="{FF2B5EF4-FFF2-40B4-BE49-F238E27FC236}">
+                <a16:creationId xmlns:a16="http://schemas.microsoft.com/office/drawing/2014/main" id="{62372A4F-85A8-E925-C6C6-303EA4CE9374}"/>
+              </a:ext>
+            </a:extLst>
+          </p:cNvPr>
+          <p:cNvCxnSpPr/>
+          <p:nvPr/>
+        </p:nvCxnSpPr>
+        <p:spPr>
+          <a:xfrm>
+            <a:off x="2499975" y="1894994"/>
+            <a:ext cx="0" cy="2798618"/>
+          </a:xfrm>
+          <a:prstGeom prst="straightConnector1">
+            <a:avLst/>
+          </a:prstGeom>
+          <a:ln>
+            <a:tailEnd type="triangle"/>
+          </a:ln>
+        </p:spPr>
+        <p:style>
+          <a:lnRef idx="1">
+            <a:schemeClr val="accent1"/>
+          </a:lnRef>
+          <a:fillRef idx="0">
+            <a:schemeClr val="accent1"/>
+          </a:fillRef>
+          <a:effectRef idx="0">
+            <a:schemeClr val="accent1"/>
+          </a:effectRef>
+          <a:fontRef idx="minor">
+            <a:schemeClr val="tx1"/>
+          </a:fontRef>
+        </p:style>
+      </p:cxnSp>
+      <p:sp>
+        <p:nvSpPr>
+          <p:cNvPr id="9" name="TextBox 8">
+            <a:extLst>
+              <a:ext uri="{FF2B5EF4-FFF2-40B4-BE49-F238E27FC236}">
+                <a16:creationId xmlns:a16="http://schemas.microsoft.com/office/drawing/2014/main" id="{99C23634-49BF-1C67-56C7-7965FBD83642}"/>
+              </a:ext>
+            </a:extLst>
+          </p:cNvPr>
+          <p:cNvSpPr txBox="1"/>
+          <p:nvPr/>
+        </p:nvSpPr>
+        <p:spPr>
+          <a:xfrm>
+            <a:off x="2860192" y="1894994"/>
+            <a:ext cx="873607" cy="369332"/>
+          </a:xfrm>
+          <a:prstGeom prst="rect">
+            <a:avLst/>
+          </a:prstGeom>
+          <a:noFill/>
+        </p:spPr>
+        <p:txBody>
+          <a:bodyPr wrap="square" rtlCol="0">
+            <a:spAutoFit/>
+          </a:bodyPr>
+          <a:lstStyle/>
+          <a:p>
+            <a:r>
+              <a:rPr lang="en-US" dirty="0"/>
+              <a:t>(0,0)</a:t>
+            </a:r>
+            <a:endParaRPr lang="en-IL" dirty="0"/>
+          </a:p>
+        </p:txBody>
+      </p:sp>
+      <p:sp>
+        <p:nvSpPr>
+          <p:cNvPr id="10" name="TextBox 9">
+            <a:extLst>
+              <a:ext uri="{FF2B5EF4-FFF2-40B4-BE49-F238E27FC236}">
+                <a16:creationId xmlns:a16="http://schemas.microsoft.com/office/drawing/2014/main" id="{76E7E847-BEAB-8B17-D29D-23DE1E57A029}"/>
+              </a:ext>
+            </a:extLst>
+          </p:cNvPr>
+          <p:cNvSpPr txBox="1"/>
+          <p:nvPr/>
+        </p:nvSpPr>
+        <p:spPr>
+          <a:xfrm>
+            <a:off x="7673903" y="1931542"/>
+            <a:ext cx="1034472" cy="369332"/>
+          </a:xfrm>
+          <a:prstGeom prst="rect">
+            <a:avLst/>
+          </a:prstGeom>
+          <a:noFill/>
+        </p:spPr>
+        <p:txBody>
+          <a:bodyPr wrap="square" rtlCol="0">
+            <a:spAutoFit/>
+          </a:bodyPr>
+          <a:lstStyle/>
+          <a:p>
+            <a:r>
+              <a:rPr lang="en-US" dirty="0"/>
+              <a:t>(127,0)</a:t>
+            </a:r>
+            <a:endParaRPr lang="en-IL" dirty="0"/>
+          </a:p>
+        </p:txBody>
+      </p:sp>
+      <p:sp>
+        <p:nvSpPr>
+          <p:cNvPr id="11" name="TextBox 10">
+            <a:extLst>
+              <a:ext uri="{FF2B5EF4-FFF2-40B4-BE49-F238E27FC236}">
+                <a16:creationId xmlns:a16="http://schemas.microsoft.com/office/drawing/2014/main" id="{B6DCF8CF-62A6-34AE-9431-EE32A65DACE7}"/>
+              </a:ext>
+            </a:extLst>
+          </p:cNvPr>
+          <p:cNvSpPr txBox="1"/>
+          <p:nvPr/>
+        </p:nvSpPr>
+        <p:spPr>
+          <a:xfrm>
+            <a:off x="2860193" y="4324156"/>
+            <a:ext cx="1034470" cy="369332"/>
+          </a:xfrm>
+          <a:prstGeom prst="rect">
+            <a:avLst/>
+          </a:prstGeom>
+          <a:noFill/>
+        </p:spPr>
+        <p:txBody>
+          <a:bodyPr wrap="square" rtlCol="0">
+            <a:spAutoFit/>
+          </a:bodyPr>
+          <a:lstStyle/>
+          <a:p>
+            <a:r>
+              <a:rPr lang="en-US" dirty="0"/>
+              <a:t>(0, 63)</a:t>
+            </a:r>
+            <a:endParaRPr lang="en-IL" dirty="0"/>
+          </a:p>
+        </p:txBody>
+      </p:sp>
+      <p:sp>
+        <p:nvSpPr>
+          <p:cNvPr id="12" name="TextBox 11">
+            <a:extLst>
+              <a:ext uri="{FF2B5EF4-FFF2-40B4-BE49-F238E27FC236}">
+                <a16:creationId xmlns:a16="http://schemas.microsoft.com/office/drawing/2014/main" id="{09D32E0E-93FE-7A8A-6AD0-8F49A0E2322E}"/>
+              </a:ext>
+            </a:extLst>
+          </p:cNvPr>
+          <p:cNvSpPr txBox="1"/>
+          <p:nvPr/>
+        </p:nvSpPr>
+        <p:spPr>
+          <a:xfrm>
+            <a:off x="7458368" y="4322097"/>
+            <a:ext cx="1383145" cy="369332"/>
+          </a:xfrm>
+          <a:prstGeom prst="rect">
+            <a:avLst/>
+          </a:prstGeom>
+          <a:noFill/>
+        </p:spPr>
+        <p:txBody>
+          <a:bodyPr wrap="square" rtlCol="0">
+            <a:spAutoFit/>
+          </a:bodyPr>
+          <a:lstStyle/>
+          <a:p>
+            <a:r>
+              <a:rPr lang="en-US" dirty="0"/>
+              <a:t>(127, 63)</a:t>
+            </a:r>
+            <a:endParaRPr lang="en-IL" dirty="0"/>
+          </a:p>
+        </p:txBody>
+      </p:sp>
+      <p:sp>
+        <p:nvSpPr>
+          <p:cNvPr id="2" name="TextBox 1">
+            <a:extLst>
+              <a:ext uri="{FF2B5EF4-FFF2-40B4-BE49-F238E27FC236}">
+                <a16:creationId xmlns:a16="http://schemas.microsoft.com/office/drawing/2014/main" id="{5341EC12-18F9-A742-55EF-1200503D5431}"/>
+              </a:ext>
+            </a:extLst>
+          </p:cNvPr>
+          <p:cNvSpPr txBox="1"/>
+          <p:nvPr/>
+        </p:nvSpPr>
+        <p:spPr>
+          <a:xfrm>
+            <a:off x="9499599" y="1617903"/>
+            <a:ext cx="639919" cy="369332"/>
+          </a:xfrm>
+          <a:prstGeom prst="rect">
+            <a:avLst/>
+          </a:prstGeom>
+          <a:noFill/>
+        </p:spPr>
+        <p:txBody>
+          <a:bodyPr wrap="none" rtlCol="0">
+            <a:spAutoFit/>
+          </a:bodyPr>
+          <a:lstStyle/>
+          <a:p>
+            <a:r>
+              <a:rPr lang="en-US" dirty="0"/>
+              <a:t>(x, y)</a:t>
+            </a:r>
+            <a:endParaRPr lang="en-IL" dirty="0"/>
+          </a:p>
+        </p:txBody>
+      </p:sp>
+      <p:sp>
+        <p:nvSpPr>
+          <p:cNvPr id="3" name="TextBox 2">
+            <a:extLst>
+              <a:ext uri="{FF2B5EF4-FFF2-40B4-BE49-F238E27FC236}">
+                <a16:creationId xmlns:a16="http://schemas.microsoft.com/office/drawing/2014/main" id="{76E42123-E8AE-F9F4-9719-4536673F76CE}"/>
+              </a:ext>
+            </a:extLst>
+          </p:cNvPr>
+          <p:cNvSpPr txBox="1"/>
+          <p:nvPr/>
+        </p:nvSpPr>
+        <p:spPr>
+          <a:xfrm>
+            <a:off x="2794233" y="1230348"/>
+            <a:ext cx="590226" cy="369332"/>
+          </a:xfrm>
+          <a:prstGeom prst="rect">
+            <a:avLst/>
+          </a:prstGeom>
+          <a:noFill/>
+        </p:spPr>
+        <p:txBody>
+          <a:bodyPr wrap="none" rtlCol="0">
+            <a:spAutoFit/>
+          </a:bodyPr>
+          <a:lstStyle/>
+          <a:p>
+            <a:r>
+              <a:rPr lang="en-US" dirty="0"/>
+              <a:t>X=0 </a:t>
+            </a:r>
+            <a:endParaRPr lang="en-IL" dirty="0"/>
+          </a:p>
+        </p:txBody>
+      </p:sp>
+      <p:sp>
+        <p:nvSpPr>
+          <p:cNvPr id="5" name="TextBox 4">
+            <a:extLst>
+              <a:ext uri="{FF2B5EF4-FFF2-40B4-BE49-F238E27FC236}">
+                <a16:creationId xmlns:a16="http://schemas.microsoft.com/office/drawing/2014/main" id="{DE1F9266-C71A-9944-2C9A-FA8641D20CE7}"/>
+              </a:ext>
+            </a:extLst>
+          </p:cNvPr>
+          <p:cNvSpPr txBox="1"/>
+          <p:nvPr/>
+        </p:nvSpPr>
+        <p:spPr>
+          <a:xfrm>
+            <a:off x="7779007" y="1230348"/>
+            <a:ext cx="824265" cy="369332"/>
+          </a:xfrm>
+          <a:prstGeom prst="rect">
+            <a:avLst/>
+          </a:prstGeom>
+          <a:noFill/>
+        </p:spPr>
+        <p:txBody>
+          <a:bodyPr wrap="none" rtlCol="0">
+            <a:spAutoFit/>
+          </a:bodyPr>
+          <a:lstStyle/>
+          <a:p>
+            <a:r>
+              <a:rPr lang="en-US" dirty="0"/>
+              <a:t>X=127 </a:t>
+            </a:r>
+            <a:endParaRPr lang="en-IL" dirty="0"/>
+          </a:p>
+        </p:txBody>
+      </p:sp>
+      <p:sp>
+        <p:nvSpPr>
+          <p:cNvPr id="7" name="TextBox 6">
+            <a:extLst>
+              <a:ext uri="{FF2B5EF4-FFF2-40B4-BE49-F238E27FC236}">
+                <a16:creationId xmlns:a16="http://schemas.microsoft.com/office/drawing/2014/main" id="{2D90E5F1-8ED2-F492-28A0-FD5F8A02FEBE}"/>
+              </a:ext>
+            </a:extLst>
+          </p:cNvPr>
+          <p:cNvSpPr txBox="1"/>
+          <p:nvPr/>
+        </p:nvSpPr>
+        <p:spPr>
+          <a:xfrm>
+            <a:off x="1729641" y="1931542"/>
+            <a:ext cx="590226" cy="369332"/>
+          </a:xfrm>
+          <a:prstGeom prst="rect">
+            <a:avLst/>
+          </a:prstGeom>
+          <a:noFill/>
+        </p:spPr>
+        <p:txBody>
+          <a:bodyPr wrap="none" rtlCol="0">
+            <a:spAutoFit/>
+          </a:bodyPr>
+          <a:lstStyle/>
+          <a:p>
+            <a:r>
+              <a:rPr lang="en-US" dirty="0"/>
+              <a:t>y=0 </a:t>
+            </a:r>
+            <a:endParaRPr lang="en-IL" dirty="0"/>
+          </a:p>
+        </p:txBody>
+      </p:sp>
+      <p:sp>
+        <p:nvSpPr>
+          <p:cNvPr id="13" name="TextBox 12">
+            <a:extLst>
+              <a:ext uri="{FF2B5EF4-FFF2-40B4-BE49-F238E27FC236}">
+                <a16:creationId xmlns:a16="http://schemas.microsoft.com/office/drawing/2014/main" id="{6A40E1F9-C357-9C39-D6C2-66CA40398CFA}"/>
+              </a:ext>
+            </a:extLst>
+          </p:cNvPr>
+          <p:cNvSpPr txBox="1"/>
+          <p:nvPr/>
+        </p:nvSpPr>
+        <p:spPr>
+          <a:xfrm>
+            <a:off x="1771842" y="4322097"/>
+            <a:ext cx="691215" cy="369332"/>
+          </a:xfrm>
+          <a:prstGeom prst="rect">
+            <a:avLst/>
+          </a:prstGeom>
+          <a:noFill/>
+        </p:spPr>
+        <p:txBody>
+          <a:bodyPr wrap="none" rtlCol="0">
+            <a:spAutoFit/>
+          </a:bodyPr>
+          <a:lstStyle/>
+          <a:p>
+            <a:r>
+              <a:rPr lang="en-US" dirty="0"/>
+              <a:t>y=63 </a:t>
+            </a:r>
+            <a:endParaRPr lang="en-IL" dirty="0"/>
+          </a:p>
+        </p:txBody>
+      </p:sp>
+      <p:sp>
+        <p:nvSpPr>
+          <p:cNvPr id="14" name="TextBox 13">
+            <a:extLst>
+              <a:ext uri="{FF2B5EF4-FFF2-40B4-BE49-F238E27FC236}">
+                <a16:creationId xmlns:a16="http://schemas.microsoft.com/office/drawing/2014/main" id="{4752EAAA-7F34-D879-F061-4AE7B23953C3}"/>
+              </a:ext>
+            </a:extLst>
+          </p:cNvPr>
+          <p:cNvSpPr txBox="1"/>
+          <p:nvPr/>
+        </p:nvSpPr>
+        <p:spPr>
+          <a:xfrm>
+            <a:off x="3894663" y="2441081"/>
+            <a:ext cx="590226" cy="369332"/>
+          </a:xfrm>
+          <a:prstGeom prst="rect">
+            <a:avLst/>
+          </a:prstGeom>
+          <a:noFill/>
+        </p:spPr>
+        <p:txBody>
+          <a:bodyPr wrap="none" rtlCol="0">
+            <a:spAutoFit/>
+          </a:bodyPr>
+          <a:lstStyle/>
+          <a:p>
+            <a:r>
+              <a:rPr lang="en-US" dirty="0"/>
+              <a:t>X=0 </a:t>
+            </a:r>
+            <a:endParaRPr lang="en-IL" dirty="0"/>
+          </a:p>
+        </p:txBody>
+      </p:sp>
+      <p:sp>
+        <p:nvSpPr>
+          <p:cNvPr id="15" name="Rectangle 14">
+            <a:extLst>
+              <a:ext uri="{FF2B5EF4-FFF2-40B4-BE49-F238E27FC236}">
+                <a16:creationId xmlns:a16="http://schemas.microsoft.com/office/drawing/2014/main" id="{4A773DBD-E3DA-BE9F-DC97-0F4AEC181B77}"/>
+              </a:ext>
+            </a:extLst>
+          </p:cNvPr>
+          <p:cNvSpPr/>
+          <p:nvPr/>
+        </p:nvSpPr>
+        <p:spPr>
+          <a:xfrm>
+            <a:off x="2929467" y="1931542"/>
+            <a:ext cx="2658534" cy="1361991"/>
+          </a:xfrm>
+          <a:prstGeom prst="rect">
+            <a:avLst/>
+          </a:prstGeom>
+          <a:noFill/>
+          <a:ln w="57150">
+            <a:solidFill>
+              <a:schemeClr val="bg1"/>
+            </a:solidFill>
+          </a:ln>
+        </p:spPr>
+        <p:style>
+          <a:lnRef idx="2">
+            <a:schemeClr val="accent1">
+              <a:shade val="15000"/>
+            </a:schemeClr>
+          </a:lnRef>
+          <a:fillRef idx="1">
+            <a:schemeClr val="accent1"/>
+          </a:fillRef>
+          <a:effectRef idx="0">
+            <a:schemeClr val="accent1"/>
+          </a:effectRef>
+          <a:fontRef idx="minor">
+            <a:schemeClr val="lt1"/>
+          </a:fontRef>
+        </p:style>
+        <p:txBody>
+          <a:bodyPr rtlCol="0" anchor="ctr"/>
+          <a:lstStyle/>
+          <a:p>
+            <a:pPr algn="ctr"/>
+            <a:endParaRPr lang="en-IL"/>
+          </a:p>
+        </p:txBody>
+      </p:sp>
+      <p:sp>
+        <p:nvSpPr>
+          <p:cNvPr id="16" name="TextBox 15">
+            <a:extLst>
+              <a:ext uri="{FF2B5EF4-FFF2-40B4-BE49-F238E27FC236}">
+                <a16:creationId xmlns:a16="http://schemas.microsoft.com/office/drawing/2014/main" id="{36FF04E3-8089-E746-AA9B-636FEFDCAA58}"/>
+              </a:ext>
+            </a:extLst>
+          </p:cNvPr>
+          <p:cNvSpPr txBox="1"/>
+          <p:nvPr/>
+        </p:nvSpPr>
+        <p:spPr>
+          <a:xfrm>
+            <a:off x="3739821" y="402614"/>
+            <a:ext cx="2505558" cy="369332"/>
+          </a:xfrm>
+          <a:prstGeom prst="rect">
+            <a:avLst/>
+          </a:prstGeom>
+          <a:noFill/>
+        </p:spPr>
+        <p:txBody>
+          <a:bodyPr wrap="none" rtlCol="0">
+            <a:spAutoFit/>
+          </a:bodyPr>
+          <a:lstStyle/>
+          <a:p>
+            <a:r>
+              <a:rPr lang="en-US" dirty="0" err="1"/>
+              <a:t>display.line</a:t>
+            </a:r>
+            <a:r>
+              <a:rPr lang="en-US" dirty="0"/>
+              <a:t>(0, 0, 63, 0, 1)</a:t>
+            </a:r>
+            <a:endParaRPr lang="en-IL" dirty="0"/>
+          </a:p>
+        </p:txBody>
+      </p:sp>
+      <p:cxnSp>
+        <p:nvCxnSpPr>
+          <p:cNvPr id="18" name="Straight Arrow Connector 17">
+            <a:extLst>
+              <a:ext uri="{FF2B5EF4-FFF2-40B4-BE49-F238E27FC236}">
+                <a16:creationId xmlns:a16="http://schemas.microsoft.com/office/drawing/2014/main" id="{BAB25E29-5954-E4E7-96C2-4742A0A08739}"/>
+              </a:ext>
+            </a:extLst>
+          </p:cNvPr>
+          <p:cNvCxnSpPr/>
+          <p:nvPr/>
+        </p:nvCxnSpPr>
+        <p:spPr>
+          <a:xfrm flipH="1">
+            <a:off x="3979333" y="771946"/>
+            <a:ext cx="505556" cy="1159596"/>
+          </a:xfrm>
+          <a:prstGeom prst="straightConnector1">
+            <a:avLst/>
+          </a:prstGeom>
+          <a:ln>
+            <a:tailEnd type="triangle"/>
+          </a:ln>
+        </p:spPr>
+        <p:style>
+          <a:lnRef idx="1">
+            <a:schemeClr val="accent1"/>
+          </a:lnRef>
+          <a:fillRef idx="0">
+            <a:schemeClr val="accent1"/>
+          </a:fillRef>
+          <a:effectRef idx="0">
+            <a:schemeClr val="accent1"/>
+          </a:effectRef>
+          <a:fontRef idx="minor">
+            <a:schemeClr val="tx1"/>
+          </a:fontRef>
+        </p:style>
+      </p:cxnSp>
+      <p:sp>
+        <p:nvSpPr>
+          <p:cNvPr id="19" name="TextBox 18">
+            <a:extLst>
+              <a:ext uri="{FF2B5EF4-FFF2-40B4-BE49-F238E27FC236}">
+                <a16:creationId xmlns:a16="http://schemas.microsoft.com/office/drawing/2014/main" id="{10CAE629-C16C-225D-E1A5-5098E46DC110}"/>
+              </a:ext>
+            </a:extLst>
+          </p:cNvPr>
+          <p:cNvSpPr txBox="1"/>
+          <p:nvPr/>
+        </p:nvSpPr>
+        <p:spPr>
+          <a:xfrm>
+            <a:off x="5676268" y="3454836"/>
+            <a:ext cx="2739596" cy="369332"/>
+          </a:xfrm>
+          <a:prstGeom prst="rect">
+            <a:avLst/>
+          </a:prstGeom>
+          <a:noFill/>
+        </p:spPr>
+        <p:txBody>
+          <a:bodyPr wrap="none" rtlCol="0">
+            <a:spAutoFit/>
+          </a:bodyPr>
+          <a:lstStyle/>
+          <a:p>
+            <a:r>
+              <a:rPr lang="en-US" dirty="0" err="1"/>
+              <a:t>display.line</a:t>
+            </a:r>
+            <a:r>
+              <a:rPr lang="en-US" dirty="0"/>
+              <a:t>(63, 0, 63, 32, 1)</a:t>
+            </a:r>
+            <a:endParaRPr lang="en-IL" dirty="0"/>
+          </a:p>
+        </p:txBody>
+      </p:sp>
+      <p:cxnSp>
+        <p:nvCxnSpPr>
+          <p:cNvPr id="20" name="Straight Arrow Connector 19">
+            <a:extLst>
+              <a:ext uri="{FF2B5EF4-FFF2-40B4-BE49-F238E27FC236}">
+                <a16:creationId xmlns:a16="http://schemas.microsoft.com/office/drawing/2014/main" id="{4F60C957-F4BB-3BC4-CBF1-7CE08BC7D1BD}"/>
+              </a:ext>
+            </a:extLst>
+          </p:cNvPr>
+          <p:cNvCxnSpPr>
+            <a:cxnSpLocks/>
+          </p:cNvCxnSpPr>
+          <p:nvPr/>
+        </p:nvCxnSpPr>
+        <p:spPr>
+          <a:xfrm flipH="1" flipV="1">
+            <a:off x="5607378" y="2845360"/>
+            <a:ext cx="601767" cy="583640"/>
+          </a:xfrm>
+          <a:prstGeom prst="straightConnector1">
+            <a:avLst/>
+          </a:prstGeom>
+          <a:ln>
+            <a:solidFill>
+              <a:schemeClr val="bg1"/>
+            </a:solidFill>
+            <a:tailEnd type="triangle"/>
+          </a:ln>
+        </p:spPr>
+        <p:style>
+          <a:lnRef idx="1">
+            <a:schemeClr val="accent1"/>
+          </a:lnRef>
+          <a:fillRef idx="0">
+            <a:schemeClr val="accent1"/>
+          </a:fillRef>
+          <a:effectRef idx="0">
+            <a:schemeClr val="accent1"/>
+          </a:effectRef>
+          <a:fontRef idx="minor">
+            <a:schemeClr val="tx1"/>
+          </a:fontRef>
+        </p:style>
+      </p:cxnSp>
+    </p:spTree>
+    <p:extLst>
+      <p:ext uri="{BB962C8B-B14F-4D97-AF65-F5344CB8AC3E}">
+        <p14:creationId xmlns:p14="http://schemas.microsoft.com/office/powerpoint/2010/main" val="3272999743"/>
+      </p:ext>
+    </p:extLst>
+  </p:cSld>
+  <p:clrMapOvr>
+    <a:masterClrMapping/>
+  </p:clrMapOvr>
+</p:sld>
+</file>
+
+<file path=ppt/slides/slide13.xml><?xml version="1.0" encoding="utf-8"?>
+<p:sld xmlns:a="http://schemas.openxmlformats.org/drawingml/2006/main" xmlns:r="http://schemas.openxmlformats.org/officeDocument/2006/relationships" xmlns:p="http://schemas.openxmlformats.org/presentationml/2006/main">
+  <p:cSld>
+    <p:spTree>
+      <p:nvGrpSpPr>
+        <p:cNvPr id="1" name=""/>
+        <p:cNvGrpSpPr/>
+        <p:nvPr/>
+      </p:nvGrpSpPr>
+      <p:grpSpPr>
+        <a:xfrm>
+          <a:off x="0" y="0"/>
+          <a:ext cx="0" cy="0"/>
+          <a:chOff x="0" y="0"/>
+          <a:chExt cx="0" cy="0"/>
+        </a:xfrm>
+      </p:grpSpPr>
       <p:pic>
         <p:nvPicPr>
           <p:cNvPr id="4" name="Picture 3">
@@ -6279,6 +7191,1718 @@
     <p:extLst>
       <p:ext uri="{BB962C8B-B14F-4D97-AF65-F5344CB8AC3E}">
         <p14:creationId xmlns:p14="http://schemas.microsoft.com/office/powerpoint/2010/main" val="772049980"/>
+      </p:ext>
+    </p:extLst>
+  </p:cSld>
+  <p:clrMapOvr>
+    <a:masterClrMapping/>
+  </p:clrMapOvr>
+</p:sld>
+</file>
+
+<file path=ppt/slides/slide14.xml><?xml version="1.0" encoding="utf-8"?>
+<p:sld xmlns:a="http://schemas.openxmlformats.org/drawingml/2006/main" xmlns:r="http://schemas.openxmlformats.org/officeDocument/2006/relationships" xmlns:p="http://schemas.openxmlformats.org/presentationml/2006/main">
+  <p:cSld>
+    <p:spTree>
+      <p:nvGrpSpPr>
+        <p:cNvPr id="1" name=""/>
+        <p:cNvGrpSpPr/>
+        <p:nvPr/>
+      </p:nvGrpSpPr>
+      <p:grpSpPr>
+        <a:xfrm>
+          <a:off x="0" y="0"/>
+          <a:ext cx="0" cy="0"/>
+          <a:chOff x="0" y="0"/>
+          <a:chExt cx="0" cy="0"/>
+        </a:xfrm>
+      </p:grpSpPr>
+      <p:pic>
+        <p:nvPicPr>
+          <p:cNvPr id="72" name="Picture 71">
+            <a:extLst>
+              <a:ext uri="{FF2B5EF4-FFF2-40B4-BE49-F238E27FC236}">
+                <a16:creationId xmlns:a16="http://schemas.microsoft.com/office/drawing/2014/main" id="{5637C84E-C1BB-AA75-4F6B-7CF3F916EE87}"/>
+              </a:ext>
+            </a:extLst>
+          </p:cNvPr>
+          <p:cNvPicPr>
+            <a:picLocks noChangeAspect="1"/>
+          </p:cNvPicPr>
+          <p:nvPr/>
+        </p:nvPicPr>
+        <p:blipFill>
+          <a:blip r:embed="rId2"/>
+          <a:stretch>
+            <a:fillRect/>
+          </a:stretch>
+        </p:blipFill>
+        <p:spPr>
+          <a:xfrm>
+            <a:off x="5641714" y="3628573"/>
+            <a:ext cx="3934374" cy="3229426"/>
+          </a:xfrm>
+          <a:prstGeom prst="rect">
+            <a:avLst/>
+          </a:prstGeom>
+        </p:spPr>
+      </p:pic>
+      <p:pic>
+        <p:nvPicPr>
+          <p:cNvPr id="111" name="Picture 110">
+            <a:extLst>
+              <a:ext uri="{FF2B5EF4-FFF2-40B4-BE49-F238E27FC236}">
+                <a16:creationId xmlns:a16="http://schemas.microsoft.com/office/drawing/2014/main" id="{EAAFF6DD-0086-88AF-3036-4948A8C8631E}"/>
+              </a:ext>
+            </a:extLst>
+          </p:cNvPr>
+          <p:cNvPicPr>
+            <a:picLocks noChangeAspect="1"/>
+          </p:cNvPicPr>
+          <p:nvPr/>
+        </p:nvPicPr>
+        <p:blipFill>
+          <a:blip r:embed="rId3"/>
+          <a:stretch>
+            <a:fillRect/>
+          </a:stretch>
+        </p:blipFill>
+        <p:spPr>
+          <a:xfrm>
+            <a:off x="10052447" y="4015096"/>
+            <a:ext cx="1655065" cy="1809592"/>
+          </a:xfrm>
+          <a:prstGeom prst="rect">
+            <a:avLst/>
+          </a:prstGeom>
+        </p:spPr>
+      </p:pic>
+      <p:pic>
+        <p:nvPicPr>
+          <p:cNvPr id="3" name="Picture 2">
+            <a:extLst>
+              <a:ext uri="{FF2B5EF4-FFF2-40B4-BE49-F238E27FC236}">
+                <a16:creationId xmlns:a16="http://schemas.microsoft.com/office/drawing/2014/main" id="{B7EACC8C-DDC7-4F97-D4C6-32654CE9FAA8}"/>
+              </a:ext>
+            </a:extLst>
+          </p:cNvPr>
+          <p:cNvPicPr>
+            <a:picLocks noChangeAspect="1"/>
+          </p:cNvPicPr>
+          <p:nvPr/>
+        </p:nvPicPr>
+        <p:blipFill>
+          <a:blip r:embed="rId4"/>
+          <a:stretch>
+            <a:fillRect/>
+          </a:stretch>
+        </p:blipFill>
+        <p:spPr>
+          <a:xfrm>
+            <a:off x="3394457" y="316057"/>
+            <a:ext cx="6354062" cy="2476846"/>
+          </a:xfrm>
+          <a:prstGeom prst="rect">
+            <a:avLst/>
+          </a:prstGeom>
+        </p:spPr>
+      </p:pic>
+      <p:cxnSp>
+        <p:nvCxnSpPr>
+          <p:cNvPr id="69" name="Straight Connector 68">
+            <a:extLst>
+              <a:ext uri="{FF2B5EF4-FFF2-40B4-BE49-F238E27FC236}">
+                <a16:creationId xmlns:a16="http://schemas.microsoft.com/office/drawing/2014/main" id="{27599F60-1F07-18B2-0995-C45181067753}"/>
+              </a:ext>
+            </a:extLst>
+          </p:cNvPr>
+          <p:cNvCxnSpPr>
+            <a:cxnSpLocks/>
+          </p:cNvCxnSpPr>
+          <p:nvPr/>
+        </p:nvCxnSpPr>
+        <p:spPr>
+          <a:xfrm>
+            <a:off x="9628632" y="2706624"/>
+            <a:ext cx="0" cy="753380"/>
+          </a:xfrm>
+          <a:prstGeom prst="line">
+            <a:avLst/>
+          </a:prstGeom>
+        </p:spPr>
+        <p:style>
+          <a:lnRef idx="3">
+            <a:schemeClr val="dk1"/>
+          </a:lnRef>
+          <a:fillRef idx="0">
+            <a:schemeClr val="dk1"/>
+          </a:fillRef>
+          <a:effectRef idx="2">
+            <a:schemeClr val="dk1"/>
+          </a:effectRef>
+          <a:fontRef idx="minor">
+            <a:schemeClr val="tx1"/>
+          </a:fontRef>
+        </p:style>
+      </p:cxnSp>
+      <p:sp>
+        <p:nvSpPr>
+          <p:cNvPr id="70" name="TextBox 69">
+            <a:extLst>
+              <a:ext uri="{FF2B5EF4-FFF2-40B4-BE49-F238E27FC236}">
+                <a16:creationId xmlns:a16="http://schemas.microsoft.com/office/drawing/2014/main" id="{FD231B1A-69DD-B9BF-FE6F-7A13D04C3025}"/>
+              </a:ext>
+            </a:extLst>
+          </p:cNvPr>
+          <p:cNvSpPr txBox="1"/>
+          <p:nvPr/>
+        </p:nvSpPr>
+        <p:spPr>
+          <a:xfrm>
+            <a:off x="9628632" y="2706624"/>
+            <a:ext cx="622286" cy="369332"/>
+          </a:xfrm>
+          <a:prstGeom prst="rect">
+            <a:avLst/>
+          </a:prstGeom>
+          <a:noFill/>
+        </p:spPr>
+        <p:txBody>
+          <a:bodyPr wrap="none" rtlCol="0">
+            <a:spAutoFit/>
+          </a:bodyPr>
+          <a:lstStyle/>
+          <a:p>
+            <a:r>
+              <a:rPr lang="en-US" dirty="0"/>
+              <a:t>GND</a:t>
+            </a:r>
+            <a:endParaRPr lang="en-IL" dirty="0"/>
+          </a:p>
+        </p:txBody>
+      </p:sp>
+      <p:cxnSp>
+        <p:nvCxnSpPr>
+          <p:cNvPr id="76" name="Straight Connector 75">
+            <a:extLst>
+              <a:ext uri="{FF2B5EF4-FFF2-40B4-BE49-F238E27FC236}">
+                <a16:creationId xmlns:a16="http://schemas.microsoft.com/office/drawing/2014/main" id="{40E707A2-4B3F-9C64-C803-E1A401BAB84B}"/>
+              </a:ext>
+            </a:extLst>
+          </p:cNvPr>
+          <p:cNvCxnSpPr>
+            <a:cxnSpLocks/>
+          </p:cNvCxnSpPr>
+          <p:nvPr/>
+        </p:nvCxnSpPr>
+        <p:spPr>
+          <a:xfrm>
+            <a:off x="6949440" y="3429000"/>
+            <a:ext cx="0" cy="568714"/>
+          </a:xfrm>
+          <a:prstGeom prst="line">
+            <a:avLst/>
+          </a:prstGeom>
+        </p:spPr>
+        <p:style>
+          <a:lnRef idx="3">
+            <a:schemeClr val="dk1"/>
+          </a:lnRef>
+          <a:fillRef idx="0">
+            <a:schemeClr val="dk1"/>
+          </a:fillRef>
+          <a:effectRef idx="2">
+            <a:schemeClr val="dk1"/>
+          </a:effectRef>
+          <a:fontRef idx="minor">
+            <a:schemeClr val="tx1"/>
+          </a:fontRef>
+        </p:style>
+      </p:cxnSp>
+      <p:cxnSp>
+        <p:nvCxnSpPr>
+          <p:cNvPr id="78" name="Straight Connector 77">
+            <a:extLst>
+              <a:ext uri="{FF2B5EF4-FFF2-40B4-BE49-F238E27FC236}">
+                <a16:creationId xmlns:a16="http://schemas.microsoft.com/office/drawing/2014/main" id="{AD970B4F-EF96-8940-2E36-330B99A14543}"/>
+              </a:ext>
+            </a:extLst>
+          </p:cNvPr>
+          <p:cNvCxnSpPr>
+            <a:cxnSpLocks/>
+          </p:cNvCxnSpPr>
+          <p:nvPr/>
+        </p:nvCxnSpPr>
+        <p:spPr>
+          <a:xfrm flipH="1">
+            <a:off x="6958584" y="3460004"/>
+            <a:ext cx="2670048" cy="0"/>
+          </a:xfrm>
+          <a:prstGeom prst="line">
+            <a:avLst/>
+          </a:prstGeom>
+        </p:spPr>
+        <p:style>
+          <a:lnRef idx="3">
+            <a:schemeClr val="dk1"/>
+          </a:lnRef>
+          <a:fillRef idx="0">
+            <a:schemeClr val="dk1"/>
+          </a:fillRef>
+          <a:effectRef idx="2">
+            <a:schemeClr val="dk1"/>
+          </a:effectRef>
+          <a:fontRef idx="minor">
+            <a:schemeClr val="tx1"/>
+          </a:fontRef>
+        </p:style>
+      </p:cxnSp>
+      <p:cxnSp>
+        <p:nvCxnSpPr>
+          <p:cNvPr id="80" name="Straight Connector 79">
+            <a:extLst>
+              <a:ext uri="{FF2B5EF4-FFF2-40B4-BE49-F238E27FC236}">
+                <a16:creationId xmlns:a16="http://schemas.microsoft.com/office/drawing/2014/main" id="{7BBF192B-1991-A15D-06DF-8B4B5D02841D}"/>
+              </a:ext>
+            </a:extLst>
+          </p:cNvPr>
+          <p:cNvCxnSpPr>
+            <a:cxnSpLocks/>
+          </p:cNvCxnSpPr>
+          <p:nvPr/>
+        </p:nvCxnSpPr>
+        <p:spPr>
+          <a:xfrm>
+            <a:off x="7232904" y="3259836"/>
+            <a:ext cx="0" cy="737878"/>
+          </a:xfrm>
+          <a:prstGeom prst="line">
+            <a:avLst/>
+          </a:prstGeom>
+        </p:spPr>
+        <p:style>
+          <a:lnRef idx="3">
+            <a:schemeClr val="accent2"/>
+          </a:lnRef>
+          <a:fillRef idx="0">
+            <a:schemeClr val="accent2"/>
+          </a:fillRef>
+          <a:effectRef idx="2">
+            <a:schemeClr val="accent2"/>
+          </a:effectRef>
+          <a:fontRef idx="minor">
+            <a:schemeClr val="tx1"/>
+          </a:fontRef>
+        </p:style>
+      </p:cxnSp>
+      <p:cxnSp>
+        <p:nvCxnSpPr>
+          <p:cNvPr id="82" name="Straight Connector 81">
+            <a:extLst>
+              <a:ext uri="{FF2B5EF4-FFF2-40B4-BE49-F238E27FC236}">
+                <a16:creationId xmlns:a16="http://schemas.microsoft.com/office/drawing/2014/main" id="{D2626D6F-EF9A-7CEF-E2D1-FC7FD1F6BCE3}"/>
+              </a:ext>
+            </a:extLst>
+          </p:cNvPr>
+          <p:cNvCxnSpPr>
+            <a:cxnSpLocks/>
+          </p:cNvCxnSpPr>
+          <p:nvPr/>
+        </p:nvCxnSpPr>
+        <p:spPr>
+          <a:xfrm flipH="1">
+            <a:off x="7232904" y="3259836"/>
+            <a:ext cx="3337560" cy="0"/>
+          </a:xfrm>
+          <a:prstGeom prst="line">
+            <a:avLst/>
+          </a:prstGeom>
+        </p:spPr>
+        <p:style>
+          <a:lnRef idx="3">
+            <a:schemeClr val="accent2"/>
+          </a:lnRef>
+          <a:fillRef idx="0">
+            <a:schemeClr val="accent2"/>
+          </a:fillRef>
+          <a:effectRef idx="2">
+            <a:schemeClr val="accent2"/>
+          </a:effectRef>
+          <a:fontRef idx="minor">
+            <a:schemeClr val="tx1"/>
+          </a:fontRef>
+        </p:style>
+      </p:cxnSp>
+      <p:cxnSp>
+        <p:nvCxnSpPr>
+          <p:cNvPr id="84" name="Straight Connector 83">
+            <a:extLst>
+              <a:ext uri="{FF2B5EF4-FFF2-40B4-BE49-F238E27FC236}">
+                <a16:creationId xmlns:a16="http://schemas.microsoft.com/office/drawing/2014/main" id="{D050B27A-B820-FD8A-2DE8-70C8ACFFA062}"/>
+              </a:ext>
+            </a:extLst>
+          </p:cNvPr>
+          <p:cNvCxnSpPr>
+            <a:cxnSpLocks/>
+          </p:cNvCxnSpPr>
+          <p:nvPr/>
+        </p:nvCxnSpPr>
+        <p:spPr>
+          <a:xfrm>
+            <a:off x="10570464" y="429768"/>
+            <a:ext cx="0" cy="2830068"/>
+          </a:xfrm>
+          <a:prstGeom prst="line">
+            <a:avLst/>
+          </a:prstGeom>
+        </p:spPr>
+        <p:style>
+          <a:lnRef idx="3">
+            <a:schemeClr val="accent2"/>
+          </a:lnRef>
+          <a:fillRef idx="0">
+            <a:schemeClr val="accent2"/>
+          </a:fillRef>
+          <a:effectRef idx="2">
+            <a:schemeClr val="accent2"/>
+          </a:effectRef>
+          <a:fontRef idx="minor">
+            <a:schemeClr val="tx1"/>
+          </a:fontRef>
+        </p:style>
+      </p:cxnSp>
+      <p:cxnSp>
+        <p:nvCxnSpPr>
+          <p:cNvPr id="86" name="Straight Connector 85">
+            <a:extLst>
+              <a:ext uri="{FF2B5EF4-FFF2-40B4-BE49-F238E27FC236}">
+                <a16:creationId xmlns:a16="http://schemas.microsoft.com/office/drawing/2014/main" id="{D46460B9-E657-281B-5519-176D65D3A752}"/>
+              </a:ext>
+            </a:extLst>
+          </p:cNvPr>
+          <p:cNvCxnSpPr>
+            <a:cxnSpLocks/>
+          </p:cNvCxnSpPr>
+          <p:nvPr/>
+        </p:nvCxnSpPr>
+        <p:spPr>
+          <a:xfrm flipH="1">
+            <a:off x="9748519" y="406908"/>
+            <a:ext cx="821945" cy="22860"/>
+          </a:xfrm>
+          <a:prstGeom prst="line">
+            <a:avLst/>
+          </a:prstGeom>
+        </p:spPr>
+        <p:style>
+          <a:lnRef idx="3">
+            <a:schemeClr val="accent2"/>
+          </a:lnRef>
+          <a:fillRef idx="0">
+            <a:schemeClr val="accent2"/>
+          </a:fillRef>
+          <a:effectRef idx="2">
+            <a:schemeClr val="accent2"/>
+          </a:effectRef>
+          <a:fontRef idx="minor">
+            <a:schemeClr val="tx1"/>
+          </a:fontRef>
+        </p:style>
+      </p:cxnSp>
+      <p:sp>
+        <p:nvSpPr>
+          <p:cNvPr id="88" name="TextBox 87">
+            <a:extLst>
+              <a:ext uri="{FF2B5EF4-FFF2-40B4-BE49-F238E27FC236}">
+                <a16:creationId xmlns:a16="http://schemas.microsoft.com/office/drawing/2014/main" id="{1FFA7AD7-8641-97C3-738D-73E4AFD79DE5}"/>
+              </a:ext>
+            </a:extLst>
+          </p:cNvPr>
+          <p:cNvSpPr txBox="1"/>
+          <p:nvPr/>
+        </p:nvSpPr>
+        <p:spPr>
+          <a:xfrm>
+            <a:off x="9748518" y="406908"/>
+            <a:ext cx="607859" cy="369332"/>
+          </a:xfrm>
+          <a:prstGeom prst="rect">
+            <a:avLst/>
+          </a:prstGeom>
+          <a:noFill/>
+        </p:spPr>
+        <p:txBody>
+          <a:bodyPr wrap="none" rtlCol="0">
+            <a:spAutoFit/>
+          </a:bodyPr>
+          <a:lstStyle/>
+          <a:p>
+            <a:r>
+              <a:rPr lang="en-US" dirty="0"/>
+              <a:t>3.3V</a:t>
+            </a:r>
+            <a:endParaRPr lang="en-IL" dirty="0"/>
+          </a:p>
+        </p:txBody>
+      </p:sp>
+      <p:cxnSp>
+        <p:nvCxnSpPr>
+          <p:cNvPr id="92" name="Straight Connector 91">
+            <a:extLst>
+              <a:ext uri="{FF2B5EF4-FFF2-40B4-BE49-F238E27FC236}">
+                <a16:creationId xmlns:a16="http://schemas.microsoft.com/office/drawing/2014/main" id="{8A39D2AC-9CBA-B389-7D47-3C4F33D06B67}"/>
+              </a:ext>
+            </a:extLst>
+          </p:cNvPr>
+          <p:cNvCxnSpPr/>
+          <p:nvPr/>
+        </p:nvCxnSpPr>
+        <p:spPr>
+          <a:xfrm flipV="1">
+            <a:off x="7534656" y="3075956"/>
+            <a:ext cx="0" cy="801100"/>
+          </a:xfrm>
+          <a:prstGeom prst="line">
+            <a:avLst/>
+          </a:prstGeom>
+        </p:spPr>
+        <p:style>
+          <a:lnRef idx="3">
+            <a:schemeClr val="accent4"/>
+          </a:lnRef>
+          <a:fillRef idx="0">
+            <a:schemeClr val="accent4"/>
+          </a:fillRef>
+          <a:effectRef idx="2">
+            <a:schemeClr val="accent4"/>
+          </a:effectRef>
+          <a:fontRef idx="minor">
+            <a:schemeClr val="tx1"/>
+          </a:fontRef>
+        </p:style>
+      </p:cxnSp>
+      <p:cxnSp>
+        <p:nvCxnSpPr>
+          <p:cNvPr id="93" name="Straight Connector 92">
+            <a:extLst>
+              <a:ext uri="{FF2B5EF4-FFF2-40B4-BE49-F238E27FC236}">
+                <a16:creationId xmlns:a16="http://schemas.microsoft.com/office/drawing/2014/main" id="{FC92079D-F20A-8AD6-E369-A9B358C3E086}"/>
+              </a:ext>
+            </a:extLst>
+          </p:cNvPr>
+          <p:cNvCxnSpPr>
+            <a:cxnSpLocks/>
+          </p:cNvCxnSpPr>
+          <p:nvPr/>
+        </p:nvCxnSpPr>
+        <p:spPr>
+          <a:xfrm flipV="1">
+            <a:off x="9189720" y="2627900"/>
+            <a:ext cx="0" cy="448056"/>
+          </a:xfrm>
+          <a:prstGeom prst="line">
+            <a:avLst/>
+          </a:prstGeom>
+        </p:spPr>
+        <p:style>
+          <a:lnRef idx="3">
+            <a:schemeClr val="accent4"/>
+          </a:lnRef>
+          <a:fillRef idx="0">
+            <a:schemeClr val="accent4"/>
+          </a:fillRef>
+          <a:effectRef idx="2">
+            <a:schemeClr val="accent4"/>
+          </a:effectRef>
+          <a:fontRef idx="minor">
+            <a:schemeClr val="tx1"/>
+          </a:fontRef>
+        </p:style>
+      </p:cxnSp>
+      <p:cxnSp>
+        <p:nvCxnSpPr>
+          <p:cNvPr id="95" name="Straight Connector 94">
+            <a:extLst>
+              <a:ext uri="{FF2B5EF4-FFF2-40B4-BE49-F238E27FC236}">
+                <a16:creationId xmlns:a16="http://schemas.microsoft.com/office/drawing/2014/main" id="{8EA5ABB9-56F7-7961-7038-D2AB57D65C95}"/>
+              </a:ext>
+            </a:extLst>
+          </p:cNvPr>
+          <p:cNvCxnSpPr>
+            <a:cxnSpLocks/>
+          </p:cNvCxnSpPr>
+          <p:nvPr/>
+        </p:nvCxnSpPr>
+        <p:spPr>
+          <a:xfrm>
+            <a:off x="7534656" y="3075956"/>
+            <a:ext cx="1655064" cy="0"/>
+          </a:xfrm>
+          <a:prstGeom prst="line">
+            <a:avLst/>
+          </a:prstGeom>
+        </p:spPr>
+        <p:style>
+          <a:lnRef idx="3">
+            <a:schemeClr val="accent4"/>
+          </a:lnRef>
+          <a:fillRef idx="0">
+            <a:schemeClr val="accent4"/>
+          </a:fillRef>
+          <a:effectRef idx="2">
+            <a:schemeClr val="accent4"/>
+          </a:effectRef>
+          <a:fontRef idx="minor">
+            <a:schemeClr val="tx1"/>
+          </a:fontRef>
+        </p:style>
+      </p:cxnSp>
+      <p:sp>
+        <p:nvSpPr>
+          <p:cNvPr id="97" name="TextBox 96">
+            <a:extLst>
+              <a:ext uri="{FF2B5EF4-FFF2-40B4-BE49-F238E27FC236}">
+                <a16:creationId xmlns:a16="http://schemas.microsoft.com/office/drawing/2014/main" id="{6B2B7A8B-2227-3825-4DE3-BA691B0551D3}"/>
+              </a:ext>
+            </a:extLst>
+          </p:cNvPr>
+          <p:cNvSpPr txBox="1"/>
+          <p:nvPr/>
+        </p:nvSpPr>
+        <p:spPr>
+          <a:xfrm>
+            <a:off x="8875033" y="2676317"/>
+            <a:ext cx="418704" cy="369332"/>
+          </a:xfrm>
+          <a:prstGeom prst="rect">
+            <a:avLst/>
+          </a:prstGeom>
+          <a:noFill/>
+        </p:spPr>
+        <p:txBody>
+          <a:bodyPr wrap="none" rtlCol="0">
+            <a:spAutoFit/>
+          </a:bodyPr>
+          <a:lstStyle/>
+          <a:p>
+            <a:r>
+              <a:rPr lang="en-US" dirty="0"/>
+              <a:t>22</a:t>
+            </a:r>
+            <a:endParaRPr lang="en-IL" dirty="0"/>
+          </a:p>
+        </p:txBody>
+      </p:sp>
+      <p:cxnSp>
+        <p:nvCxnSpPr>
+          <p:cNvPr id="98" name="Straight Connector 97">
+            <a:extLst>
+              <a:ext uri="{FF2B5EF4-FFF2-40B4-BE49-F238E27FC236}">
+                <a16:creationId xmlns:a16="http://schemas.microsoft.com/office/drawing/2014/main" id="{7CED0E12-4595-C82A-6F8A-7903B8A19E6C}"/>
+              </a:ext>
+            </a:extLst>
+          </p:cNvPr>
+          <p:cNvCxnSpPr>
+            <a:cxnSpLocks/>
+          </p:cNvCxnSpPr>
+          <p:nvPr/>
+        </p:nvCxnSpPr>
+        <p:spPr>
+          <a:xfrm flipV="1">
+            <a:off x="7763256" y="2961472"/>
+            <a:ext cx="0" cy="899082"/>
+          </a:xfrm>
+          <a:prstGeom prst="line">
+            <a:avLst/>
+          </a:prstGeom>
+        </p:spPr>
+        <p:style>
+          <a:lnRef idx="3">
+            <a:schemeClr val="accent1"/>
+          </a:lnRef>
+          <a:fillRef idx="0">
+            <a:schemeClr val="accent1"/>
+          </a:fillRef>
+          <a:effectRef idx="2">
+            <a:schemeClr val="accent1"/>
+          </a:effectRef>
+          <a:fontRef idx="minor">
+            <a:schemeClr val="tx1"/>
+          </a:fontRef>
+        </p:style>
+      </p:cxnSp>
+      <p:cxnSp>
+        <p:nvCxnSpPr>
+          <p:cNvPr id="100" name="Straight Connector 99">
+            <a:extLst>
+              <a:ext uri="{FF2B5EF4-FFF2-40B4-BE49-F238E27FC236}">
+                <a16:creationId xmlns:a16="http://schemas.microsoft.com/office/drawing/2014/main" id="{63BCB807-47E2-F630-0C5B-2FD61C0C0D85}"/>
+              </a:ext>
+            </a:extLst>
+          </p:cNvPr>
+          <p:cNvCxnSpPr>
+            <a:cxnSpLocks/>
+          </p:cNvCxnSpPr>
+          <p:nvPr/>
+        </p:nvCxnSpPr>
+        <p:spPr>
+          <a:xfrm flipV="1">
+            <a:off x="8558784" y="2648380"/>
+            <a:ext cx="0" cy="313092"/>
+          </a:xfrm>
+          <a:prstGeom prst="line">
+            <a:avLst/>
+          </a:prstGeom>
+        </p:spPr>
+        <p:style>
+          <a:lnRef idx="3">
+            <a:schemeClr val="accent1"/>
+          </a:lnRef>
+          <a:fillRef idx="0">
+            <a:schemeClr val="accent1"/>
+          </a:fillRef>
+          <a:effectRef idx="2">
+            <a:schemeClr val="accent1"/>
+          </a:effectRef>
+          <a:fontRef idx="minor">
+            <a:schemeClr val="tx1"/>
+          </a:fontRef>
+        </p:style>
+      </p:cxnSp>
+      <p:cxnSp>
+        <p:nvCxnSpPr>
+          <p:cNvPr id="102" name="Straight Connector 101">
+            <a:extLst>
+              <a:ext uri="{FF2B5EF4-FFF2-40B4-BE49-F238E27FC236}">
+                <a16:creationId xmlns:a16="http://schemas.microsoft.com/office/drawing/2014/main" id="{B8076ADE-02B5-541A-FDD3-0F5B74DC26B0}"/>
+              </a:ext>
+            </a:extLst>
+          </p:cNvPr>
+          <p:cNvCxnSpPr>
+            <a:cxnSpLocks/>
+          </p:cNvCxnSpPr>
+          <p:nvPr/>
+        </p:nvCxnSpPr>
+        <p:spPr>
+          <a:xfrm>
+            <a:off x="7763256" y="2961472"/>
+            <a:ext cx="795528" cy="0"/>
+          </a:xfrm>
+          <a:prstGeom prst="line">
+            <a:avLst/>
+          </a:prstGeom>
+        </p:spPr>
+        <p:style>
+          <a:lnRef idx="3">
+            <a:schemeClr val="accent1"/>
+          </a:lnRef>
+          <a:fillRef idx="0">
+            <a:schemeClr val="accent1"/>
+          </a:fillRef>
+          <a:effectRef idx="2">
+            <a:schemeClr val="accent1"/>
+          </a:effectRef>
+          <a:fontRef idx="minor">
+            <a:schemeClr val="tx1"/>
+          </a:fontRef>
+        </p:style>
+      </p:cxnSp>
+      <p:sp>
+        <p:nvSpPr>
+          <p:cNvPr id="104" name="TextBox 103">
+            <a:extLst>
+              <a:ext uri="{FF2B5EF4-FFF2-40B4-BE49-F238E27FC236}">
+                <a16:creationId xmlns:a16="http://schemas.microsoft.com/office/drawing/2014/main" id="{165BDA04-DF61-8FE5-DA8A-B5793DAB9C66}"/>
+              </a:ext>
+            </a:extLst>
+          </p:cNvPr>
+          <p:cNvSpPr txBox="1"/>
+          <p:nvPr/>
+        </p:nvSpPr>
+        <p:spPr>
+          <a:xfrm>
+            <a:off x="8211088" y="2670363"/>
+            <a:ext cx="418704" cy="369332"/>
+          </a:xfrm>
+          <a:prstGeom prst="rect">
+            <a:avLst/>
+          </a:prstGeom>
+          <a:noFill/>
+        </p:spPr>
+        <p:txBody>
+          <a:bodyPr wrap="none" rtlCol="0">
+            <a:spAutoFit/>
+          </a:bodyPr>
+          <a:lstStyle/>
+          <a:p>
+            <a:r>
+              <a:rPr lang="en-US" dirty="0"/>
+              <a:t>21</a:t>
+            </a:r>
+            <a:endParaRPr lang="en-IL" dirty="0"/>
+          </a:p>
+        </p:txBody>
+      </p:sp>
+      <p:sp>
+        <p:nvSpPr>
+          <p:cNvPr id="109" name="TextBox 108">
+            <a:extLst>
+              <a:ext uri="{FF2B5EF4-FFF2-40B4-BE49-F238E27FC236}">
+                <a16:creationId xmlns:a16="http://schemas.microsoft.com/office/drawing/2014/main" id="{7AB7D75D-9387-2EA8-A520-8393176603F2}"/>
+              </a:ext>
+            </a:extLst>
+          </p:cNvPr>
+          <p:cNvSpPr txBox="1"/>
+          <p:nvPr/>
+        </p:nvSpPr>
+        <p:spPr>
+          <a:xfrm>
+            <a:off x="9947358" y="5174135"/>
+            <a:ext cx="424266" cy="584775"/>
+          </a:xfrm>
+          <a:prstGeom prst="rect">
+            <a:avLst/>
+          </a:prstGeom>
+          <a:noFill/>
+        </p:spPr>
+        <p:txBody>
+          <a:bodyPr wrap="square" rtlCol="0">
+            <a:spAutoFit/>
+          </a:bodyPr>
+          <a:lstStyle/>
+          <a:p>
+            <a:r>
+              <a:rPr lang="en-US" sz="3200" dirty="0"/>
+              <a:t>+</a:t>
+            </a:r>
+            <a:endParaRPr lang="en-IL" sz="3200" dirty="0"/>
+          </a:p>
+        </p:txBody>
+      </p:sp>
+      <p:cxnSp>
+        <p:nvCxnSpPr>
+          <p:cNvPr id="116" name="Straight Connector 115">
+            <a:extLst>
+              <a:ext uri="{FF2B5EF4-FFF2-40B4-BE49-F238E27FC236}">
+                <a16:creationId xmlns:a16="http://schemas.microsoft.com/office/drawing/2014/main" id="{1BFBABF1-7C19-6DAD-2841-05950CB885EF}"/>
+              </a:ext>
+            </a:extLst>
+          </p:cNvPr>
+          <p:cNvCxnSpPr/>
+          <p:nvPr/>
+        </p:nvCxnSpPr>
+        <p:spPr>
+          <a:xfrm flipH="1">
+            <a:off x="9848088" y="5824688"/>
+            <a:ext cx="523536" cy="0"/>
+          </a:xfrm>
+          <a:prstGeom prst="line">
+            <a:avLst/>
+          </a:prstGeom>
+        </p:spPr>
+        <p:style>
+          <a:lnRef idx="3">
+            <a:schemeClr val="accent6"/>
+          </a:lnRef>
+          <a:fillRef idx="0">
+            <a:schemeClr val="accent6"/>
+          </a:fillRef>
+          <a:effectRef idx="2">
+            <a:schemeClr val="accent6"/>
+          </a:effectRef>
+          <a:fontRef idx="minor">
+            <a:schemeClr val="tx1"/>
+          </a:fontRef>
+        </p:style>
+      </p:cxnSp>
+      <p:cxnSp>
+        <p:nvCxnSpPr>
+          <p:cNvPr id="117" name="Straight Connector 116">
+            <a:extLst>
+              <a:ext uri="{FF2B5EF4-FFF2-40B4-BE49-F238E27FC236}">
+                <a16:creationId xmlns:a16="http://schemas.microsoft.com/office/drawing/2014/main" id="{D9FCF1D8-7ABC-4FC5-4AD9-DD0054745241}"/>
+              </a:ext>
+            </a:extLst>
+          </p:cNvPr>
+          <p:cNvCxnSpPr>
+            <a:cxnSpLocks/>
+          </p:cNvCxnSpPr>
+          <p:nvPr/>
+        </p:nvCxnSpPr>
+        <p:spPr>
+          <a:xfrm flipH="1">
+            <a:off x="9381744" y="4015096"/>
+            <a:ext cx="435529" cy="0"/>
+          </a:xfrm>
+          <a:prstGeom prst="line">
+            <a:avLst/>
+          </a:prstGeom>
+        </p:spPr>
+        <p:style>
+          <a:lnRef idx="3">
+            <a:schemeClr val="accent6"/>
+          </a:lnRef>
+          <a:fillRef idx="0">
+            <a:schemeClr val="accent6"/>
+          </a:fillRef>
+          <a:effectRef idx="2">
+            <a:schemeClr val="accent6"/>
+          </a:effectRef>
+          <a:fontRef idx="minor">
+            <a:schemeClr val="tx1"/>
+          </a:fontRef>
+        </p:style>
+      </p:cxnSp>
+      <p:cxnSp>
+        <p:nvCxnSpPr>
+          <p:cNvPr id="118" name="Straight Connector 117">
+            <a:extLst>
+              <a:ext uri="{FF2B5EF4-FFF2-40B4-BE49-F238E27FC236}">
+                <a16:creationId xmlns:a16="http://schemas.microsoft.com/office/drawing/2014/main" id="{A649D553-33F1-B2E4-2262-EDF2C14BF0D3}"/>
+              </a:ext>
+            </a:extLst>
+          </p:cNvPr>
+          <p:cNvCxnSpPr>
+            <a:cxnSpLocks/>
+          </p:cNvCxnSpPr>
+          <p:nvPr/>
+        </p:nvCxnSpPr>
+        <p:spPr>
+          <a:xfrm>
+            <a:off x="9817273" y="5824688"/>
+            <a:ext cx="0" cy="0"/>
+          </a:xfrm>
+          <a:prstGeom prst="line">
+            <a:avLst/>
+          </a:prstGeom>
+        </p:spPr>
+        <p:style>
+          <a:lnRef idx="3">
+            <a:schemeClr val="accent6"/>
+          </a:lnRef>
+          <a:fillRef idx="0">
+            <a:schemeClr val="accent6"/>
+          </a:fillRef>
+          <a:effectRef idx="2">
+            <a:schemeClr val="accent6"/>
+          </a:effectRef>
+          <a:fontRef idx="minor">
+            <a:schemeClr val="tx1"/>
+          </a:fontRef>
+        </p:style>
+      </p:cxnSp>
+      <p:cxnSp>
+        <p:nvCxnSpPr>
+          <p:cNvPr id="120" name="Straight Connector 119">
+            <a:extLst>
+              <a:ext uri="{FF2B5EF4-FFF2-40B4-BE49-F238E27FC236}">
+                <a16:creationId xmlns:a16="http://schemas.microsoft.com/office/drawing/2014/main" id="{785F4628-B81B-DF81-BB3D-679238885D63}"/>
+              </a:ext>
+            </a:extLst>
+          </p:cNvPr>
+          <p:cNvCxnSpPr>
+            <a:cxnSpLocks/>
+          </p:cNvCxnSpPr>
+          <p:nvPr/>
+        </p:nvCxnSpPr>
+        <p:spPr>
+          <a:xfrm flipV="1">
+            <a:off x="9848088" y="3997714"/>
+            <a:ext cx="0" cy="1826974"/>
+          </a:xfrm>
+          <a:prstGeom prst="line">
+            <a:avLst/>
+          </a:prstGeom>
+        </p:spPr>
+        <p:style>
+          <a:lnRef idx="3">
+            <a:schemeClr val="accent6"/>
+          </a:lnRef>
+          <a:fillRef idx="0">
+            <a:schemeClr val="accent6"/>
+          </a:fillRef>
+          <a:effectRef idx="2">
+            <a:schemeClr val="accent6"/>
+          </a:effectRef>
+          <a:fontRef idx="minor">
+            <a:schemeClr val="tx1"/>
+          </a:fontRef>
+        </p:style>
+      </p:cxnSp>
+      <p:cxnSp>
+        <p:nvCxnSpPr>
+          <p:cNvPr id="123" name="Straight Connector 122">
+            <a:extLst>
+              <a:ext uri="{FF2B5EF4-FFF2-40B4-BE49-F238E27FC236}">
+                <a16:creationId xmlns:a16="http://schemas.microsoft.com/office/drawing/2014/main" id="{A82F61DF-EF3A-3156-8E70-686C49D48C76}"/>
+              </a:ext>
+            </a:extLst>
+          </p:cNvPr>
+          <p:cNvCxnSpPr>
+            <a:cxnSpLocks/>
+          </p:cNvCxnSpPr>
+          <p:nvPr/>
+        </p:nvCxnSpPr>
+        <p:spPr>
+          <a:xfrm flipV="1">
+            <a:off x="9381744" y="2627900"/>
+            <a:ext cx="0" cy="1387196"/>
+          </a:xfrm>
+          <a:prstGeom prst="line">
+            <a:avLst/>
+          </a:prstGeom>
+        </p:spPr>
+        <p:style>
+          <a:lnRef idx="3">
+            <a:schemeClr val="accent6"/>
+          </a:lnRef>
+          <a:fillRef idx="0">
+            <a:schemeClr val="accent6"/>
+          </a:fillRef>
+          <a:effectRef idx="2">
+            <a:schemeClr val="accent6"/>
+          </a:effectRef>
+          <a:fontRef idx="minor">
+            <a:schemeClr val="tx1"/>
+          </a:fontRef>
+        </p:style>
+      </p:cxnSp>
+      <p:sp>
+        <p:nvSpPr>
+          <p:cNvPr id="127" name="TextBox 126">
+            <a:extLst>
+              <a:ext uri="{FF2B5EF4-FFF2-40B4-BE49-F238E27FC236}">
+                <a16:creationId xmlns:a16="http://schemas.microsoft.com/office/drawing/2014/main" id="{DE07BA58-99A4-BAC2-D4E4-68CD5563B5B3}"/>
+              </a:ext>
+            </a:extLst>
+          </p:cNvPr>
+          <p:cNvSpPr txBox="1"/>
+          <p:nvPr/>
+        </p:nvSpPr>
+        <p:spPr>
+          <a:xfrm>
+            <a:off x="9275650" y="2712750"/>
+            <a:ext cx="418704" cy="369332"/>
+          </a:xfrm>
+          <a:prstGeom prst="rect">
+            <a:avLst/>
+          </a:prstGeom>
+          <a:noFill/>
+        </p:spPr>
+        <p:txBody>
+          <a:bodyPr wrap="none" rtlCol="0">
+            <a:spAutoFit/>
+          </a:bodyPr>
+          <a:lstStyle/>
+          <a:p>
+            <a:r>
+              <a:rPr lang="en-US" dirty="0"/>
+              <a:t>23</a:t>
+            </a:r>
+            <a:endParaRPr lang="en-IL" dirty="0"/>
+          </a:p>
+        </p:txBody>
+      </p:sp>
+      <p:cxnSp>
+        <p:nvCxnSpPr>
+          <p:cNvPr id="1024" name="Straight Connector 1023">
+            <a:extLst>
+              <a:ext uri="{FF2B5EF4-FFF2-40B4-BE49-F238E27FC236}">
+                <a16:creationId xmlns:a16="http://schemas.microsoft.com/office/drawing/2014/main" id="{13F80E4A-6B07-C6D5-F2E2-CB70D0802BE3}"/>
+              </a:ext>
+            </a:extLst>
+          </p:cNvPr>
+          <p:cNvCxnSpPr>
+            <a:cxnSpLocks/>
+          </p:cNvCxnSpPr>
+          <p:nvPr/>
+        </p:nvCxnSpPr>
+        <p:spPr>
+          <a:xfrm flipH="1">
+            <a:off x="11292840" y="5758910"/>
+            <a:ext cx="612648" cy="0"/>
+          </a:xfrm>
+          <a:prstGeom prst="line">
+            <a:avLst/>
+          </a:prstGeom>
+        </p:spPr>
+        <p:style>
+          <a:lnRef idx="3">
+            <a:schemeClr val="dk1"/>
+          </a:lnRef>
+          <a:fillRef idx="0">
+            <a:schemeClr val="dk1"/>
+          </a:fillRef>
+          <a:effectRef idx="2">
+            <a:schemeClr val="dk1"/>
+          </a:effectRef>
+          <a:fontRef idx="minor">
+            <a:schemeClr val="tx1"/>
+          </a:fontRef>
+        </p:style>
+      </p:cxnSp>
+      <p:cxnSp>
+        <p:nvCxnSpPr>
+          <p:cNvPr id="1027" name="Straight Connector 1026">
+            <a:extLst>
+              <a:ext uri="{FF2B5EF4-FFF2-40B4-BE49-F238E27FC236}">
+                <a16:creationId xmlns:a16="http://schemas.microsoft.com/office/drawing/2014/main" id="{5D18AE22-C53D-7A47-12D1-B6B813FA679E}"/>
+              </a:ext>
+            </a:extLst>
+          </p:cNvPr>
+          <p:cNvCxnSpPr>
+            <a:cxnSpLocks/>
+          </p:cNvCxnSpPr>
+          <p:nvPr/>
+        </p:nvCxnSpPr>
+        <p:spPr>
+          <a:xfrm flipH="1" flipV="1">
+            <a:off x="9638270" y="3456408"/>
+            <a:ext cx="2267218" cy="20098"/>
+          </a:xfrm>
+          <a:prstGeom prst="line">
+            <a:avLst/>
+          </a:prstGeom>
+        </p:spPr>
+        <p:style>
+          <a:lnRef idx="3">
+            <a:schemeClr val="dk1"/>
+          </a:lnRef>
+          <a:fillRef idx="0">
+            <a:schemeClr val="dk1"/>
+          </a:fillRef>
+          <a:effectRef idx="2">
+            <a:schemeClr val="dk1"/>
+          </a:effectRef>
+          <a:fontRef idx="minor">
+            <a:schemeClr val="tx1"/>
+          </a:fontRef>
+        </p:style>
+      </p:cxnSp>
+      <p:cxnSp>
+        <p:nvCxnSpPr>
+          <p:cNvPr id="1030" name="Straight Connector 1029">
+            <a:extLst>
+              <a:ext uri="{FF2B5EF4-FFF2-40B4-BE49-F238E27FC236}">
+                <a16:creationId xmlns:a16="http://schemas.microsoft.com/office/drawing/2014/main" id="{A5E730A2-1FBD-A87F-A002-7DB6D365FC0A}"/>
+              </a:ext>
+            </a:extLst>
+          </p:cNvPr>
+          <p:cNvCxnSpPr>
+            <a:cxnSpLocks/>
+          </p:cNvCxnSpPr>
+          <p:nvPr/>
+        </p:nvCxnSpPr>
+        <p:spPr>
+          <a:xfrm>
+            <a:off x="11905488" y="3476506"/>
+            <a:ext cx="0" cy="2282404"/>
+          </a:xfrm>
+          <a:prstGeom prst="line">
+            <a:avLst/>
+          </a:prstGeom>
+        </p:spPr>
+        <p:style>
+          <a:lnRef idx="3">
+            <a:schemeClr val="dk1"/>
+          </a:lnRef>
+          <a:fillRef idx="0">
+            <a:schemeClr val="dk1"/>
+          </a:fillRef>
+          <a:effectRef idx="2">
+            <a:schemeClr val="dk1"/>
+          </a:effectRef>
+          <a:fontRef idx="minor">
+            <a:schemeClr val="tx1"/>
+          </a:fontRef>
+        </p:style>
+      </p:cxnSp>
+      <p:sp>
+        <p:nvSpPr>
+          <p:cNvPr id="1034" name="TextBox 1033">
+            <a:extLst>
+              <a:ext uri="{FF2B5EF4-FFF2-40B4-BE49-F238E27FC236}">
+                <a16:creationId xmlns:a16="http://schemas.microsoft.com/office/drawing/2014/main" id="{77B39D03-501F-AB9D-F458-30422715D4BD}"/>
+              </a:ext>
+            </a:extLst>
+          </p:cNvPr>
+          <p:cNvSpPr txBox="1"/>
+          <p:nvPr/>
+        </p:nvSpPr>
+        <p:spPr>
+          <a:xfrm>
+            <a:off x="11278383" y="5759459"/>
+            <a:ext cx="622286" cy="369332"/>
+          </a:xfrm>
+          <a:prstGeom prst="rect">
+            <a:avLst/>
+          </a:prstGeom>
+          <a:noFill/>
+        </p:spPr>
+        <p:txBody>
+          <a:bodyPr wrap="none" rtlCol="0">
+            <a:spAutoFit/>
+          </a:bodyPr>
+          <a:lstStyle/>
+          <a:p>
+            <a:r>
+              <a:rPr lang="en-US" dirty="0"/>
+              <a:t>GND</a:t>
+            </a:r>
+            <a:endParaRPr lang="en-IL" dirty="0"/>
+          </a:p>
+        </p:txBody>
+      </p:sp>
+      <p:pic>
+        <p:nvPicPr>
+          <p:cNvPr id="1036" name="Picture 1035">
+            <a:extLst>
+              <a:ext uri="{FF2B5EF4-FFF2-40B4-BE49-F238E27FC236}">
+                <a16:creationId xmlns:a16="http://schemas.microsoft.com/office/drawing/2014/main" id="{E0E2A7C5-2744-C55C-C71C-FCE0BDA7F7E3}"/>
+              </a:ext>
+            </a:extLst>
+          </p:cNvPr>
+          <p:cNvPicPr>
+            <a:picLocks noChangeAspect="1"/>
+          </p:cNvPicPr>
+          <p:nvPr/>
+        </p:nvPicPr>
+        <p:blipFill>
+          <a:blip r:embed="rId5"/>
+          <a:stretch>
+            <a:fillRect/>
+          </a:stretch>
+        </p:blipFill>
+        <p:spPr>
+          <a:xfrm>
+            <a:off x="2995303" y="3321498"/>
+            <a:ext cx="1552792" cy="1886213"/>
+          </a:xfrm>
+          <a:prstGeom prst="rect">
+            <a:avLst/>
+          </a:prstGeom>
+        </p:spPr>
+      </p:pic>
+      <p:cxnSp>
+        <p:nvCxnSpPr>
+          <p:cNvPr id="1037" name="Straight Connector 1036">
+            <a:extLst>
+              <a:ext uri="{FF2B5EF4-FFF2-40B4-BE49-F238E27FC236}">
+                <a16:creationId xmlns:a16="http://schemas.microsoft.com/office/drawing/2014/main" id="{2F5825E8-4B48-53D9-7528-8FC5D9A68328}"/>
+              </a:ext>
+            </a:extLst>
+          </p:cNvPr>
+          <p:cNvCxnSpPr>
+            <a:cxnSpLocks/>
+          </p:cNvCxnSpPr>
+          <p:nvPr/>
+        </p:nvCxnSpPr>
+        <p:spPr>
+          <a:xfrm flipH="1">
+            <a:off x="4032504" y="3451741"/>
+            <a:ext cx="2916936" cy="4667"/>
+          </a:xfrm>
+          <a:prstGeom prst="line">
+            <a:avLst/>
+          </a:prstGeom>
+        </p:spPr>
+        <p:style>
+          <a:lnRef idx="3">
+            <a:schemeClr val="dk1"/>
+          </a:lnRef>
+          <a:fillRef idx="0">
+            <a:schemeClr val="dk1"/>
+          </a:fillRef>
+          <a:effectRef idx="2">
+            <a:schemeClr val="dk1"/>
+          </a:effectRef>
+          <a:fontRef idx="minor">
+            <a:schemeClr val="tx1"/>
+          </a:fontRef>
+        </p:style>
+      </p:cxnSp>
+      <p:sp>
+        <p:nvSpPr>
+          <p:cNvPr id="1039" name="TextBox 1038">
+            <a:extLst>
+              <a:ext uri="{FF2B5EF4-FFF2-40B4-BE49-F238E27FC236}">
+                <a16:creationId xmlns:a16="http://schemas.microsoft.com/office/drawing/2014/main" id="{C536157A-0A2E-DAD5-2A38-307AAC5A64A4}"/>
+              </a:ext>
+            </a:extLst>
+          </p:cNvPr>
+          <p:cNvSpPr txBox="1"/>
+          <p:nvPr/>
+        </p:nvSpPr>
+        <p:spPr>
+          <a:xfrm>
+            <a:off x="4196602" y="3107770"/>
+            <a:ext cx="622286" cy="369332"/>
+          </a:xfrm>
+          <a:prstGeom prst="rect">
+            <a:avLst/>
+          </a:prstGeom>
+          <a:noFill/>
+        </p:spPr>
+        <p:txBody>
+          <a:bodyPr wrap="none" rtlCol="0">
+            <a:spAutoFit/>
+          </a:bodyPr>
+          <a:lstStyle/>
+          <a:p>
+            <a:r>
+              <a:rPr lang="en-US" dirty="0"/>
+              <a:t>GND</a:t>
+            </a:r>
+            <a:endParaRPr lang="en-IL" dirty="0"/>
+          </a:p>
+        </p:txBody>
+      </p:sp>
+      <p:cxnSp>
+        <p:nvCxnSpPr>
+          <p:cNvPr id="1040" name="Straight Connector 1039">
+            <a:extLst>
+              <a:ext uri="{FF2B5EF4-FFF2-40B4-BE49-F238E27FC236}">
+                <a16:creationId xmlns:a16="http://schemas.microsoft.com/office/drawing/2014/main" id="{1897E52C-F6A2-FE2D-5845-FE9BBCEFFF3A}"/>
+              </a:ext>
+            </a:extLst>
+          </p:cNvPr>
+          <p:cNvCxnSpPr>
+            <a:cxnSpLocks/>
+          </p:cNvCxnSpPr>
+          <p:nvPr/>
+        </p:nvCxnSpPr>
+        <p:spPr>
+          <a:xfrm flipH="1">
+            <a:off x="3465576" y="3007691"/>
+            <a:ext cx="3557016" cy="0"/>
+          </a:xfrm>
+          <a:prstGeom prst="line">
+            <a:avLst/>
+          </a:prstGeom>
+        </p:spPr>
+        <p:style>
+          <a:lnRef idx="3">
+            <a:schemeClr val="accent2"/>
+          </a:lnRef>
+          <a:fillRef idx="0">
+            <a:schemeClr val="accent2"/>
+          </a:fillRef>
+          <a:effectRef idx="2">
+            <a:schemeClr val="accent2"/>
+          </a:effectRef>
+          <a:fontRef idx="minor">
+            <a:schemeClr val="tx1"/>
+          </a:fontRef>
+        </p:style>
+      </p:cxnSp>
+      <p:cxnSp>
+        <p:nvCxnSpPr>
+          <p:cNvPr id="1042" name="Straight Connector 1041">
+            <a:extLst>
+              <a:ext uri="{FF2B5EF4-FFF2-40B4-BE49-F238E27FC236}">
+                <a16:creationId xmlns:a16="http://schemas.microsoft.com/office/drawing/2014/main" id="{A080CFA0-1126-C967-20A4-D909010BC855}"/>
+              </a:ext>
+            </a:extLst>
+          </p:cNvPr>
+          <p:cNvCxnSpPr>
+            <a:cxnSpLocks/>
+          </p:cNvCxnSpPr>
+          <p:nvPr/>
+        </p:nvCxnSpPr>
+        <p:spPr>
+          <a:xfrm>
+            <a:off x="3465576" y="3007691"/>
+            <a:ext cx="0" cy="421309"/>
+          </a:xfrm>
+          <a:prstGeom prst="line">
+            <a:avLst/>
+          </a:prstGeom>
+        </p:spPr>
+        <p:style>
+          <a:lnRef idx="3">
+            <a:schemeClr val="accent2"/>
+          </a:lnRef>
+          <a:fillRef idx="0">
+            <a:schemeClr val="accent2"/>
+          </a:fillRef>
+          <a:effectRef idx="2">
+            <a:schemeClr val="accent2"/>
+          </a:effectRef>
+          <a:fontRef idx="minor">
+            <a:schemeClr val="tx1"/>
+          </a:fontRef>
+        </p:style>
+      </p:cxnSp>
+      <p:cxnSp>
+        <p:nvCxnSpPr>
+          <p:cNvPr id="1045" name="Straight Connector 1044">
+            <a:extLst>
+              <a:ext uri="{FF2B5EF4-FFF2-40B4-BE49-F238E27FC236}">
+                <a16:creationId xmlns:a16="http://schemas.microsoft.com/office/drawing/2014/main" id="{6F5CEEA7-5A94-1AA0-CFF6-EEBFE03C3811}"/>
+              </a:ext>
+            </a:extLst>
+          </p:cNvPr>
+          <p:cNvCxnSpPr>
+            <a:cxnSpLocks/>
+          </p:cNvCxnSpPr>
+          <p:nvPr/>
+        </p:nvCxnSpPr>
+        <p:spPr>
+          <a:xfrm>
+            <a:off x="7022592" y="2686461"/>
+            <a:ext cx="0" cy="353234"/>
+          </a:xfrm>
+          <a:prstGeom prst="line">
+            <a:avLst/>
+          </a:prstGeom>
+        </p:spPr>
+        <p:style>
+          <a:lnRef idx="3">
+            <a:schemeClr val="accent2"/>
+          </a:lnRef>
+          <a:fillRef idx="0">
+            <a:schemeClr val="accent2"/>
+          </a:fillRef>
+          <a:effectRef idx="2">
+            <a:schemeClr val="accent2"/>
+          </a:effectRef>
+          <a:fontRef idx="minor">
+            <a:schemeClr val="tx1"/>
+          </a:fontRef>
+        </p:style>
+      </p:cxnSp>
+      <p:sp>
+        <p:nvSpPr>
+          <p:cNvPr id="1047" name="TextBox 1046">
+            <a:extLst>
+              <a:ext uri="{FF2B5EF4-FFF2-40B4-BE49-F238E27FC236}">
+                <a16:creationId xmlns:a16="http://schemas.microsoft.com/office/drawing/2014/main" id="{79256173-FADE-3D78-4B70-010D7741DD1E}"/>
+              </a:ext>
+            </a:extLst>
+          </p:cNvPr>
+          <p:cNvSpPr txBox="1"/>
+          <p:nvPr/>
+        </p:nvSpPr>
+        <p:spPr>
+          <a:xfrm>
+            <a:off x="6765824" y="2706624"/>
+            <a:ext cx="301686" cy="369332"/>
+          </a:xfrm>
+          <a:prstGeom prst="rect">
+            <a:avLst/>
+          </a:prstGeom>
+          <a:noFill/>
+        </p:spPr>
+        <p:txBody>
+          <a:bodyPr wrap="none" rtlCol="0">
+            <a:spAutoFit/>
+          </a:bodyPr>
+          <a:lstStyle/>
+          <a:p>
+            <a:r>
+              <a:rPr lang="en-US" dirty="0"/>
+              <a:t>4</a:t>
+            </a:r>
+            <a:endParaRPr lang="en-IL" dirty="0"/>
+          </a:p>
+        </p:txBody>
+      </p:sp>
+      <p:sp>
+        <p:nvSpPr>
+          <p:cNvPr id="1048" name="TextBox 1047">
+            <a:extLst>
+              <a:ext uri="{FF2B5EF4-FFF2-40B4-BE49-F238E27FC236}">
+                <a16:creationId xmlns:a16="http://schemas.microsoft.com/office/drawing/2014/main" id="{57903C4B-C829-6FBB-125F-7747F021E2AD}"/>
+              </a:ext>
+            </a:extLst>
+          </p:cNvPr>
+          <p:cNvSpPr txBox="1"/>
+          <p:nvPr/>
+        </p:nvSpPr>
+        <p:spPr>
+          <a:xfrm>
+            <a:off x="870564" y="406908"/>
+            <a:ext cx="1548822" cy="369332"/>
+          </a:xfrm>
+          <a:prstGeom prst="rect">
+            <a:avLst/>
+          </a:prstGeom>
+          <a:noFill/>
+        </p:spPr>
+        <p:txBody>
+          <a:bodyPr wrap="none" rtlCol="0">
+            <a:spAutoFit/>
+          </a:bodyPr>
+          <a:lstStyle/>
+          <a:p>
+            <a:r>
+              <a:rPr lang="he-IL" dirty="0"/>
+              <a:t>לסרטון הרכבה:</a:t>
+            </a:r>
+            <a:endParaRPr lang="en-IL" dirty="0"/>
+          </a:p>
+        </p:txBody>
+      </p:sp>
+      <p:pic>
+        <p:nvPicPr>
+          <p:cNvPr id="1050" name="Picture 1049">
+            <a:extLst>
+              <a:ext uri="{FF2B5EF4-FFF2-40B4-BE49-F238E27FC236}">
+                <a16:creationId xmlns:a16="http://schemas.microsoft.com/office/drawing/2014/main" id="{D6B38A4B-5FD1-4F46-C09E-302B0DEE019C}"/>
+              </a:ext>
+            </a:extLst>
+          </p:cNvPr>
+          <p:cNvPicPr>
+            <a:picLocks noChangeAspect="1"/>
+          </p:cNvPicPr>
+          <p:nvPr/>
+        </p:nvPicPr>
+        <p:blipFill>
+          <a:blip r:embed="rId6"/>
+          <a:stretch>
+            <a:fillRect/>
+          </a:stretch>
+        </p:blipFill>
+        <p:spPr>
+          <a:xfrm>
+            <a:off x="673982" y="765372"/>
+            <a:ext cx="2007243" cy="1904991"/>
+          </a:xfrm>
+          <a:prstGeom prst="rect">
+            <a:avLst/>
+          </a:prstGeom>
+        </p:spPr>
+      </p:pic>
+      <p:sp>
+        <p:nvSpPr>
+          <p:cNvPr id="1051" name="TextBox 1050">
+            <a:extLst>
+              <a:ext uri="{FF2B5EF4-FFF2-40B4-BE49-F238E27FC236}">
+                <a16:creationId xmlns:a16="http://schemas.microsoft.com/office/drawing/2014/main" id="{C5748FA7-E16F-866C-EEDF-31BFD6548B79}"/>
+              </a:ext>
+            </a:extLst>
+          </p:cNvPr>
+          <p:cNvSpPr txBox="1"/>
+          <p:nvPr/>
+        </p:nvSpPr>
+        <p:spPr>
+          <a:xfrm>
+            <a:off x="295580" y="3107770"/>
+            <a:ext cx="2308645" cy="1477328"/>
+          </a:xfrm>
+          <a:prstGeom prst="rect">
+            <a:avLst/>
+          </a:prstGeom>
+          <a:noFill/>
+        </p:spPr>
+        <p:txBody>
+          <a:bodyPr wrap="none" rtlCol="0">
+            <a:spAutoFit/>
+          </a:bodyPr>
+          <a:lstStyle/>
+          <a:p>
+            <a:pPr algn="r" rtl="1"/>
+            <a:r>
+              <a:rPr lang="he-IL" b="1" dirty="0"/>
+              <a:t>לקורס תכנות </a:t>
+            </a:r>
+            <a:br>
+              <a:rPr lang="en-US" b="1" dirty="0"/>
+            </a:br>
+            <a:r>
+              <a:rPr lang="he-IL" b="1" dirty="0"/>
+              <a:t>משחק בעצמכם:</a:t>
+            </a:r>
+            <a:br>
+              <a:rPr lang="en-US" b="1" dirty="0"/>
+            </a:br>
+            <a:r>
+              <a:rPr lang="en-US" dirty="0">
+                <a:hlinkClick r:id="rId7"/>
+              </a:rPr>
+              <a:t>www.matazim.co.il</a:t>
+            </a:r>
+            <a:endParaRPr lang="en-US" dirty="0"/>
+          </a:p>
+          <a:p>
+            <a:pPr algn="r" rtl="1"/>
+            <a:r>
+              <a:rPr lang="he-IL" dirty="0"/>
+              <a:t>הרשמו וחפשו את קורס </a:t>
+            </a:r>
+          </a:p>
+          <a:p>
+            <a:pPr algn="r" rtl="1"/>
+            <a:r>
+              <a:rPr lang="en-US" dirty="0"/>
+              <a:t>Single button game</a:t>
+            </a:r>
+          </a:p>
+        </p:txBody>
+      </p:sp>
+      <p:cxnSp>
+        <p:nvCxnSpPr>
+          <p:cNvPr id="1053" name="Straight Connector 1052">
+            <a:extLst>
+              <a:ext uri="{FF2B5EF4-FFF2-40B4-BE49-F238E27FC236}">
+                <a16:creationId xmlns:a16="http://schemas.microsoft.com/office/drawing/2014/main" id="{54ED914C-87FC-786B-A4B8-C341CA5A4BBD}"/>
+              </a:ext>
+            </a:extLst>
+          </p:cNvPr>
+          <p:cNvCxnSpPr/>
+          <p:nvPr/>
+        </p:nvCxnSpPr>
+        <p:spPr>
+          <a:xfrm>
+            <a:off x="2916936" y="316057"/>
+            <a:ext cx="0" cy="6313343"/>
+          </a:xfrm>
+          <a:prstGeom prst="line">
+            <a:avLst/>
+          </a:prstGeom>
+        </p:spPr>
+        <p:style>
+          <a:lnRef idx="1">
+            <a:schemeClr val="accent1"/>
+          </a:lnRef>
+          <a:fillRef idx="0">
+            <a:schemeClr val="accent1"/>
+          </a:fillRef>
+          <a:effectRef idx="0">
+            <a:schemeClr val="accent1"/>
+          </a:effectRef>
+          <a:fontRef idx="minor">
+            <a:schemeClr val="tx1"/>
+          </a:fontRef>
+        </p:style>
+      </p:cxnSp>
+      <p:cxnSp>
+        <p:nvCxnSpPr>
+          <p:cNvPr id="1055" name="Straight Connector 1054">
+            <a:extLst>
+              <a:ext uri="{FF2B5EF4-FFF2-40B4-BE49-F238E27FC236}">
+                <a16:creationId xmlns:a16="http://schemas.microsoft.com/office/drawing/2014/main" id="{EC979483-6FE9-1DC0-CA93-AA0F79699A3D}"/>
+              </a:ext>
+            </a:extLst>
+          </p:cNvPr>
+          <p:cNvCxnSpPr/>
+          <p:nvPr/>
+        </p:nvCxnSpPr>
+        <p:spPr>
+          <a:xfrm>
+            <a:off x="295580" y="2880360"/>
+            <a:ext cx="2484196" cy="0"/>
+          </a:xfrm>
+          <a:prstGeom prst="line">
+            <a:avLst/>
+          </a:prstGeom>
+        </p:spPr>
+        <p:style>
+          <a:lnRef idx="1">
+            <a:schemeClr val="accent1"/>
+          </a:lnRef>
+          <a:fillRef idx="0">
+            <a:schemeClr val="accent1"/>
+          </a:fillRef>
+          <a:effectRef idx="0">
+            <a:schemeClr val="accent1"/>
+          </a:effectRef>
+          <a:fontRef idx="minor">
+            <a:schemeClr val="tx1"/>
+          </a:fontRef>
+        </p:style>
+      </p:cxnSp>
+    </p:spTree>
+    <p:extLst>
+      <p:ext uri="{BB962C8B-B14F-4D97-AF65-F5344CB8AC3E}">
+        <p14:creationId xmlns:p14="http://schemas.microsoft.com/office/powerpoint/2010/main" val="1557599398"/>
+      </p:ext>
+    </p:extLst>
+  </p:cSld>
+  <p:clrMapOvr>
+    <a:masterClrMapping/>
+  </p:clrMapOvr>
+</p:sld>
+</file>
+
+<file path=ppt/slides/slide15.xml><?xml version="1.0" encoding="utf-8"?>
+<p:sld xmlns:a="http://schemas.openxmlformats.org/drawingml/2006/main" xmlns:r="http://schemas.openxmlformats.org/officeDocument/2006/relationships" xmlns:p="http://schemas.openxmlformats.org/presentationml/2006/main">
+  <p:cSld>
+    <p:spTree>
+      <p:nvGrpSpPr>
+        <p:cNvPr id="1" name=""/>
+        <p:cNvGrpSpPr/>
+        <p:nvPr/>
+      </p:nvGrpSpPr>
+      <p:grpSpPr>
+        <a:xfrm>
+          <a:off x="0" y="0"/>
+          <a:ext cx="0" cy="0"/>
+          <a:chOff x="0" y="0"/>
+          <a:chExt cx="0" cy="0"/>
+        </a:xfrm>
+      </p:grpSpPr>
+      <p:sp>
+        <p:nvSpPr>
+          <p:cNvPr id="2" name="Title 1">
+            <a:extLst>
+              <a:ext uri="{FF2B5EF4-FFF2-40B4-BE49-F238E27FC236}">
+                <a16:creationId xmlns:a16="http://schemas.microsoft.com/office/drawing/2014/main" id="{E06385FE-1DB4-008B-749C-E328B0622073}"/>
+              </a:ext>
+            </a:extLst>
+          </p:cNvPr>
+          <p:cNvSpPr>
+            <a:spLocks noGrp="1"/>
+          </p:cNvSpPr>
+          <p:nvPr>
+            <p:ph type="title"/>
+          </p:nvPr>
+        </p:nvSpPr>
+        <p:spPr/>
+        <p:txBody>
+          <a:bodyPr/>
+          <a:lstStyle/>
+          <a:p>
+            <a:endParaRPr lang="en-IL"/>
+          </a:p>
+        </p:txBody>
+      </p:sp>
+      <p:pic>
+        <p:nvPicPr>
+          <p:cNvPr id="4" name="Content Placeholder 3">
+            <a:extLst>
+              <a:ext uri="{FF2B5EF4-FFF2-40B4-BE49-F238E27FC236}">
+                <a16:creationId xmlns:a16="http://schemas.microsoft.com/office/drawing/2014/main" id="{01B2A38B-09D0-3F75-71F6-10C4FC0DF7C0}"/>
+              </a:ext>
+            </a:extLst>
+          </p:cNvPr>
+          <p:cNvPicPr>
+            <a:picLocks noGrp="1" noChangeAspect="1"/>
+          </p:cNvPicPr>
+          <p:nvPr>
+            <p:ph idx="1"/>
+          </p:nvPr>
+        </p:nvPicPr>
+        <p:blipFill>
+          <a:blip r:embed="rId2"/>
+          <a:stretch>
+            <a:fillRect/>
+          </a:stretch>
+        </p:blipFill>
+        <p:spPr>
+          <a:xfrm>
+            <a:off x="3562716" y="365125"/>
+            <a:ext cx="7443612" cy="7409073"/>
+          </a:xfrm>
+          <a:prstGeom prst="rect">
+            <a:avLst/>
+          </a:prstGeom>
+        </p:spPr>
+      </p:pic>
+    </p:spTree>
+    <p:extLst>
+      <p:ext uri="{BB962C8B-B14F-4D97-AF65-F5344CB8AC3E}">
+        <p14:creationId xmlns:p14="http://schemas.microsoft.com/office/powerpoint/2010/main" val="3421098217"/>
       </p:ext>
     </p:extLst>
   </p:cSld>

--- a/slides.pptx
+++ b/slides.pptx
@@ -275,7 +275,7 @@
           <a:p>
             <a:fld id="{C20C4901-BF78-4450-8C22-6E0E9C4DFBAB}" type="datetimeFigureOut">
               <a:rPr lang="en-IL" smtClean="0"/>
-              <a:t>05/11/2023</a:t>
+              <a:t>02/01/2024</a:t>
             </a:fld>
             <a:endParaRPr lang="en-IL"/>
           </a:p>
@@ -475,7 +475,7 @@
           <a:p>
             <a:fld id="{C20C4901-BF78-4450-8C22-6E0E9C4DFBAB}" type="datetimeFigureOut">
               <a:rPr lang="en-IL" smtClean="0"/>
-              <a:t>05/11/2023</a:t>
+              <a:t>02/01/2024</a:t>
             </a:fld>
             <a:endParaRPr lang="en-IL"/>
           </a:p>
@@ -685,7 +685,7 @@
           <a:p>
             <a:fld id="{C20C4901-BF78-4450-8C22-6E0E9C4DFBAB}" type="datetimeFigureOut">
               <a:rPr lang="en-IL" smtClean="0"/>
-              <a:t>05/11/2023</a:t>
+              <a:t>02/01/2024</a:t>
             </a:fld>
             <a:endParaRPr lang="en-IL"/>
           </a:p>
@@ -885,7 +885,7 @@
           <a:p>
             <a:fld id="{C20C4901-BF78-4450-8C22-6E0E9C4DFBAB}" type="datetimeFigureOut">
               <a:rPr lang="en-IL" smtClean="0"/>
-              <a:t>05/11/2023</a:t>
+              <a:t>02/01/2024</a:t>
             </a:fld>
             <a:endParaRPr lang="en-IL"/>
           </a:p>
@@ -1161,7 +1161,7 @@
           <a:p>
             <a:fld id="{C20C4901-BF78-4450-8C22-6E0E9C4DFBAB}" type="datetimeFigureOut">
               <a:rPr lang="en-IL" smtClean="0"/>
-              <a:t>05/11/2023</a:t>
+              <a:t>02/01/2024</a:t>
             </a:fld>
             <a:endParaRPr lang="en-IL"/>
           </a:p>
@@ -1429,7 +1429,7 @@
           <a:p>
             <a:fld id="{C20C4901-BF78-4450-8C22-6E0E9C4DFBAB}" type="datetimeFigureOut">
               <a:rPr lang="en-IL" smtClean="0"/>
-              <a:t>05/11/2023</a:t>
+              <a:t>02/01/2024</a:t>
             </a:fld>
             <a:endParaRPr lang="en-IL"/>
           </a:p>
@@ -1844,7 +1844,7 @@
           <a:p>
             <a:fld id="{C20C4901-BF78-4450-8C22-6E0E9C4DFBAB}" type="datetimeFigureOut">
               <a:rPr lang="en-IL" smtClean="0"/>
-              <a:t>05/11/2023</a:t>
+              <a:t>02/01/2024</a:t>
             </a:fld>
             <a:endParaRPr lang="en-IL"/>
           </a:p>
@@ -1986,7 +1986,7 @@
           <a:p>
             <a:fld id="{C20C4901-BF78-4450-8C22-6E0E9C4DFBAB}" type="datetimeFigureOut">
               <a:rPr lang="en-IL" smtClean="0"/>
-              <a:t>05/11/2023</a:t>
+              <a:t>02/01/2024</a:t>
             </a:fld>
             <a:endParaRPr lang="en-IL"/>
           </a:p>
@@ -2099,7 +2099,7 @@
           <a:p>
             <a:fld id="{C20C4901-BF78-4450-8C22-6E0E9C4DFBAB}" type="datetimeFigureOut">
               <a:rPr lang="en-IL" smtClean="0"/>
-              <a:t>05/11/2023</a:t>
+              <a:t>02/01/2024</a:t>
             </a:fld>
             <a:endParaRPr lang="en-IL"/>
           </a:p>
@@ -2412,7 +2412,7 @@
           <a:p>
             <a:fld id="{C20C4901-BF78-4450-8C22-6E0E9C4DFBAB}" type="datetimeFigureOut">
               <a:rPr lang="en-IL" smtClean="0"/>
-              <a:t>05/11/2023</a:t>
+              <a:t>02/01/2024</a:t>
             </a:fld>
             <a:endParaRPr lang="en-IL"/>
           </a:p>
@@ -2701,7 +2701,7 @@
           <a:p>
             <a:fld id="{C20C4901-BF78-4450-8C22-6E0E9C4DFBAB}" type="datetimeFigureOut">
               <a:rPr lang="en-IL" smtClean="0"/>
-              <a:t>05/11/2023</a:t>
+              <a:t>02/01/2024</a:t>
             </a:fld>
             <a:endParaRPr lang="en-IL"/>
           </a:p>
@@ -2944,7 +2944,7 @@
           <a:p>
             <a:fld id="{C20C4901-BF78-4450-8C22-6E0E9C4DFBAB}" type="datetimeFigureOut">
               <a:rPr lang="en-IL" smtClean="0"/>
-              <a:t>05/11/2023</a:t>
+              <a:t>02/01/2024</a:t>
             </a:fld>
             <a:endParaRPr lang="en-IL"/>
           </a:p>
@@ -8665,8 +8665,8 @@
         </p:blipFill>
         <p:spPr>
           <a:xfrm>
-            <a:off x="673982" y="765372"/>
-            <a:ext cx="2007243" cy="1904991"/>
+            <a:off x="882796" y="776239"/>
+            <a:ext cx="1556620" cy="1477324"/>
           </a:xfrm>
           <a:prstGeom prst="rect">
             <a:avLst/>
@@ -8687,8 +8687,8 @@
         </p:nvSpPr>
         <p:spPr>
           <a:xfrm>
-            <a:off x="295580" y="3107770"/>
-            <a:ext cx="2308645" cy="1477328"/>
+            <a:off x="672089" y="2429625"/>
+            <a:ext cx="1688283" cy="646331"/>
           </a:xfrm>
           <a:prstGeom prst="rect">
             <a:avLst/>
@@ -8713,30 +8713,7 @@
               <a:rPr lang="he-IL" b="1" dirty="0"/>
               <a:t>משחק בעצמכם:</a:t>
             </a:r>
-            <a:br>
-              <a:rPr lang="en-US" b="1" dirty="0"/>
-            </a:br>
-            <a:r>
-              <a:rPr lang="en-US" dirty="0">
-                <a:hlinkClick r:id="rId7"/>
-              </a:rPr>
-              <a:t>www.matazim.co.il</a:t>
-            </a:r>
-            <a:endParaRPr lang="en-US" dirty="0"/>
-          </a:p>
-          <a:p>
-            <a:pPr algn="r" rtl="1"/>
-            <a:r>
-              <a:rPr lang="he-IL" dirty="0"/>
-              <a:t>הרשמו וחפשו את קורס </a:t>
-            </a:r>
-          </a:p>
-          <a:p>
-            <a:pPr algn="r" rtl="1"/>
-            <a:r>
-              <a:rPr lang="en-US" dirty="0"/>
-              <a:t>Single button game</a:t>
-            </a:r>
+            <a:endParaRPr lang="en-US" b="1" dirty="0"/>
           </a:p>
         </p:txBody>
       </p:sp>
@@ -8790,7 +8767,7 @@
         </p:nvCxnSpPr>
         <p:spPr>
           <a:xfrm>
-            <a:off x="295580" y="2880360"/>
+            <a:off x="295580" y="2355426"/>
             <a:ext cx="2484196" cy="0"/>
           </a:xfrm>
           <a:prstGeom prst="line">
@@ -8812,6 +8789,77 @@
           </a:fontRef>
         </p:style>
       </p:cxnSp>
+      <p:pic>
+        <p:nvPicPr>
+          <p:cNvPr id="5" name="Picture 4" descr="A qr code in a envelope&#10;&#10;Description automatically generated">
+            <a:extLst>
+              <a:ext uri="{FF2B5EF4-FFF2-40B4-BE49-F238E27FC236}">
+                <a16:creationId xmlns:a16="http://schemas.microsoft.com/office/drawing/2014/main" id="{1F2EB419-54F2-0865-C2BE-9EBB704D2ADB}"/>
+              </a:ext>
+            </a:extLst>
+          </p:cNvPr>
+          <p:cNvPicPr>
+            <a:picLocks noChangeAspect="1"/>
+          </p:cNvPicPr>
+          <p:nvPr/>
+        </p:nvPicPr>
+        <p:blipFill>
+          <a:blip r:embed="rId7">
+            <a:extLst>
+              <a:ext uri="{28A0092B-C50C-407E-A947-70E740481C1C}">
+                <a14:useLocalDpi xmlns:a14="http://schemas.microsoft.com/office/drawing/2010/main" val="0"/>
+              </a:ext>
+            </a:extLst>
+          </a:blip>
+          <a:stretch>
+            <a:fillRect/>
+          </a:stretch>
+        </p:blipFill>
+        <p:spPr>
+          <a:xfrm>
+            <a:off x="125795" y="3039695"/>
+            <a:ext cx="2665150" cy="2665150"/>
+          </a:xfrm>
+          <a:prstGeom prst="rect">
+            <a:avLst/>
+          </a:prstGeom>
+        </p:spPr>
+      </p:pic>
+      <p:sp>
+        <p:nvSpPr>
+          <p:cNvPr id="7" name="TextBox 6">
+            <a:extLst>
+              <a:ext uri="{FF2B5EF4-FFF2-40B4-BE49-F238E27FC236}">
+                <a16:creationId xmlns:a16="http://schemas.microsoft.com/office/drawing/2014/main" id="{BE09E38C-C308-2BCA-3E3B-CE457CC3B54C}"/>
+              </a:ext>
+            </a:extLst>
+          </p:cNvPr>
+          <p:cNvSpPr txBox="1"/>
+          <p:nvPr/>
+        </p:nvSpPr>
+        <p:spPr>
+          <a:xfrm>
+            <a:off x="256030" y="5066412"/>
+            <a:ext cx="2879343" cy="400110"/>
+          </a:xfrm>
+          <a:prstGeom prst="rect">
+            <a:avLst/>
+          </a:prstGeom>
+          <a:noFill/>
+        </p:spPr>
+        <p:txBody>
+          <a:bodyPr wrap="square">
+            <a:spAutoFit/>
+          </a:bodyPr>
+          <a:lstStyle/>
+          <a:p>
+            <a:r>
+              <a:rPr lang="en-IL" sz="2000" b="1" dirty="0"/>
+              <a:t>https://bit.ly/3H1GU7C</a:t>
+            </a:r>
+          </a:p>
+        </p:txBody>
+      </p:sp>
     </p:spTree>
     <p:extLst>
       <p:ext uri="{BB962C8B-B14F-4D97-AF65-F5344CB8AC3E}">
